--- a/uvod u 3d programiranje.pptx
+++ b/uvod u 3d programiranje.pptx
@@ -6,10 +6,10 @@
     <p:sldMasterId id="2147483756" r:id="rId6"/>
   </p:sldMasterIdLst>
   <p:notesMasterIdLst>
-    <p:notesMasterId r:id="rId20"/>
+    <p:notesMasterId r:id="rId23"/>
   </p:notesMasterIdLst>
   <p:handoutMasterIdLst>
-    <p:handoutMasterId r:id="rId21"/>
+    <p:handoutMasterId r:id="rId24"/>
   </p:handoutMasterIdLst>
   <p:sldIdLst>
     <p:sldId id="388" r:id="rId7"/>
@@ -22,9 +22,12 @@
     <p:sldId id="394" r:id="rId14"/>
     <p:sldId id="398" r:id="rId15"/>
     <p:sldId id="396" r:id="rId16"/>
-    <p:sldId id="400" r:id="rId17"/>
-    <p:sldId id="380" r:id="rId18"/>
-    <p:sldId id="378" r:id="rId19"/>
+    <p:sldId id="401" r:id="rId17"/>
+    <p:sldId id="402" r:id="rId18"/>
+    <p:sldId id="403" r:id="rId19"/>
+    <p:sldId id="400" r:id="rId20"/>
+    <p:sldId id="380" r:id="rId21"/>
+    <p:sldId id="378" r:id="rId22"/>
   </p:sldIdLst>
   <p:sldSz cx="12188825" cy="6858000"/>
   <p:notesSz cx="6858000" cy="9144000"/>
@@ -138,6 +141,9 @@
             <p14:sldId id="394"/>
             <p14:sldId id="398"/>
             <p14:sldId id="396"/>
+            <p14:sldId id="401"/>
+            <p14:sldId id="402"/>
+            <p14:sldId id="403"/>
             <p14:sldId id="400"/>
             <p14:sldId id="380"/>
             <p14:sldId id="378"/>
@@ -341,7 +347,7 @@
                 <a:latin typeface="Segoe UI" pitchFamily="34" charset="0"/>
               </a:rPr>
               <a:pPr/>
-              <a:t>12/21/2016</a:t>
+              <a:t>12/22/2016</a:t>
             </a:fld>
             <a:endParaRPr lang="en-US" dirty="0">
               <a:latin typeface="Segoe UI" pitchFamily="34" charset="0"/>
@@ -654,7 +660,7 @@
             <a:fld id="{7C3FBCD4-166E-446F-AF18-7D4A0CF9AEF6}" type="datetimeFigureOut">
               <a:rPr lang="en-US" smtClean="0"/>
               <a:pPr/>
-              <a:t>12/21/2016</a:t>
+              <a:t>12/22/2016</a:t>
             </a:fld>
             <a:endParaRPr lang="en-US" dirty="0"/>
           </a:p>
@@ -1236,7 +1242,7 @@
             <a:fld id="{81331B57-0BE5-4F82-AA58-76F53EFF3ADA}" type="datetime8">
               <a:rPr lang="en-US" smtClean="0"/>
               <a:pPr/>
-              <a:t>12/21/2016 6:06 AM</a:t>
+              <a:t>12/22/2016 7:11 AM</a:t>
             </a:fld>
             <a:endParaRPr lang="en-US"/>
           </a:p>
@@ -1260,7 +1266,7 @@
             <a:fld id="{EC87E0CF-87F6-4B58-B8B8-DCAB2DAAF3CA}" type="slidenum">
               <a:rPr lang="en-US" smtClean="0"/>
               <a:pPr/>
-              <a:t>13</a:t>
+              <a:t>16</a:t>
             </a:fld>
             <a:endParaRPr lang="en-US" dirty="0"/>
           </a:p>
@@ -5062,6 +5068,472 @@
 </file>
 
 <file path=ppt/slides/slide11.xml><?xml version="1.0" encoding="utf-8"?>
+<p:sld xmlns:a="http://schemas.openxmlformats.org/drawingml/2006/main" xmlns:r="http://schemas.openxmlformats.org/officeDocument/2006/relationships" xmlns:p="http://schemas.openxmlformats.org/presentationml/2006/main">
+  <p:cSld>
+    <p:spTree>
+      <p:nvGrpSpPr>
+        <p:cNvPr id="1" name=""/>
+        <p:cNvGrpSpPr/>
+        <p:nvPr/>
+      </p:nvGrpSpPr>
+      <p:grpSpPr>
+        <a:xfrm>
+          <a:off x="0" y="0"/>
+          <a:ext cx="0" cy="0"/>
+          <a:chOff x="0" y="0"/>
+          <a:chExt cx="0" cy="0"/>
+        </a:xfrm>
+      </p:grpSpPr>
+      <p:sp>
+        <p:nvSpPr>
+          <p:cNvPr id="2" name="Title 1"/>
+          <p:cNvSpPr>
+            <a:spLocks noGrp="1"/>
+          </p:cNvSpPr>
+          <p:nvPr>
+            <p:ph type="title"/>
+          </p:nvPr>
+        </p:nvSpPr>
+        <p:spPr>
+          <a:xfrm>
+            <a:off x="519112" y="228600"/>
+            <a:ext cx="11149013" cy="1495794"/>
+          </a:xfrm>
+        </p:spPr>
+        <p:txBody>
+          <a:bodyPr/>
+          <a:lstStyle/>
+          <a:p>
+            <a:r>
+              <a:rPr lang="hr-HR" dirty="0" smtClean="0"/>
+              <a:t>Open GL g</a:t>
+            </a:r>
+            <a:r>
+              <a:rPr lang="en-US" dirty="0" err="1" smtClean="0"/>
+              <a:t>lossary</a:t>
+            </a:r>
+            <a:r>
+              <a:rPr lang="en-US" dirty="0"/>
+              <a:t/>
+            </a:r>
+            <a:br>
+              <a:rPr lang="en-US" dirty="0"/>
+            </a:br>
+            <a:endParaRPr lang="en-US" dirty="0"/>
+          </a:p>
+        </p:txBody>
+      </p:sp>
+      <p:sp>
+        <p:nvSpPr>
+          <p:cNvPr id="3" name="Text Placeholder 2"/>
+          <p:cNvSpPr>
+            <a:spLocks noGrp="1"/>
+          </p:cNvSpPr>
+          <p:nvPr>
+            <p:ph type="body" sz="quarter" idx="10"/>
+          </p:nvPr>
+        </p:nvSpPr>
+        <p:spPr>
+          <a:xfrm>
+            <a:off x="519112" y="1447799"/>
+            <a:ext cx="11149013" cy="3053144"/>
+          </a:xfrm>
+        </p:spPr>
+        <p:txBody>
+          <a:bodyPr/>
+          <a:lstStyle/>
+          <a:p>
+            <a:r>
+              <a:rPr lang="hr-HR" dirty="0" smtClean="0"/>
+              <a:t>Frame – frame of animation</a:t>
+            </a:r>
+          </a:p>
+          <a:p>
+            <a:r>
+              <a:rPr lang="hr-HR" dirty="0" smtClean="0"/>
+              <a:t>Program – object to which shaders can be attached</a:t>
+            </a:r>
+          </a:p>
+          <a:p>
+            <a:r>
+              <a:rPr lang="hr-HR" dirty="0" smtClean="0"/>
+              <a:t>Shader – program that runs in GPU pipeline</a:t>
+            </a:r>
+          </a:p>
+          <a:p>
+            <a:r>
+              <a:rPr lang="hr-HR" dirty="0" smtClean="0"/>
+              <a:t>Buffer - </a:t>
+            </a:r>
+            <a:r>
+              <a:rPr lang="en-US" dirty="0"/>
+              <a:t>region of a physical memory storage used to temporarily store </a:t>
+            </a:r>
+            <a:r>
+              <a:rPr lang="hr-HR" dirty="0" smtClean="0"/>
+              <a:t>data</a:t>
+            </a:r>
+          </a:p>
+          <a:p>
+            <a:r>
+              <a:rPr lang="hr-HR" dirty="0" smtClean="0"/>
+              <a:t>Framebuffer - </a:t>
+            </a:r>
+            <a:r>
+              <a:rPr lang="en-US" dirty="0"/>
+              <a:t> type of data buffer for use in graphical display</a:t>
+            </a:r>
+            <a:endParaRPr lang="hr-HR" dirty="0" smtClean="0"/>
+          </a:p>
+        </p:txBody>
+      </p:sp>
+    </p:spTree>
+    <p:extLst>
+      <p:ext uri="{BB962C8B-B14F-4D97-AF65-F5344CB8AC3E}">
+        <p14:creationId xmlns:p14="http://schemas.microsoft.com/office/powerpoint/2010/main" val="1304323621"/>
+      </p:ext>
+    </p:extLst>
+  </p:cSld>
+  <p:clrMapOvr>
+    <a:masterClrMapping/>
+  </p:clrMapOvr>
+  <p:transition>
+    <p:fade/>
+  </p:transition>
+  <p:timing>
+    <p:tnLst>
+      <p:par>
+        <p:cTn id="1" dur="indefinite" restart="never" nodeType="tmRoot"/>
+      </p:par>
+    </p:tnLst>
+  </p:timing>
+</p:sld>
+</file>
+
+<file path=ppt/slides/slide12.xml><?xml version="1.0" encoding="utf-8"?>
+<p:sld xmlns:a="http://schemas.openxmlformats.org/drawingml/2006/main" xmlns:r="http://schemas.openxmlformats.org/officeDocument/2006/relationships" xmlns:p="http://schemas.openxmlformats.org/presentationml/2006/main">
+  <p:cSld>
+    <p:spTree>
+      <p:nvGrpSpPr>
+        <p:cNvPr id="1" name=""/>
+        <p:cNvGrpSpPr/>
+        <p:nvPr/>
+      </p:nvGrpSpPr>
+      <p:grpSpPr>
+        <a:xfrm>
+          <a:off x="0" y="0"/>
+          <a:ext cx="0" cy="0"/>
+          <a:chOff x="0" y="0"/>
+          <a:chExt cx="0" cy="0"/>
+        </a:xfrm>
+      </p:grpSpPr>
+      <p:sp>
+        <p:nvSpPr>
+          <p:cNvPr id="2" name="Title 1"/>
+          <p:cNvSpPr>
+            <a:spLocks noGrp="1"/>
+          </p:cNvSpPr>
+          <p:nvPr>
+            <p:ph type="title"/>
+          </p:nvPr>
+        </p:nvSpPr>
+        <p:spPr>
+          <a:xfrm>
+            <a:off x="519112" y="228600"/>
+            <a:ext cx="11149013" cy="747897"/>
+          </a:xfrm>
+        </p:spPr>
+        <p:txBody>
+          <a:bodyPr/>
+          <a:lstStyle/>
+          <a:p>
+            <a:r>
+              <a:rPr lang="hr-HR" dirty="0" smtClean="0"/>
+              <a:t>Open GL – variable </a:t>
+            </a:r>
+            <a:r>
+              <a:rPr lang="hr-HR" dirty="0"/>
+              <a:t>q</a:t>
+            </a:r>
+            <a:r>
+              <a:rPr lang="en-US" dirty="0" err="1" smtClean="0"/>
+              <a:t>ualifiers</a:t>
+            </a:r>
+            <a:endParaRPr lang="en-US" dirty="0"/>
+          </a:p>
+        </p:txBody>
+      </p:sp>
+      <p:sp>
+        <p:nvSpPr>
+          <p:cNvPr id="3" name="Text Placeholder 2"/>
+          <p:cNvSpPr>
+            <a:spLocks noGrp="1"/>
+          </p:cNvSpPr>
+          <p:nvPr>
+            <p:ph type="body" sz="quarter" idx="10"/>
+          </p:nvPr>
+        </p:nvSpPr>
+        <p:spPr>
+          <a:xfrm>
+            <a:off x="519112" y="1447799"/>
+            <a:ext cx="11149013" cy="3397853"/>
+          </a:xfrm>
+        </p:spPr>
+        <p:txBody>
+          <a:bodyPr/>
+          <a:lstStyle/>
+          <a:p>
+            <a:r>
+              <a:rPr lang="en-US" dirty="0" err="1"/>
+              <a:t>const</a:t>
+            </a:r>
+            <a:r>
+              <a:rPr lang="en-US" dirty="0"/>
+              <a:t> – The declaration is of a compile time constant</a:t>
+            </a:r>
+            <a:r>
+              <a:rPr lang="en-US" dirty="0" smtClean="0"/>
+              <a:t>.</a:t>
+            </a:r>
+            <a:endParaRPr lang="hr-HR" dirty="0" smtClean="0"/>
+          </a:p>
+          <a:p>
+            <a:endParaRPr lang="en-US" dirty="0"/>
+          </a:p>
+          <a:p>
+            <a:r>
+              <a:rPr lang="en-US" dirty="0"/>
+              <a:t>attribute – Global variables that may change per vertex, that are passed from the OpenGL application to vertex </a:t>
+            </a:r>
+            <a:r>
+              <a:rPr lang="en-US" dirty="0" err="1"/>
+              <a:t>shaders</a:t>
+            </a:r>
+            <a:r>
+              <a:rPr lang="en-US" dirty="0"/>
+              <a:t>. This qualifier can only be used in vertex </a:t>
+            </a:r>
+            <a:r>
+              <a:rPr lang="en-US" dirty="0" err="1"/>
+              <a:t>shaders</a:t>
+            </a:r>
+            <a:r>
+              <a:rPr lang="en-US" dirty="0"/>
+              <a:t>. For the </a:t>
+            </a:r>
+            <a:r>
+              <a:rPr lang="en-US" dirty="0" err="1"/>
+              <a:t>shader</a:t>
+            </a:r>
+            <a:r>
+              <a:rPr lang="en-US" dirty="0"/>
+              <a:t> this is a read-only </a:t>
+            </a:r>
+            <a:r>
+              <a:rPr lang="en-US" dirty="0" smtClean="0"/>
+              <a:t>variable</a:t>
+            </a:r>
+            <a:endParaRPr lang="hr-HR" dirty="0" smtClean="0"/>
+          </a:p>
+          <a:p>
+            <a:endParaRPr lang="hr-HR" dirty="0" smtClean="0"/>
+          </a:p>
+        </p:txBody>
+      </p:sp>
+    </p:spTree>
+    <p:extLst>
+      <p:ext uri="{BB962C8B-B14F-4D97-AF65-F5344CB8AC3E}">
+        <p14:creationId xmlns:p14="http://schemas.microsoft.com/office/powerpoint/2010/main" val="3816496631"/>
+      </p:ext>
+    </p:extLst>
+  </p:cSld>
+  <p:clrMapOvr>
+    <a:masterClrMapping/>
+  </p:clrMapOvr>
+  <p:transition>
+    <p:fade/>
+  </p:transition>
+  <p:timing>
+    <p:tnLst>
+      <p:par>
+        <p:cTn id="1" dur="indefinite" restart="never" nodeType="tmRoot"/>
+      </p:par>
+    </p:tnLst>
+  </p:timing>
+</p:sld>
+</file>
+
+<file path=ppt/slides/slide13.xml><?xml version="1.0" encoding="utf-8"?>
+<p:sld xmlns:a="http://schemas.openxmlformats.org/drawingml/2006/main" xmlns:r="http://schemas.openxmlformats.org/officeDocument/2006/relationships" xmlns:p="http://schemas.openxmlformats.org/presentationml/2006/main">
+  <p:cSld>
+    <p:spTree>
+      <p:nvGrpSpPr>
+        <p:cNvPr id="1" name=""/>
+        <p:cNvGrpSpPr/>
+        <p:nvPr/>
+      </p:nvGrpSpPr>
+      <p:grpSpPr>
+        <a:xfrm>
+          <a:off x="0" y="0"/>
+          <a:ext cx="0" cy="0"/>
+          <a:chOff x="0" y="0"/>
+          <a:chExt cx="0" cy="0"/>
+        </a:xfrm>
+      </p:grpSpPr>
+      <p:sp>
+        <p:nvSpPr>
+          <p:cNvPr id="2" name="Title 1"/>
+          <p:cNvSpPr>
+            <a:spLocks noGrp="1"/>
+          </p:cNvSpPr>
+          <p:nvPr>
+            <p:ph type="title"/>
+          </p:nvPr>
+        </p:nvSpPr>
+        <p:spPr>
+          <a:xfrm>
+            <a:off x="519112" y="228600"/>
+            <a:ext cx="11149013" cy="747897"/>
+          </a:xfrm>
+        </p:spPr>
+        <p:txBody>
+          <a:bodyPr/>
+          <a:lstStyle/>
+          <a:p>
+            <a:r>
+              <a:rPr lang="hr-HR" dirty="0"/>
+              <a:t>Open GL – variable q</a:t>
+            </a:r>
+            <a:r>
+              <a:rPr lang="en-US" dirty="0" err="1"/>
+              <a:t>ualifiers</a:t>
+            </a:r>
+            <a:endParaRPr lang="en-US" dirty="0"/>
+          </a:p>
+        </p:txBody>
+      </p:sp>
+      <p:sp>
+        <p:nvSpPr>
+          <p:cNvPr id="3" name="Text Placeholder 2"/>
+          <p:cNvSpPr>
+            <a:spLocks noGrp="1"/>
+          </p:cNvSpPr>
+          <p:nvPr>
+            <p:ph type="body" sz="quarter" idx="10"/>
+          </p:nvPr>
+        </p:nvSpPr>
+        <p:spPr>
+          <a:xfrm>
+            <a:off x="519112" y="1447799"/>
+            <a:ext cx="11149013" cy="4185761"/>
+          </a:xfrm>
+        </p:spPr>
+        <p:txBody>
+          <a:bodyPr/>
+          <a:lstStyle/>
+          <a:p>
+            <a:r>
+              <a:rPr lang="en-US" dirty="0"/>
+              <a:t>uniform – Global variables that may change per primitive [...], that are passed from the OpenGL application to the </a:t>
+            </a:r>
+            <a:r>
+              <a:rPr lang="en-US" dirty="0" err="1"/>
+              <a:t>shaders</a:t>
+            </a:r>
+            <a:r>
+              <a:rPr lang="en-US" dirty="0"/>
+              <a:t>. This qualifier can be used in both vertex and fragment </a:t>
+            </a:r>
+            <a:r>
+              <a:rPr lang="en-US" dirty="0" err="1"/>
+              <a:t>shaders</a:t>
+            </a:r>
+            <a:r>
+              <a:rPr lang="en-US" dirty="0"/>
+              <a:t>. For the </a:t>
+            </a:r>
+            <a:r>
+              <a:rPr lang="en-US" dirty="0" err="1"/>
+              <a:t>shaders</a:t>
+            </a:r>
+            <a:r>
+              <a:rPr lang="en-US" dirty="0"/>
+              <a:t> this is a read-only variable</a:t>
+            </a:r>
+            <a:endParaRPr lang="hr-HR" dirty="0"/>
+          </a:p>
+          <a:p>
+            <a:r>
+              <a:rPr lang="en-US" dirty="0"/>
+              <a:t>varying – used for interpolated data between a vertex </a:t>
+            </a:r>
+            <a:r>
+              <a:rPr lang="en-US" dirty="0" err="1"/>
+              <a:t>shader</a:t>
+            </a:r>
+            <a:r>
+              <a:rPr lang="en-US" dirty="0"/>
+              <a:t> and a fragment </a:t>
+            </a:r>
+            <a:r>
+              <a:rPr lang="en-US" dirty="0" err="1"/>
+              <a:t>shader</a:t>
+            </a:r>
+            <a:r>
+              <a:rPr lang="en-US" dirty="0"/>
+              <a:t>. Available for writing in the vertex </a:t>
+            </a:r>
+            <a:r>
+              <a:rPr lang="en-US" dirty="0" err="1"/>
+              <a:t>shader</a:t>
+            </a:r>
+            <a:r>
+              <a:rPr lang="en-US" dirty="0"/>
+              <a:t>, and read-only in a fragment </a:t>
+            </a:r>
+            <a:r>
+              <a:rPr lang="en-US" dirty="0" err="1"/>
+              <a:t>shader</a:t>
+            </a:r>
+            <a:r>
+              <a:rPr lang="en-US" dirty="0" smtClean="0"/>
+              <a:t>.</a:t>
+            </a:r>
+            <a:r>
+              <a:rPr lang="hr-HR" dirty="0" smtClean="0"/>
+              <a:t> ( in and out keywords , varying in WebGL ).</a:t>
+            </a:r>
+            <a:endParaRPr lang="en-US" dirty="0"/>
+          </a:p>
+          <a:p>
+            <a:endParaRPr lang="en-US" dirty="0"/>
+          </a:p>
+        </p:txBody>
+      </p:sp>
+    </p:spTree>
+    <p:extLst>
+      <p:ext uri="{BB962C8B-B14F-4D97-AF65-F5344CB8AC3E}">
+        <p14:creationId xmlns:p14="http://schemas.microsoft.com/office/powerpoint/2010/main" val="1936758129"/>
+      </p:ext>
+    </p:extLst>
+  </p:cSld>
+  <p:clrMapOvr>
+    <a:masterClrMapping/>
+  </p:clrMapOvr>
+  <p:transition>
+    <p:fade/>
+  </p:transition>
+  <p:timing>
+    <p:tnLst>
+      <p:par>
+        <p:cTn id="1" dur="indefinite" restart="never" nodeType="tmRoot"/>
+      </p:par>
+    </p:tnLst>
+  </p:timing>
+</p:sld>
+</file>
+
+<file path=ppt/slides/slide14.xml><?xml version="1.0" encoding="utf-8"?>
 <p:sld xmlns:a="http://schemas.openxmlformats.org/drawingml/2006/main" xmlns:r="http://schemas.openxmlformats.org/officeDocument/2006/relationships" xmlns:p="http://schemas.openxmlformats.org/presentationml/2006/main" show="0">
   <p:cSld>
     <p:bg>
@@ -5132,7 +5604,7 @@
 </p:sld>
 </file>
 
-<file path=ppt/slides/slide12.xml><?xml version="1.0" encoding="utf-8"?>
+<file path=ppt/slides/slide15.xml><?xml version="1.0" encoding="utf-8"?>
 <p:sld xmlns:a="http://schemas.openxmlformats.org/drawingml/2006/main" xmlns:r="http://schemas.openxmlformats.org/officeDocument/2006/relationships" xmlns:p="http://schemas.openxmlformats.org/presentationml/2006/main" show="0">
   <p:cSld>
     <p:bg>
@@ -5203,7 +5675,7 @@
 </p:sld>
 </file>
 
-<file path=ppt/slides/slide13.xml><?xml version="1.0" encoding="utf-8"?>
+<file path=ppt/slides/slide16.xml><?xml version="1.0" encoding="utf-8"?>
 <p:sld xmlns:a="http://schemas.openxmlformats.org/drawingml/2006/main" xmlns:r="http://schemas.openxmlformats.org/officeDocument/2006/relationships" xmlns:p="http://schemas.openxmlformats.org/presentationml/2006/main">
   <p:cSld>
     <p:spTree>
@@ -5459,10 +5931,6 @@
               <a:rPr lang="hr-HR" dirty="0" smtClean="0"/>
               <a:t>3d Api</a:t>
             </a:r>
-            <a:r>
-              <a:rPr lang="hr-HR" dirty="0" smtClean="0"/>
-              <a:t/>
-            </a:r>
             <a:br>
               <a:rPr lang="hr-HR" dirty="0" smtClean="0"/>
             </a:br>
@@ -5811,11 +6279,7 @@
           <a:p>
             <a:r>
               <a:rPr lang="hr-HR" dirty="0" smtClean="0"/>
-              <a:t>OpenGL – fixed </a:t>
-            </a:r>
-            <a:r>
-              <a:rPr lang="hr-HR" dirty="0" smtClean="0"/>
-              <a:t>pipeline</a:t>
+              <a:t>OpenGL – fixed pipeline</a:t>
             </a:r>
             <a:endParaRPr lang="en-US" dirty="0"/>
           </a:p>
@@ -7472,6 +7936,802 @@
 </file>
 
 <file path=customXml/item1.xml><?xml version="1.0" encoding="utf-8"?>
+<ct:contentTypeSchema xmlns:ct="http://schemas.microsoft.com/office/2006/metadata/contentType" xmlns:ma="http://schemas.microsoft.com/office/2006/metadata/properties/metaAttributes" ct:_="" ma:_="" ma:contentTypeName="MASS MediaBank Image" ma:contentTypeID="0x0101009148F5A04DDD49CBA7127AADA5FB792B00AADE34325A8B49CDA8BB4DB53328F2140042A8F7EFA3D8428BA83C1DD618D41277008B7D58F6637A6449A868D36ABEDD5D7D" ma:contentTypeVersion="1" ma:contentTypeDescription="Upload an image." ma:contentTypeScope="" ma:versionID="cf5d87ef76ae645aeecfd1524f32f789">
+  <xsd:schema xmlns:xsd="http://www.w3.org/2001/XMLSchema" xmlns:xs="http://www.w3.org/2001/XMLSchema" xmlns:p="http://schemas.microsoft.com/office/2006/metadata/properties" xmlns:ns1="http://schemas.microsoft.com/sharepoint/v3" xmlns:ns2="EB693DEA-2256-4DD9-8FF3-783287AC6516" xmlns:ns3="http://schemas.microsoft.com/sharepoint/v3/fields" xmlns:ns4="2f90a3b6-08c8-4148-8fff-0427b40d8fc9" targetNamespace="http://schemas.microsoft.com/office/2006/metadata/properties" ma:root="true" ma:fieldsID="659fa2edc7c82f120babd68af08693e1" ns1:_="" ns2:_="" ns3:_="" ns4:_="">
+    <xsd:import namespace="http://schemas.microsoft.com/sharepoint/v3"/>
+    <xsd:import namespace="EB693DEA-2256-4DD9-8FF3-783287AC6516"/>
+    <xsd:import namespace="http://schemas.microsoft.com/sharepoint/v3/fields"/>
+    <xsd:import namespace="2f90a3b6-08c8-4148-8fff-0427b40d8fc9"/>
+    <xsd:element name="properties">
+      <xsd:complexType>
+        <xsd:sequence>
+          <xsd:element name="documentManagement">
+            <xsd:complexType>
+              <xsd:all>
+                <xsd:element ref="ns1:FileRef" minOccurs="0"/>
+                <xsd:element ref="ns1:File_x0020_Type" minOccurs="0"/>
+                <xsd:element ref="ns1:HTML_x0020_File_x0020_Type" minOccurs="0"/>
+                <xsd:element ref="ns1:FSObjType" minOccurs="0"/>
+                <xsd:element ref="ns2:ThumbnailExists" minOccurs="0"/>
+                <xsd:element ref="ns2:PreviewExists" minOccurs="0"/>
+                <xsd:element ref="ns2:ImageWidth" minOccurs="0"/>
+                <xsd:element ref="ns2:ImageHeight" minOccurs="0"/>
+                <xsd:element ref="ns2:ImageCreateDate" minOccurs="0"/>
+                <xsd:element ref="ns3:wic_System_Copyright" minOccurs="0"/>
+                <xsd:element ref="ns4:AssetURL" minOccurs="0"/>
+                <xsd:element ref="ns4:AssetTypeTaxHTField0" minOccurs="0"/>
+                <xsd:element ref="ns4:TaxCatchAll" minOccurs="0"/>
+                <xsd:element ref="ns4:TaxCatchAllLabel" minOccurs="0"/>
+                <xsd:element ref="ns4:BitDepth" minOccurs="0"/>
+                <xsd:element ref="ns4:Caption" minOccurs="0"/>
+                <xsd:element ref="ns4:ColorspaceTaxHTField0" minOccurs="0"/>
+                <xsd:element ref="ns1:Comments" minOccurs="0"/>
+                <xsd:element ref="ns4:ContentPurposeTaxHTField0" minOccurs="0"/>
+                <xsd:element ref="ns4:CountryTaxHTField0" minOccurs="0"/>
+                <xsd:element ref="ns4:DeletionDate" minOccurs="0"/>
+                <xsd:element ref="ns4:USBMODepartmentTaxHTField0" minOccurs="0"/>
+                <xsd:element ref="ns4:USBMODescription" minOccurs="0"/>
+                <xsd:element ref="ns4:DevelopmentLanguageTaxHTField0" minOccurs="0"/>
+                <xsd:element ref="ns4:Dimensions" minOccurs="0"/>
+                <xsd:element ref="ns4:DistributionChannelTaxHTField0" minOccurs="0"/>
+                <xsd:element ref="ns4:ElementTypeTaxHTField0" minOccurs="0"/>
+                <xsd:element ref="ns4:EnclosureTypeTaxHTField0" minOccurs="0"/>
+                <xsd:element ref="ns4:ExifApertureValue" minOccurs="0"/>
+                <xsd:element ref="ns4:ExifArtist" minOccurs="0"/>
+                <xsd:element ref="ns4:ExifCopyright" minOccurs="0"/>
+                <xsd:element ref="ns4:ExifDateTime" minOccurs="0"/>
+                <xsd:element ref="ns4:ExifExposureBias" minOccurs="0"/>
+                <xsd:element ref="ns4:ExifExposureProgramTaxHTField0" minOccurs="0"/>
+                <xsd:element ref="ns4:ExifExposureTime" minOccurs="0"/>
+                <xsd:element ref="ns4:ExifFNumber" minOccurs="0"/>
+                <xsd:element ref="ns4:ExifFlashFiredStatusTaxHTField0" minOccurs="0"/>
+                <xsd:element ref="ns4:ExifFlashFunctionTaxHTField0" minOccurs="0"/>
+                <xsd:element ref="ns4:ExifFlashModeTaxHTField0" minOccurs="0"/>
+                <xsd:element ref="ns4:ExifFlashRedEyeModeTaxHTField0" minOccurs="0"/>
+                <xsd:element ref="ns4:ExifFlashReturnStatusTaxHTField0" minOccurs="0"/>
+                <xsd:element ref="ns4:ExifFocalLength" minOccurs="0"/>
+                <xsd:element ref="ns4:ExifImageDescription" minOccurs="0"/>
+                <xsd:element ref="ns4:ExifISOSpeedRatings" minOccurs="0"/>
+                <xsd:element ref="ns4:ExifLightSourceTaxHTField0" minOccurs="0"/>
+                <xsd:element ref="ns4:ExifMake" minOccurs="0"/>
+                <xsd:element ref="ns4:ExifMaxApertureValue" minOccurs="0"/>
+                <xsd:element ref="ns4:ExifMeteringModeTaxHTField0" minOccurs="0"/>
+                <xsd:element ref="ns4:ExifModel" minOccurs="0"/>
+                <xsd:element ref="ns4:ExifSensingMethodTaxHTField0" minOccurs="0"/>
+                <xsd:element ref="ns4:ExifShutterSpeed" minOccurs="0"/>
+                <xsd:element ref="ns4:ExifSoftware" minOccurs="0"/>
+                <xsd:element ref="ns4:ExifSubjectDistance" minOccurs="0"/>
+                <xsd:element ref="ns4:FlashFrameCount" minOccurs="0"/>
+                <xsd:element ref="ns4:FlashFrameRate" minOccurs="0"/>
+                <xsd:element ref="ns4:GeographyTaxHTField0" minOccurs="0"/>
+                <xsd:element ref="ns4:HorizontalBusinessSolutionsTaxHTField0" minOccurs="0"/>
+                <xsd:element ref="ns4:ImageColorScheme" minOccurs="0"/>
+                <xsd:element ref="ns4:IndividualCustomerSegmentTaxHTField0" minOccurs="0"/>
+                <xsd:element ref="ns4:JobRoleTaxHTField0" minOccurs="0"/>
+                <xsd:element ref="ns4:USBMOLanguageTaxHTField0" minOccurs="0"/>
+                <xsd:element ref="ns4:LocaleTaxHTField0" minOccurs="0"/>
+                <xsd:element ref="ns4:LCID" minOccurs="0"/>
+                <xsd:element ref="ns4:LegacyID" minOccurs="0"/>
+                <xsd:element ref="ns4:MediaPlayLength" minOccurs="0"/>
+                <xsd:element ref="ns4:Syndicatable" minOccurs="0"/>
+                <xsd:element ref="ns4:OrganizationalCustomerSegmentTaxHTField0" minOccurs="0"/>
+                <xsd:element ref="ns4:OriginalCreator" minOccurs="0"/>
+                <xsd:element ref="ns4:PageCount" minOccurs="0"/>
+                <xsd:element ref="ns4:PartNo" minOccurs="0"/>
+                <xsd:element ref="ns4:PhotoshopCaption" minOccurs="0"/>
+                <xsd:element ref="ns4:PhotoshopCopyrightNotice" minOccurs="0"/>
+                <xsd:element ref="ns4:PhotoshopCopyrightStatusTaxHTField0" minOccurs="0"/>
+                <xsd:element ref="ns4:PhotoshopDateCreated" minOccurs="0"/>
+                <xsd:element ref="ns4:ProductsTaxHTField0" minOccurs="0"/>
+                <xsd:element ref="ns4:ProductAreaTaxHTField0" minOccurs="0"/>
+                <xsd:element ref="ns4:ProfileColorSpace" minOccurs="0"/>
+                <xsd:element ref="ns4:ProfileDescription" minOccurs="0"/>
+                <xsd:element ref="ns4:PublicationDate" minOccurs="0"/>
+                <xsd:element ref="ns4:Resolution" minOccurs="0"/>
+                <xsd:element ref="ns4:ResponsibleGroup" minOccurs="0"/>
+                <xsd:element ref="ns4:SEOMetaDescription" minOccurs="0"/>
+                <xsd:element ref="ns4:SEOMetaKeywords" minOccurs="0"/>
+                <xsd:element ref="ns4:SEOMetaTitle" minOccurs="0"/>
+                <xsd:element ref="ns4:SEOPrettyURL" minOccurs="0"/>
+                <xsd:element ref="ns4:SolutionTaxHTField0" minOccurs="0"/>
+                <xsd:element ref="ns4:SyndicationEndDate" minOccurs="0"/>
+                <xsd:element ref="ns4:SyndicationStartDate" minOccurs="0"/>
+                <xsd:element ref="ns4:SyndicationURL" minOccurs="0"/>
+                <xsd:element ref="ns4:UTCOffset" minOccurs="0"/>
+                <xsd:element ref="ns4:VerticalIndustryTaxHTField0" minOccurs="0"/>
+                <xsd:element ref="ns4:VideoBitRate" minOccurs="0"/>
+                <xsd:element ref="ns4:VideoCodec" minOccurs="0"/>
+                <xsd:element ref="ns4:VideoFrameRate" minOccurs="0"/>
+                <xsd:element ref="ns4:VideoFrames" minOccurs="0"/>
+                <xsd:element ref="ns4:VideoPreviewSize" minOccurs="0"/>
+              </xsd:all>
+            </xsd:complexType>
+          </xsd:element>
+        </xsd:sequence>
+      </xsd:complexType>
+    </xsd:element>
+  </xsd:schema>
+  <xsd:schema xmlns:xsd="http://www.w3.org/2001/XMLSchema" xmlns:xs="http://www.w3.org/2001/XMLSchema" xmlns:dms="http://schemas.microsoft.com/office/2006/documentManagement/types" xmlns:pc="http://schemas.microsoft.com/office/infopath/2007/PartnerControls" targetNamespace="http://schemas.microsoft.com/sharepoint/v3" elementFormDefault="qualified">
+    <xsd:import namespace="http://schemas.microsoft.com/office/2006/documentManagement/types"/>
+    <xsd:import namespace="http://schemas.microsoft.com/office/infopath/2007/PartnerControls"/>
+    <xsd:element name="FileRef" ma:index="8" nillable="true" ma:displayName="URL Path" ma:hidden="true" ma:list="Docs" ma:internalName="FileRef" ma:readOnly="true" ma:showField="FullUrl">
+      <xsd:simpleType>
+        <xsd:restriction base="dms:Lookup"/>
+      </xsd:simpleType>
+    </xsd:element>
+    <xsd:element name="File_x0020_Type" ma:index="9" nillable="true" ma:displayName="File Type" ma:hidden="true" ma:internalName="File_x0020_Type" ma:readOnly="true">
+      <xsd:simpleType>
+        <xsd:restriction base="dms:Text"/>
+      </xsd:simpleType>
+    </xsd:element>
+    <xsd:element name="HTML_x0020_File_x0020_Type" ma:index="10" nillable="true" ma:displayName="HTML File Type" ma:hidden="true" ma:internalName="HTML_x0020_File_x0020_Type" ma:readOnly="true">
+      <xsd:simpleType>
+        <xsd:restriction base="dms:Text"/>
+      </xsd:simpleType>
+    </xsd:element>
+    <xsd:element name="FSObjType" ma:index="11" nillable="true" ma:displayName="Item Type" ma:hidden="true" ma:list="Docs" ma:internalName="FSObjType" ma:readOnly="true" ma:showField="FSType">
+      <xsd:simpleType>
+        <xsd:restriction base="dms:Lookup"/>
+      </xsd:simpleType>
+    </xsd:element>
+    <xsd:element name="Comments" ma:index="36" nillable="true" ma:displayName="Comments" ma:description="This optional 1,024-character field will be used for the storage of comments about the item. Comments will never be displayed in the rights/delivery management module or visible to end-users." ma:internalName="Comments">
+      <xsd:simpleType>
+        <xsd:restriction base="dms:Note">
+          <xsd:maxLength value="255"/>
+        </xsd:restriction>
+      </xsd:simpleType>
+    </xsd:element>
+  </xsd:schema>
+  <xsd:schema xmlns:xsd="http://www.w3.org/2001/XMLSchema" xmlns:xs="http://www.w3.org/2001/XMLSchema" xmlns:dms="http://schemas.microsoft.com/office/2006/documentManagement/types" xmlns:pc="http://schemas.microsoft.com/office/infopath/2007/PartnerControls" targetNamespace="EB693DEA-2256-4DD9-8FF3-783287AC6516" elementFormDefault="qualified">
+    <xsd:import namespace="http://schemas.microsoft.com/office/2006/documentManagement/types"/>
+    <xsd:import namespace="http://schemas.microsoft.com/office/infopath/2007/PartnerControls"/>
+    <xsd:element name="ThumbnailExists" ma:index="18" nillable="true" ma:displayName="Thumbnail Exists" ma:default="FALSE" ma:hidden="true" ma:internalName="ThumbnailExists" ma:readOnly="true">
+      <xsd:simpleType>
+        <xsd:restriction base="dms:Boolean"/>
+      </xsd:simpleType>
+    </xsd:element>
+    <xsd:element name="PreviewExists" ma:index="19" nillable="true" ma:displayName="Preview Exists" ma:default="FALSE" ma:hidden="true" ma:internalName="PreviewExists" ma:readOnly="true">
+      <xsd:simpleType>
+        <xsd:restriction base="dms:Boolean"/>
+      </xsd:simpleType>
+    </xsd:element>
+    <xsd:element name="ImageWidth" ma:index="20" nillable="true" ma:displayName="Width" ma:internalName="ImageWidth" ma:readOnly="true">
+      <xsd:simpleType>
+        <xsd:restriction base="dms:Unknown"/>
+      </xsd:simpleType>
+    </xsd:element>
+    <xsd:element name="ImageHeight" ma:index="22" nillable="true" ma:displayName="Height" ma:internalName="ImageHeight" ma:readOnly="true">
+      <xsd:simpleType>
+        <xsd:restriction base="dms:Unknown"/>
+      </xsd:simpleType>
+    </xsd:element>
+    <xsd:element name="ImageCreateDate" ma:index="25" nillable="true" ma:displayName="Date Picture Taken" ma:format="DateTime" ma:hidden="true" ma:internalName="ImageCreateDate">
+      <xsd:simpleType>
+        <xsd:restriction base="dms:DateTime"/>
+      </xsd:simpleType>
+    </xsd:element>
+  </xsd:schema>
+  <xsd:schema xmlns:xsd="http://www.w3.org/2001/XMLSchema" xmlns:xs="http://www.w3.org/2001/XMLSchema" xmlns:dms="http://schemas.microsoft.com/office/2006/documentManagement/types" xmlns:pc="http://schemas.microsoft.com/office/infopath/2007/PartnerControls" targetNamespace="http://schemas.microsoft.com/sharepoint/v3/fields" elementFormDefault="qualified">
+    <xsd:import namespace="http://schemas.microsoft.com/office/2006/documentManagement/types"/>
+    <xsd:import namespace="http://schemas.microsoft.com/office/infopath/2007/PartnerControls"/>
+    <xsd:element name="wic_System_Copyright" ma:index="26" nillable="true" ma:displayName="Copyright" ma:internalName="wic_System_Copyright">
+      <xsd:simpleType>
+        <xsd:restriction base="dms:Text"/>
+      </xsd:simpleType>
+    </xsd:element>
+  </xsd:schema>
+  <xsd:schema xmlns:xsd="http://www.w3.org/2001/XMLSchema" xmlns:xs="http://www.w3.org/2001/XMLSchema" xmlns:dms="http://schemas.microsoft.com/office/2006/documentManagement/types" xmlns:pc="http://schemas.microsoft.com/office/infopath/2007/PartnerControls" targetNamespace="2f90a3b6-08c8-4148-8fff-0427b40d8fc9" elementFormDefault="qualified">
+    <xsd:import namespace="http://schemas.microsoft.com/office/2006/documentManagement/types"/>
+    <xsd:import namespace="http://schemas.microsoft.com/office/infopath/2007/PartnerControls"/>
+    <xsd:element name="AssetURL" ma:index="27" nillable="true" ma:displayName="AssetURL" ma:description="Store Asset URL" ma:hidden="true" ma:internalName="AssetURL" ma:readOnly="false">
+      <xsd:simpleType>
+        <xsd:restriction base="dms:Text"/>
+      </xsd:simpleType>
+    </xsd:element>
+    <xsd:element name="AssetTypeTaxHTField0" ma:index="28" nillable="true" ma:taxonomy="true" ma:internalName="AssetTypeTaxHTField0" ma:taxonomyFieldName="AssetType" ma:displayName="Asset Type" ma:indexed="true" ma:fieldId="{cc4caa33-0d16-43ea-9719-c512681e8e46}" ma:sspId="e5351508-46ca-4454-b07c-bc767568d5f1" ma:termSetId="da266748-b29f-4b00-a502-3959c5f62da1" ma:anchorId="00000000-0000-0000-0000-000000000000" ma:open="false" ma:isKeyword="false">
+      <xsd:complexType>
+        <xsd:sequence>
+          <xsd:element ref="pc:Terms" minOccurs="0" maxOccurs="1"/>
+        </xsd:sequence>
+      </xsd:complexType>
+    </xsd:element>
+    <xsd:element name="TaxCatchAll" ma:index="29" nillable="true" ma:displayName="Taxonomy Catch All Column" ma:hidden="true" ma:list="{689bf07b-aabd-4dc7-ab7d-d7e6a28a452d}" ma:internalName="TaxCatchAll" ma:showField="CatchAllData" ma:web="d144167a-be8c-473d-8a11-ea4625cfcf07">
+      <xsd:complexType>
+        <xsd:complexContent>
+          <xsd:extension base="dms:MultiChoiceLookup">
+            <xsd:sequence>
+              <xsd:element name="Value" type="dms:Lookup" maxOccurs="unbounded" minOccurs="0" nillable="true"/>
+            </xsd:sequence>
+          </xsd:extension>
+        </xsd:complexContent>
+      </xsd:complexType>
+    </xsd:element>
+    <xsd:element name="TaxCatchAllLabel" ma:index="30" nillable="true" ma:displayName="Taxonomy Catch All Column1" ma:hidden="true" ma:list="{689bf07b-aabd-4dc7-ab7d-d7e6a28a452d}" ma:internalName="TaxCatchAllLabel" ma:readOnly="true" ma:showField="CatchAllDataLabel" ma:web="d144167a-be8c-473d-8a11-ea4625cfcf07">
+      <xsd:complexType>
+        <xsd:complexContent>
+          <xsd:extension base="dms:MultiChoiceLookup">
+            <xsd:sequence>
+              <xsd:element name="Value" type="dms:Lookup" maxOccurs="unbounded" minOccurs="0" nillable="true"/>
+            </xsd:sequence>
+          </xsd:extension>
+        </xsd:complexContent>
+      </xsd:complexType>
+    </xsd:element>
+    <xsd:element name="BitDepth" ma:index="32" nillable="true" ma:displayName="Bit Depth" ma:default="" ma:description="A numeric value specified the bit depth of an uploaded image" ma:internalName="BitDepth">
+      <xsd:simpleType>
+        <xsd:restriction base="dms:Number"/>
+      </xsd:simpleType>
+    </xsd:element>
+    <xsd:element name="Caption" ma:index="33" nillable="true" ma:displayName="Caption" ma:description="This 1,024-character field will be used to enter text describing a file. The caption could be used as part of a syndicated feed." ma:internalName="Caption">
+      <xsd:simpleType>
+        <xsd:restriction base="dms:Note"/>
+      </xsd:simpleType>
+    </xsd:element>
+    <xsd:element name="ColorspaceTaxHTField0" ma:index="34" nillable="true" ma:taxonomy="true" ma:internalName="ColorspaceTaxHTField0" ma:taxonomyFieldName="Colorspace" ma:displayName="Colorspace" ma:fieldId="{ed389df4-0962-4599-bd50-ffe70adcdef8}" ma:sspId="e5351508-46ca-4454-b07c-bc767568d5f1" ma:termSetId="aa323b6c-8fe7-4bd5-947e-a986ff14bff6" ma:anchorId="00000000-0000-0000-0000-000000000000" ma:open="false" ma:isKeyword="false">
+      <xsd:complexType>
+        <xsd:sequence>
+          <xsd:element ref="pc:Terms" minOccurs="0" maxOccurs="1"/>
+        </xsd:sequence>
+      </xsd:complexType>
+    </xsd:element>
+    <xsd:element name="ContentPurposeTaxHTField0" ma:index="37" nillable="true" ma:taxonomy="true" ma:internalName="ContentPurposeTaxHTField0" ma:taxonomyFieldName="ContentPurpose" ma:displayName="Content Purpose" ma:fieldId="{9d7db7fe-807d-4f7a-8764-ac9a6915cfad}" ma:sspId="e5351508-46ca-4454-b07c-bc767568d5f1" ma:termSetId="1fcf61db-bf66-4172-b659-aba6f5678e54" ma:anchorId="00000000-0000-0000-0000-000000000000" ma:open="false" ma:isKeyword="false">
+      <xsd:complexType>
+        <xsd:sequence>
+          <xsd:element ref="pc:Terms" minOccurs="0" maxOccurs="1"/>
+        </xsd:sequence>
+      </xsd:complexType>
+    </xsd:element>
+    <xsd:element name="CountryTaxHTField0" ma:index="39" nillable="true" ma:taxonomy="true" ma:internalName="CountryTaxHTField0" ma:taxonomyFieldName="Country" ma:displayName="Country" ma:fieldId="{ccb73359-9cad-4d13-9fd9-2b49403b4704}" ma:taxonomyMulti="true" ma:sspId="e5351508-46ca-4454-b07c-bc767568d5f1" ma:termSetId="ce50c915-1805-4d5d-b9d3-c38aa6796716" ma:anchorId="00000000-0000-0000-0000-000000000000" ma:open="false" ma:isKeyword="false">
+      <xsd:complexType>
+        <xsd:sequence>
+          <xsd:element ref="pc:Terms" minOccurs="0" maxOccurs="1"/>
+        </xsd:sequence>
+      </xsd:complexType>
+    </xsd:element>
+    <xsd:element name="DeletionDate" ma:index="41" nillable="true" ma:displayName="Deletion Date" ma:description="This is the date the item will be automatically deleted from the CMS/DAM. Deletion of the item from the CMS/DAM necessarily removes it from the MMM. By default, no Deletion Date will be specified." ma:internalName="DeletionDate">
+      <xsd:simpleType>
+        <xsd:restriction base="dms:DateTime"/>
+      </xsd:simpleType>
+    </xsd:element>
+    <xsd:element name="USBMODepartmentTaxHTField0" ma:index="42" nillable="true" ma:taxonomy="true" ma:internalName="USBMODepartmentTaxHTField0" ma:taxonomyFieldName="USBMODepartment" ma:displayName="Department" ma:fieldId="{2e0234ea-ada7-4560-be11-2fb541d2b3b2}" ma:sspId="e5351508-46ca-4454-b07c-bc767568d5f1" ma:termSetId="47f28677-a427-4734-b2aa-08e4e7bd2e2f" ma:anchorId="00000000-0000-0000-0000-000000000000" ma:open="false" ma:isKeyword="false">
+      <xsd:complexType>
+        <xsd:sequence>
+          <xsd:element ref="pc:Terms" minOccurs="0" maxOccurs="1"/>
+        </xsd:sequence>
+      </xsd:complexType>
+    </xsd:element>
+    <xsd:element name="USBMODescription" ma:index="44" nillable="true" ma:displayName="Description" ma:description="This 1,024-character field will be used to enter text describing a file. The description could be used as part of a syndicated feed." ma:internalName="USBMODescription">
+      <xsd:simpleType>
+        <xsd:restriction base="dms:Note"/>
+      </xsd:simpleType>
+    </xsd:element>
+    <xsd:element name="DevelopmentLanguageTaxHTField0" ma:index="45" nillable="true" ma:taxonomy="true" ma:internalName="DevelopmentLanguageTaxHTField0" ma:taxonomyFieldName="DevelopmentLanguage" ma:displayName="Development Language" ma:fieldId="{9443e8c1-0167-4e8b-a49d-6f2a3d032c73}" ma:sspId="e5351508-46ca-4454-b07c-bc767568d5f1" ma:termSetId="956f7e1c-acff-487e-bea5-40f2ac018ac6" ma:anchorId="00000000-0000-0000-0000-000000000000" ma:open="false" ma:isKeyword="false">
+      <xsd:complexType>
+        <xsd:sequence>
+          <xsd:element ref="pc:Terms" minOccurs="0" maxOccurs="1"/>
+        </xsd:sequence>
+      </xsd:complexType>
+    </xsd:element>
+    <xsd:element name="Dimensions" ma:index="47" nillable="true" ma:displayName="Dimensions (pixels)" ma:description="An 'a' x 'b' description, in pixels, of the size of a digital asset. The 'a' will correspond with the x dimension on embedding, the 'b' will correspond with the y dimension on embedding." ma:internalName="Dimensions">
+      <xsd:simpleType>
+        <xsd:restriction base="dms:Text"/>
+      </xsd:simpleType>
+    </xsd:element>
+    <xsd:element name="DistributionChannelTaxHTField0" ma:index="48" nillable="true" ma:taxonomy="true" ma:internalName="DistributionChannelTaxHTField0" ma:taxonomyFieldName="DistributionChannel" ma:displayName="Distribution Channel" ma:fieldId="{983f1b6f-2353-4251-aedb-c8cecc391819}" ma:sspId="e5351508-46ca-4454-b07c-bc767568d5f1" ma:termSetId="a57e7f03-b41b-4c46-9bb1-6e81edfcadfb" ma:anchorId="00000000-0000-0000-0000-000000000000" ma:open="false" ma:isKeyword="false">
+      <xsd:complexType>
+        <xsd:sequence>
+          <xsd:element ref="pc:Terms" minOccurs="0" maxOccurs="1"/>
+        </xsd:sequence>
+      </xsd:complexType>
+    </xsd:element>
+    <xsd:element name="ElementTypeTaxHTField0" ma:index="50" nillable="true" ma:taxonomy="true" ma:internalName="ElementTypeTaxHTField0" ma:taxonomyFieldName="ElementType" ma:displayName="Element Type" ma:fieldId="{bbf38831-a53c-4227-b8de-8d46d25befdb}" ma:sspId="e5351508-46ca-4454-b07c-bc767568d5f1" ma:termSetId="c51e8246-3191-4210-8b39-719aa1ab2f1f" ma:anchorId="00000000-0000-0000-0000-000000000000" ma:open="false" ma:isKeyword="false">
+      <xsd:complexType>
+        <xsd:sequence>
+          <xsd:element ref="pc:Terms" minOccurs="0" maxOccurs="1"/>
+        </xsd:sequence>
+      </xsd:complexType>
+    </xsd:element>
+    <xsd:element name="EnclosureTypeTaxHTField0" ma:index="52" nillable="true" ma:taxonomy="true" ma:internalName="EnclosureTypeTaxHTField0" ma:taxonomyFieldName="EnclosureType" ma:displayName="Enclosure Type" ma:fieldId="{5bbf5d0b-78cf-4f2f-9437-1d5f23b17704}" ma:sspId="e5351508-46ca-4454-b07c-bc767568d5f1" ma:termSetId="f014b166-7374-4898-a6c1-9ab5ee9ec5a6" ma:anchorId="00000000-0000-0000-0000-000000000000" ma:open="false" ma:isKeyword="false">
+      <xsd:complexType>
+        <xsd:sequence>
+          <xsd:element ref="pc:Terms" minOccurs="0" maxOccurs="1"/>
+        </xsd:sequence>
+      </xsd:complexType>
+    </xsd:element>
+    <xsd:element name="ExifApertureValue" ma:index="54" nillable="true" ma:displayName="Exif Aperture Value" ma:internalName="ExifApertureValue">
+      <xsd:simpleType>
+        <xsd:restriction base="dms:Text"/>
+      </xsd:simpleType>
+    </xsd:element>
+    <xsd:element name="ExifArtist" ma:index="55" nillable="true" ma:displayName="Exif Artist" ma:internalName="ExifArtist">
+      <xsd:simpleType>
+        <xsd:restriction base="dms:Text"/>
+      </xsd:simpleType>
+    </xsd:element>
+    <xsd:element name="ExifCopyright" ma:index="56" nillable="true" ma:displayName="Exif Copyright" ma:internalName="ExifCopyright">
+      <xsd:simpleType>
+        <xsd:restriction base="dms:Note"/>
+      </xsd:simpleType>
+    </xsd:element>
+    <xsd:element name="ExifDateTime" ma:index="57" nillable="true" ma:displayName="Exif Date/Time" ma:internalName="ExifDateTime">
+      <xsd:simpleType>
+        <xsd:restriction base="dms:DateTime"/>
+      </xsd:simpleType>
+    </xsd:element>
+    <xsd:element name="ExifExposureBias" ma:index="58" nillable="true" ma:displayName="Exif Exposure Bias" ma:internalName="ExifExposureBias">
+      <xsd:simpleType>
+        <xsd:restriction base="dms:Text"/>
+      </xsd:simpleType>
+    </xsd:element>
+    <xsd:element name="ExifExposureProgramTaxHTField0" ma:index="59" nillable="true" ma:taxonomy="true" ma:internalName="ExifExposureProgramTaxHTField0" ma:taxonomyFieldName="ExifExposureProgram" ma:displayName="Exif Exposure Program" ma:fieldId="{ddde25e8-649e-42bb-aad2-9aa42631c8e3}" ma:sspId="e5351508-46ca-4454-b07c-bc767568d5f1" ma:termSetId="3d299a8e-f306-47c7-9a3b-f4b99152d7f0" ma:anchorId="00000000-0000-0000-0000-000000000000" ma:open="false" ma:isKeyword="false">
+      <xsd:complexType>
+        <xsd:sequence>
+          <xsd:element ref="pc:Terms" minOccurs="0" maxOccurs="1"/>
+        </xsd:sequence>
+      </xsd:complexType>
+    </xsd:element>
+    <xsd:element name="ExifExposureTime" ma:index="61" nillable="true" ma:displayName="Exif Exposure Time (secs)" ma:internalName="ExifExposureTime">
+      <xsd:simpleType>
+        <xsd:restriction base="dms:Text"/>
+      </xsd:simpleType>
+    </xsd:element>
+    <xsd:element name="ExifFNumber" ma:index="62" nillable="true" ma:displayName="Exif F Number" ma:internalName="ExifFNumber">
+      <xsd:simpleType>
+        <xsd:restriction base="dms:Text"/>
+      </xsd:simpleType>
+    </xsd:element>
+    <xsd:element name="ExifFlashFiredStatusTaxHTField0" ma:index="63" nillable="true" ma:taxonomy="true" ma:internalName="ExifFlashFiredStatusTaxHTField0" ma:taxonomyFieldName="ExifFlashFiredStatus" ma:displayName="Exif Flash Fired Status" ma:fieldId="{7eaf37a7-3a9a-4741-bcec-5a33b4a85126}" ma:sspId="e5351508-46ca-4454-b07c-bc767568d5f1" ma:termSetId="9701e068-a386-4d19-a1cc-8591fef293bb" ma:anchorId="00000000-0000-0000-0000-000000000000" ma:open="false" ma:isKeyword="false">
+      <xsd:complexType>
+        <xsd:sequence>
+          <xsd:element ref="pc:Terms" minOccurs="0" maxOccurs="1"/>
+        </xsd:sequence>
+      </xsd:complexType>
+    </xsd:element>
+    <xsd:element name="ExifFlashFunctionTaxHTField0" ma:index="65" nillable="true" ma:taxonomy="true" ma:internalName="ExifFlashFunctionTaxHTField0" ma:taxonomyFieldName="ExifFlashFunction" ma:displayName="Exif Flash Function" ma:fieldId="{b6e1d613-fcef-473c-a776-1ee808475336}" ma:sspId="e5351508-46ca-4454-b07c-bc767568d5f1" ma:termSetId="9c882a45-9e47-4ef9-b176-a8272b58cd29" ma:anchorId="00000000-0000-0000-0000-000000000000" ma:open="false" ma:isKeyword="false">
+      <xsd:complexType>
+        <xsd:sequence>
+          <xsd:element ref="pc:Terms" minOccurs="0" maxOccurs="1"/>
+        </xsd:sequence>
+      </xsd:complexType>
+    </xsd:element>
+    <xsd:element name="ExifFlashModeTaxHTField0" ma:index="67" nillable="true" ma:taxonomy="true" ma:internalName="ExifFlashModeTaxHTField0" ma:taxonomyFieldName="ExifFlashMode" ma:displayName="Exif Flash Mode" ma:fieldId="{52446ffe-0476-4e62-beee-fb994ee4f093}" ma:sspId="e5351508-46ca-4454-b07c-bc767568d5f1" ma:termSetId="690d464e-c60a-426f-9b92-f6d438817c9a" ma:anchorId="00000000-0000-0000-0000-000000000000" ma:open="false" ma:isKeyword="false">
+      <xsd:complexType>
+        <xsd:sequence>
+          <xsd:element ref="pc:Terms" minOccurs="0" maxOccurs="1"/>
+        </xsd:sequence>
+      </xsd:complexType>
+    </xsd:element>
+    <xsd:element name="ExifFlashRedEyeModeTaxHTField0" ma:index="69" nillable="true" ma:taxonomy="true" ma:internalName="ExifFlashRedEyeModeTaxHTField0" ma:taxonomyFieldName="ExifFlashRedEyeMode" ma:displayName="Exif Flash Red-Eye Mode" ma:fieldId="{848556d8-84bc-42c3-bba0-fef5e280ab48}" ma:sspId="e5351508-46ca-4454-b07c-bc767568d5f1" ma:termSetId="89fedbe0-2474-4701-822b-6e4eab73c2c9" ma:anchorId="00000000-0000-0000-0000-000000000000" ma:open="false" ma:isKeyword="false">
+      <xsd:complexType>
+        <xsd:sequence>
+          <xsd:element ref="pc:Terms" minOccurs="0" maxOccurs="1"/>
+        </xsd:sequence>
+      </xsd:complexType>
+    </xsd:element>
+    <xsd:element name="ExifFlashReturnStatusTaxHTField0" ma:index="71" nillable="true" ma:taxonomy="true" ma:internalName="ExifFlashReturnStatusTaxHTField0" ma:taxonomyFieldName="ExifFlashReturnStatus" ma:displayName="Exif Flash Return Status" ma:fieldId="{ae43ecd6-cd57-4252-86b8-92826402a11e}" ma:sspId="e5351508-46ca-4454-b07c-bc767568d5f1" ma:termSetId="d1ffa490-fffa-4a81-a60b-402f2e904cf7" ma:anchorId="00000000-0000-0000-0000-000000000000" ma:open="false" ma:isKeyword="false">
+      <xsd:complexType>
+        <xsd:sequence>
+          <xsd:element ref="pc:Terms" minOccurs="0" maxOccurs="1"/>
+        </xsd:sequence>
+      </xsd:complexType>
+    </xsd:element>
+    <xsd:element name="ExifFocalLength" ma:index="73" nillable="true" ma:displayName="Exif Focal Length (mm)" ma:internalName="ExifFocalLength">
+      <xsd:simpleType>
+        <xsd:restriction base="dms:Text"/>
+      </xsd:simpleType>
+    </xsd:element>
+    <xsd:element name="ExifImageDescription" ma:index="74" nillable="true" ma:displayName="Exif Image Description" ma:internalName="ExifImageDescription">
+      <xsd:simpleType>
+        <xsd:restriction base="dms:Note"/>
+      </xsd:simpleType>
+    </xsd:element>
+    <xsd:element name="ExifISOSpeedRatings" ma:index="75" nillable="true" ma:displayName="Exif ISO Speed Ratings" ma:internalName="ExifISOSpeedRatings">
+      <xsd:simpleType>
+        <xsd:restriction base="dms:Text"/>
+      </xsd:simpleType>
+    </xsd:element>
+    <xsd:element name="ExifLightSourceTaxHTField0" ma:index="76" nillable="true" ma:taxonomy="true" ma:internalName="ExifLightSourceTaxHTField0" ma:taxonomyFieldName="ExifLightSource" ma:displayName="Exif Light Source" ma:fieldId="{6b0d85e4-9b4f-4d5c-b8de-1aaecd3b6469}" ma:sspId="e5351508-46ca-4454-b07c-bc767568d5f1" ma:termSetId="f93d0ed6-abd5-42b1-abb2-11944d251bad" ma:anchorId="00000000-0000-0000-0000-000000000000" ma:open="false" ma:isKeyword="false">
+      <xsd:complexType>
+        <xsd:sequence>
+          <xsd:element ref="pc:Terms" minOccurs="0" maxOccurs="1"/>
+        </xsd:sequence>
+      </xsd:complexType>
+    </xsd:element>
+    <xsd:element name="ExifMake" ma:index="78" nillable="true" ma:displayName="Exif Make" ma:internalName="ExifMake">
+      <xsd:simpleType>
+        <xsd:restriction base="dms:Text"/>
+      </xsd:simpleType>
+    </xsd:element>
+    <xsd:element name="ExifMaxApertureValue" ma:index="79" nillable="true" ma:displayName="Exif Max Aperture Value" ma:internalName="ExifMaxApertureValue">
+      <xsd:simpleType>
+        <xsd:restriction base="dms:Text"/>
+      </xsd:simpleType>
+    </xsd:element>
+    <xsd:element name="ExifMeteringModeTaxHTField0" ma:index="80" nillable="true" ma:taxonomy="true" ma:internalName="ExifMeteringModeTaxHTField0" ma:taxonomyFieldName="ExifMeteringMode" ma:displayName="Exif Metering Mode" ma:fieldId="{cea024d1-1c48-469f-ad4e-8ba4f6444450}" ma:sspId="e5351508-46ca-4454-b07c-bc767568d5f1" ma:termSetId="e16b75cc-aa40-46b2-ae09-2779d7cc5afd" ma:anchorId="00000000-0000-0000-0000-000000000000" ma:open="false" ma:isKeyword="false">
+      <xsd:complexType>
+        <xsd:sequence>
+          <xsd:element ref="pc:Terms" minOccurs="0" maxOccurs="1"/>
+        </xsd:sequence>
+      </xsd:complexType>
+    </xsd:element>
+    <xsd:element name="ExifModel" ma:index="82" nillable="true" ma:displayName="Exif Model" ma:internalName="ExifModel">
+      <xsd:simpleType>
+        <xsd:restriction base="dms:Text"/>
+      </xsd:simpleType>
+    </xsd:element>
+    <xsd:element name="ExifSensingMethodTaxHTField0" ma:index="83" nillable="true" ma:taxonomy="true" ma:internalName="ExifSensingMethodTaxHTField0" ma:taxonomyFieldName="ExifSensingMethod" ma:displayName="Exif Sensing Method" ma:fieldId="{d7a930e9-a959-4bcd-978c-c548191e3a13}" ma:sspId="e5351508-46ca-4454-b07c-bc767568d5f1" ma:termSetId="d9ddfd10-0637-40ad-9805-ee7c3df64fd9" ma:anchorId="00000000-0000-0000-0000-000000000000" ma:open="false" ma:isKeyword="false">
+      <xsd:complexType>
+        <xsd:sequence>
+          <xsd:element ref="pc:Terms" minOccurs="0" maxOccurs="1"/>
+        </xsd:sequence>
+      </xsd:complexType>
+    </xsd:element>
+    <xsd:element name="ExifShutterSpeed" ma:index="85" nillable="true" ma:displayName="Exif Shutter Speed" ma:internalName="ExifShutterSpeed">
+      <xsd:simpleType>
+        <xsd:restriction base="dms:Text"/>
+      </xsd:simpleType>
+    </xsd:element>
+    <xsd:element name="ExifSoftware" ma:index="86" nillable="true" ma:displayName="Exif Software" ma:internalName="ExifSoftware">
+      <xsd:simpleType>
+        <xsd:restriction base="dms:Text"/>
+      </xsd:simpleType>
+    </xsd:element>
+    <xsd:element name="ExifSubjectDistance" ma:index="87" nillable="true" ma:displayName="Exif Subject Distance (m)" ma:internalName="ExifSubjectDistance">
+      <xsd:simpleType>
+        <xsd:restriction base="dms:Text"/>
+      </xsd:simpleType>
+    </xsd:element>
+    <xsd:element name="FlashFrameCount" ma:index="88" nillable="true" ma:displayName="Flash Frame Count" ma:internalName="FlashFrameCount">
+      <xsd:simpleType>
+        <xsd:restriction base="dms:Text"/>
+      </xsd:simpleType>
+    </xsd:element>
+    <xsd:element name="FlashFrameRate" ma:index="89" nillable="true" ma:displayName="Flash Frame Rate" ma:internalName="FlashFrameRate">
+      <xsd:simpleType>
+        <xsd:restriction base="dms:Text"/>
+      </xsd:simpleType>
+    </xsd:element>
+    <xsd:element name="GeographyTaxHTField0" ma:index="90" nillable="true" ma:taxonomy="true" ma:internalName="GeographyTaxHTField0" ma:taxonomyFieldName="Geography" ma:displayName="Geography" ma:fieldId="{24303334-cab5-4bd3-b623-47749fc5e9eb}" ma:sspId="e5351508-46ca-4454-b07c-bc767568d5f1" ma:termSetId="7c2605be-78b7-4ca2-8f6f-ab279c096aae" ma:anchorId="00000000-0000-0000-0000-000000000000" ma:open="false" ma:isKeyword="false">
+      <xsd:complexType>
+        <xsd:sequence>
+          <xsd:element ref="pc:Terms" minOccurs="0" maxOccurs="1"/>
+        </xsd:sequence>
+      </xsd:complexType>
+    </xsd:element>
+    <xsd:element name="HorizontalBusinessSolutionsTaxHTField0" ma:index="92" nillable="true" ma:taxonomy="true" ma:internalName="HorizontalBusinessSolutionsTaxHTField0" ma:taxonomyFieldName="HorizontalBusinessSolutions" ma:displayName="Horizontal Business Solutions" ma:fieldId="{1f6fc77f-0a05-444f-b580-5273ce073f35}" ma:sspId="e5351508-46ca-4454-b07c-bc767568d5f1" ma:termSetId="32a6d413-5b83-45ba-9a5a-a9dc090eb5f3" ma:anchorId="00000000-0000-0000-0000-000000000000" ma:open="false" ma:isKeyword="false">
+      <xsd:complexType>
+        <xsd:sequence>
+          <xsd:element ref="pc:Terms" minOccurs="0" maxOccurs="1"/>
+        </xsd:sequence>
+      </xsd:complexType>
+    </xsd:element>
+    <xsd:element name="ImageColorScheme" ma:index="94" nillable="true" ma:displayName="Image Color Scheme" ma:internalName="ImageColorScheme">
+      <xsd:simpleType>
+        <xsd:restriction base="dms:Text"/>
+      </xsd:simpleType>
+    </xsd:element>
+    <xsd:element name="IndividualCustomerSegmentTaxHTField0" ma:index="95" nillable="true" ma:taxonomy="true" ma:internalName="IndividualCustomerSegmentTaxHTField0" ma:taxonomyFieldName="IndividualCustomerSegment" ma:displayName="Individual Customer Segment" ma:fieldId="{fa9edc89-ce41-4c39-b86d-f74418462223}" ma:taxonomyMulti="true" ma:sspId="e5351508-46ca-4454-b07c-bc767568d5f1" ma:termSetId="f0f0c54d-2fd3-4e10-9b8d-0e0ce4e7c7b5" ma:anchorId="00000000-0000-0000-0000-000000000000" ma:open="false" ma:isKeyword="false">
+      <xsd:complexType>
+        <xsd:sequence>
+          <xsd:element ref="pc:Terms" minOccurs="0" maxOccurs="1"/>
+        </xsd:sequence>
+      </xsd:complexType>
+    </xsd:element>
+    <xsd:element name="JobRoleTaxHTField0" ma:index="97" nillable="true" ma:taxonomy="true" ma:internalName="JobRoleTaxHTField0" ma:taxonomyFieldName="JobRole" ma:displayName="Job Role" ma:fieldId="{b4b50c45-89f6-4522-bed7-6409ceff1821}" ma:sspId="e5351508-46ca-4454-b07c-bc767568d5f1" ma:termSetId="4c56d73e-b2de-49cb-b3d6-df32a18b8190" ma:anchorId="00000000-0000-0000-0000-000000000000" ma:open="false" ma:isKeyword="false">
+      <xsd:complexType>
+        <xsd:sequence>
+          <xsd:element ref="pc:Terms" minOccurs="0" maxOccurs="1"/>
+        </xsd:sequence>
+      </xsd:complexType>
+    </xsd:element>
+    <xsd:element name="USBMOLanguageTaxHTField0" ma:index="99" nillable="true" ma:taxonomy="true" ma:internalName="USBMOLanguageTaxHTField0" ma:taxonomyFieldName="USBMOLanguage" ma:displayName="Language" ma:default="159;#English|a5ff94d2-1ec6-4a3d-91b6-499704bb2bfb" ma:fieldId="{3001d2cb-27cc-488b-a6e3-9409191fe5d7}" ma:taxonomyMulti="true" ma:sspId="e5351508-46ca-4454-b07c-bc767568d5f1" ma:termSetId="caf07f1e-e70a-418c-a826-56f67c3ab232" ma:anchorId="00000000-0000-0000-0000-000000000000" ma:open="false" ma:isKeyword="false">
+      <xsd:complexType>
+        <xsd:sequence>
+          <xsd:element ref="pc:Terms" minOccurs="0" maxOccurs="1"/>
+        </xsd:sequence>
+      </xsd:complexType>
+    </xsd:element>
+    <xsd:element name="LocaleTaxHTField0" ma:index="101" nillable="true" ma:taxonomy="true" ma:internalName="LocaleTaxHTField0" ma:taxonomyFieldName="Locale" ma:displayName="Locale" ma:default="160;#en-us|d9a69bff-8288-4080-b994-75d8eae21b51" ma:fieldId="{102aee01-d407-45ff-964e-888f51184492}" ma:taxonomyMulti="true" ma:sspId="e5351508-46ca-4454-b07c-bc767568d5f1" ma:termSetId="c75b77a0-de14-4dfe-b43c-1de41e586b08" ma:anchorId="00000000-0000-0000-0000-000000000000" ma:open="false" ma:isKeyword="false">
+      <xsd:complexType>
+        <xsd:sequence>
+          <xsd:element ref="pc:Terms" minOccurs="0" maxOccurs="1"/>
+        </xsd:sequence>
+      </xsd:complexType>
+    </xsd:element>
+    <xsd:element name="LCID" ma:index="103" nillable="true" ma:displayName="LCID" ma:internalName="LCID">
+      <xsd:simpleType>
+        <xsd:restriction base="dms:Text"/>
+      </xsd:simpleType>
+    </xsd:element>
+    <xsd:element name="LegacyID" ma:index="104" nillable="true" ma:displayName="Legacy ID" ma:hidden="true" ma:internalName="LegacyID" ma:readOnly="false">
+      <xsd:simpleType>
+        <xsd:restriction base="dms:Text"/>
+      </xsd:simpleType>
+    </xsd:element>
+    <xsd:element name="MediaPlayLength" ma:index="105" nillable="true" ma:displayName="Media Play Length (hour:minute:seconds)" ma:internalName="MediaPlayLength">
+      <xsd:simpleType>
+        <xsd:restriction base="dms:Text"/>
+      </xsd:simpleType>
+    </xsd:element>
+    <xsd:element name="Syndicatable" ma:index="106" nillable="true" ma:displayName="OK to Syndicate" ma:default="0" ma:description="An indication of whether the asset should be released to the Metadata Management module when it is published and approved by the content management environment. By default, this item should NOT be checked." ma:internalName="Syndicatable">
+      <xsd:simpleType>
+        <xsd:restriction base="dms:Boolean"/>
+      </xsd:simpleType>
+    </xsd:element>
+    <xsd:element name="OrganizationalCustomerSegmentTaxHTField0" ma:index="107" nillable="true" ma:taxonomy="true" ma:internalName="OrganizationalCustomerSegmentTaxHTField0" ma:taxonomyFieldName="OrganizationalCustomerSegment" ma:displayName="Organizational Customer Segment" ma:fieldId="{51a040c1-67fd-4b51-be2d-039858b15bc0}" ma:taxonomyMulti="true" ma:sspId="e5351508-46ca-4454-b07c-bc767568d5f1" ma:termSetId="f0f8d20e-9d97-438e-9ed3-4fbd54a90c1d" ma:anchorId="00000000-0000-0000-0000-000000000000" ma:open="false" ma:isKeyword="false">
+      <xsd:complexType>
+        <xsd:sequence>
+          <xsd:element ref="pc:Terms" minOccurs="0" maxOccurs="1"/>
+        </xsd:sequence>
+      </xsd:complexType>
+    </xsd:element>
+    <xsd:element name="OriginalCreator" ma:index="109" nillable="true" ma:displayName="Original Creator" ma:description="This field will be used to indicate the source for the item. It is not necessarily the same as the Responsible Group." ma:internalName="OriginalCreator">
+      <xsd:simpleType>
+        <xsd:restriction base="dms:Text"/>
+      </xsd:simpleType>
+    </xsd:element>
+    <xsd:element name="PageCount" ma:index="110" nillable="true" ma:displayName="Page Count" ma:internalName="PageCount">
+      <xsd:simpleType>
+        <xsd:restriction base="dms:Text"/>
+      </xsd:simpleType>
+    </xsd:element>
+    <xsd:element name="PartNo" ma:index="111" nillable="true" ma:displayName="Part No" ma:internalName="PartNo">
+      <xsd:simpleType>
+        <xsd:restriction base="dms:Text"/>
+      </xsd:simpleType>
+    </xsd:element>
+    <xsd:element name="PhotoshopCaption" ma:index="112" nillable="true" ma:displayName="Photoshop Caption" ma:internalName="PhotoshopCaption">
+      <xsd:simpleType>
+        <xsd:restriction base="dms:Note"/>
+      </xsd:simpleType>
+    </xsd:element>
+    <xsd:element name="PhotoshopCopyrightNotice" ma:index="113" nillable="true" ma:displayName="Photoshop Copyright Notice" ma:internalName="PhotoshopCopyrightNotice">
+      <xsd:simpleType>
+        <xsd:restriction base="dms:Note"/>
+      </xsd:simpleType>
+    </xsd:element>
+    <xsd:element name="PhotoshopCopyrightStatusTaxHTField0" ma:index="114" nillable="true" ma:taxonomy="true" ma:internalName="PhotoshopCopyrightStatusTaxHTField0" ma:taxonomyFieldName="PhotoshopCopyrightStatus" ma:displayName="Photoshop Copyright Status" ma:fieldId="{2335001f-708b-4788-9517-b420d42537e4}" ma:sspId="e5351508-46ca-4454-b07c-bc767568d5f1" ma:termSetId="00f52058-0726-4f92-9b3a-b7b625f0836d" ma:anchorId="00000000-0000-0000-0000-000000000000" ma:open="false" ma:isKeyword="false">
+      <xsd:complexType>
+        <xsd:sequence>
+          <xsd:element ref="pc:Terms" minOccurs="0" maxOccurs="1"/>
+        </xsd:sequence>
+      </xsd:complexType>
+    </xsd:element>
+    <xsd:element name="PhotoshopDateCreated" ma:index="116" nillable="true" ma:displayName="Photoshop Date Created" ma:internalName="PhotoshopDateCreated">
+      <xsd:simpleType>
+        <xsd:restriction base="dms:Text"/>
+      </xsd:simpleType>
+    </xsd:element>
+    <xsd:element name="ProductsTaxHTField0" ma:index="117" nillable="true" ma:taxonomy="true" ma:internalName="ProductsTaxHTField0" ma:taxonomyFieldName="Products" ma:displayName="Products" ma:fieldId="{2508cca7-303f-4eb3-beb8-f072fc69cba1}" ma:taxonomyMulti="true" ma:sspId="e5351508-46ca-4454-b07c-bc767568d5f1" ma:termSetId="f25997de-c637-4768-9183-fcd82082cd39" ma:anchorId="00000000-0000-0000-0000-000000000000" ma:open="false" ma:isKeyword="false">
+      <xsd:complexType>
+        <xsd:sequence>
+          <xsd:element ref="pc:Terms" minOccurs="0" maxOccurs="1"/>
+        </xsd:sequence>
+      </xsd:complexType>
+    </xsd:element>
+    <xsd:element name="ProductAreaTaxHTField0" ma:index="119" nillable="true" ma:taxonomy="true" ma:internalName="ProductAreaTaxHTField0" ma:taxonomyFieldName="ProductArea" ma:displayName="Product Area" ma:fieldId="{745efb83-9c2f-4366-afe0-1ade51570421}" ma:taxonomyMulti="true" ma:sspId="e5351508-46ca-4454-b07c-bc767568d5f1" ma:termSetId="f25997de-c637-4768-9183-fcd82082cd39" ma:anchorId="00000000-0000-0000-0000-000000000000" ma:open="false" ma:isKeyword="false">
+      <xsd:complexType>
+        <xsd:sequence>
+          <xsd:element ref="pc:Terms" minOccurs="0" maxOccurs="1"/>
+        </xsd:sequence>
+      </xsd:complexType>
+    </xsd:element>
+    <xsd:element name="ProfileColorSpace" ma:index="121" nillable="true" ma:displayName="Profile Color Space" ma:internalName="ProfileColorSpace">
+      <xsd:simpleType>
+        <xsd:restriction base="dms:Text"/>
+      </xsd:simpleType>
+    </xsd:element>
+    <xsd:element name="ProfileDescription" ma:index="122" nillable="true" ma:displayName="Profile Description" ma:internalName="ProfileDescription">
+      <xsd:simpleType>
+        <xsd:restriction base="dms:Text"/>
+      </xsd:simpleType>
+    </xsd:element>
+    <xsd:element name="PublicationDate" ma:index="123" nillable="true" ma:displayName="Publication Date" ma:internalName="PublicationDate">
+      <xsd:simpleType>
+        <xsd:restriction base="dms:DateTime"/>
+      </xsd:simpleType>
+    </xsd:element>
+    <xsd:element name="Resolution" ma:index="124" nillable="true" ma:displayName="Resolution (ppi)" ma:internalName="Resolution">
+      <xsd:simpleType>
+        <xsd:restriction base="dms:Text"/>
+      </xsd:simpleType>
+    </xsd:element>
+    <xsd:element name="ResponsibleGroup" ma:index="125" nillable="true" ma:displayName="Responsible Group" ma:internalName="ResponsibleGroup">
+      <xsd:simpleType>
+        <xsd:restriction base="dms:Text"/>
+      </xsd:simpleType>
+    </xsd:element>
+    <xsd:element name="SEOMetaDescription" ma:index="126" nillable="true" ma:displayName="SEO Meta Description" ma:internalName="SEOMetaDescription">
+      <xsd:simpleType>
+        <xsd:restriction base="dms:Text"/>
+      </xsd:simpleType>
+    </xsd:element>
+    <xsd:element name="SEOMetaKeywords" ma:index="127" nillable="true" ma:displayName="SEO Meta Keywords" ma:internalName="SEOMetaKeywords">
+      <xsd:simpleType>
+        <xsd:restriction base="dms:Text"/>
+      </xsd:simpleType>
+    </xsd:element>
+    <xsd:element name="SEOMetaTitle" ma:index="128" nillable="true" ma:displayName="SEO Meta Title" ma:internalName="SEOMetaTitle">
+      <xsd:simpleType>
+        <xsd:restriction base="dms:Text"/>
+      </xsd:simpleType>
+    </xsd:element>
+    <xsd:element name="SEOPrettyURL" ma:index="129" nillable="true" ma:displayName="SEO Pretty URL" ma:internalName="SEOPrettyURL">
+      <xsd:simpleType>
+        <xsd:restriction base="dms:Text"/>
+      </xsd:simpleType>
+    </xsd:element>
+    <xsd:element name="SolutionTaxHTField0" ma:index="130" nillable="true" ma:taxonomy="true" ma:internalName="SolutionTaxHTField0" ma:taxonomyFieldName="Solution" ma:displayName="Solutions" ma:default="" ma:fieldId="{ee98faac-7351-4283-815d-8f0ce67cad01}" ma:taxonomyMulti="true" ma:sspId="e5351508-46ca-4454-b07c-bc767568d5f1" ma:termSetId="b6610717-588c-474d-93c2-a3d36086895a" ma:anchorId="00000000-0000-0000-0000-000000000000" ma:open="false" ma:isKeyword="false">
+      <xsd:complexType>
+        <xsd:sequence>
+          <xsd:element ref="pc:Terms" minOccurs="0" maxOccurs="1"/>
+        </xsd:sequence>
+      </xsd:complexType>
+    </xsd:element>
+    <xsd:element name="SyndicationEndDate" ma:index="132" nillable="true" ma:displayName="Syndication End Date" ma:description="This field will be used to indicate the date on which syndicated content from this field will no longer be delivered to the site producer." ma:internalName="SyndicationEndDate">
+      <xsd:simpleType>
+        <xsd:restriction base="dms:DateTime"/>
+      </xsd:simpleType>
+    </xsd:element>
+    <xsd:element name="SyndicationStartDate" ma:index="133" nillable="true" ma:displayName="Syndication Start Date" ma:description="This field will be used to indicate the date on which syndicated content from this feed will be delivered to the site producer. By default the date the feed was created will be entered into this field." ma:internalName="SyndicationStartDate">
+      <xsd:simpleType>
+        <xsd:restriction base="dms:DateTime"/>
+      </xsd:simpleType>
+    </xsd:element>
+    <xsd:element name="SyndicationURL" ma:index="134" nillable="true" ma:displayName="Syndication URL" ma:description="This field will be used to store HTML code that can be used by content syndicators who would like to embed an URL to the item in their content. As further described in the rights/delivery management section of this document, the embed URL may include a built-in Silverlight-based player. The player user experience will be specified via the Enclosure Type field. When implemented, this field would also be used to specify the location on a content distribution network where the asset is to be streamed. Note that this is the URL MASS displays to properly move the user through the reporting redirection module." ma:indexed="true" ma:internalName="SyndicationURL">
+      <xsd:simpleType>
+        <xsd:restriction base="dms:Text">
+          <xsd:maxLength value="255"/>
+        </xsd:restriction>
+      </xsd:simpleType>
+    </xsd:element>
+    <xsd:element name="UTCOffset" ma:index="135" nillable="true" ma:displayName="UTC Offset" ma:default="" ma:description="Time zone offset from UTC." ma:internalName="UTCOffset">
+      <xsd:simpleType>
+        <xsd:restriction base="dms:Text"/>
+      </xsd:simpleType>
+    </xsd:element>
+    <xsd:element name="VerticalIndustryTaxHTField0" ma:index="136" nillable="true" ma:taxonomy="true" ma:internalName="VerticalIndustryTaxHTField0" ma:taxonomyFieldName="VerticalIndustry" ma:displayName="Vertical Industry" ma:fieldId="{72ac98a0-0cec-4143-b06f-8df46676315d}" ma:taxonomyMulti="true" ma:sspId="e5351508-46ca-4454-b07c-bc767568d5f1" ma:termSetId="c96753b9-a215-4eae-b7d3-a5549f1e2331" ma:anchorId="00000000-0000-0000-0000-000000000000" ma:open="false" ma:isKeyword="false">
+      <xsd:complexType>
+        <xsd:sequence>
+          <xsd:element ref="pc:Terms" minOccurs="0" maxOccurs="1"/>
+        </xsd:sequence>
+      </xsd:complexType>
+    </xsd:element>
+    <xsd:element name="VideoBitRate" ma:index="138" nillable="true" ma:displayName="Video Bit Rate" ma:internalName="VideoBitRate">
+      <xsd:simpleType>
+        <xsd:restriction base="dms:Text"/>
+      </xsd:simpleType>
+    </xsd:element>
+    <xsd:element name="VideoCodec" ma:index="139" nillable="true" ma:displayName="Video Codec" ma:internalName="VideoCodec">
+      <xsd:simpleType>
+        <xsd:restriction base="dms:Text"/>
+      </xsd:simpleType>
+    </xsd:element>
+    <xsd:element name="VideoFrameRate" ma:index="140" nillable="true" ma:displayName="Video Frame Rate" ma:internalName="VideoFrameRate">
+      <xsd:simpleType>
+        <xsd:restriction base="dms:Text"/>
+      </xsd:simpleType>
+    </xsd:element>
+    <xsd:element name="VideoFrames" ma:index="141" nillable="true" ma:displayName="Video Frames" ma:internalName="VideoFrames">
+      <xsd:simpleType>
+        <xsd:restriction base="dms:Text"/>
+      </xsd:simpleType>
+    </xsd:element>
+    <xsd:element name="VideoPreviewSize" ma:index="142" nillable="true" ma:displayName="Video Preview Size" ma:internalName="VideoPreviewSize">
+      <xsd:simpleType>
+        <xsd:restriction base="dms:Text"/>
+      </xsd:simpleType>
+    </xsd:element>
+  </xsd:schema>
+  <xsd:schema xmlns="http://schemas.openxmlformats.org/package/2006/metadata/core-properties" xmlns:xsd="http://www.w3.org/2001/XMLSchema" xmlns:xsi="http://www.w3.org/2001/XMLSchema-instance" xmlns:dc="http://purl.org/dc/elements/1.1/" xmlns:dcterms="http://purl.org/dc/terms/" xmlns:odoc="http://schemas.microsoft.com/internal/obd" targetNamespace="http://schemas.openxmlformats.org/package/2006/metadata/core-properties" elementFormDefault="qualified" attributeFormDefault="unqualified" blockDefault="#all">
+    <xsd:import namespace="http://purl.org/dc/elements/1.1/" schemaLocation="http://dublincore.org/schemas/xmls/qdc/2003/04/02/dc.xsd"/>
+    <xsd:import namespace="http://purl.org/dc/terms/" schemaLocation="http://dublincore.org/schemas/xmls/qdc/2003/04/02/dcterms.xsd"/>
+    <xsd:element name="coreProperties" type="CT_coreProperties"/>
+    <xsd:complexType name="CT_coreProperties">
+      <xsd:all>
+        <xsd:element ref="dc:creator" minOccurs="0" maxOccurs="1" ma:index="24" ma:displayName="Author"/>
+        <xsd:element ref="dcterms:created" minOccurs="0" maxOccurs="1"/>
+        <xsd:element ref="dc:identifier" minOccurs="0" maxOccurs="1"/>
+        <xsd:element name="contentType" minOccurs="0" maxOccurs="1" type="xsd:string" ma:index="0" ma:displayName="Content Type"/>
+        <xsd:element ref="dc:title" minOccurs="0" maxOccurs="1" ma:index="4" ma:displayName="Title"/>
+        <xsd:element ref="dc:subject" minOccurs="0" maxOccurs="1"/>
+        <xsd:element ref="dc:description" minOccurs="0" maxOccurs="1" ma:index="23" ma:displayName="Comments"/>
+        <xsd:element name="keywords" minOccurs="0" maxOccurs="1" type="xsd:string" ma:index="14" ma:displayName="Keywords"/>
+        <xsd:element ref="dc:language" minOccurs="0" maxOccurs="1"/>
+        <xsd:element name="category" minOccurs="0" maxOccurs="1" type="xsd:string"/>
+        <xsd:element name="version" minOccurs="0" maxOccurs="1" type="xsd:string"/>
+        <xsd:element name="revision" minOccurs="0" maxOccurs="1" type="xsd:string">
+          <xsd:annotation>
+            <xsd:documentation>
+                        This value indicates the number of saves or revisions. The application is responsible for updating this value after each revision.
+                    </xsd:documentation>
+          </xsd:annotation>
+        </xsd:element>
+        <xsd:element name="lastModifiedBy" minOccurs="0" maxOccurs="1" type="xsd:string"/>
+        <xsd:element ref="dcterms:modified" minOccurs="0" maxOccurs="1"/>
+        <xsd:element name="contentStatus" minOccurs="0" maxOccurs="1" type="xsd:string"/>
+      </xsd:all>
+    </xsd:complexType>
+  </xsd:schema>
+  <xs:schema xmlns:pc="http://schemas.microsoft.com/office/infopath/2007/PartnerControls" xmlns:xs="http://www.w3.org/2001/XMLSchema" targetNamespace="http://schemas.microsoft.com/office/infopath/2007/PartnerControls" elementFormDefault="qualified" attributeFormDefault="unqualified">
+    <xs:element name="Person">
+      <xs:complexType>
+        <xs:sequence>
+          <xs:element ref="pc:DisplayName" minOccurs="0"/>
+          <xs:element ref="pc:AccountId" minOccurs="0"/>
+          <xs:element ref="pc:AccountType" minOccurs="0"/>
+        </xs:sequence>
+      </xs:complexType>
+    </xs:element>
+    <xs:element name="DisplayName" type="xs:string"/>
+    <xs:element name="AccountId" type="xs:string"/>
+    <xs:element name="AccountType" type="xs:string"/>
+    <xs:element name="BDCAssociatedEntity">
+      <xs:complexType>
+        <xs:sequence>
+          <xs:element ref="pc:BDCEntity" minOccurs="0" maxOccurs="unbounded"/>
+        </xs:sequence>
+        <xs:attribute ref="pc:EntityNamespace"/>
+        <xs:attribute ref="pc:EntityName"/>
+        <xs:attribute ref="pc:SystemInstanceName"/>
+        <xs:attribute ref="pc:AssociationName"/>
+      </xs:complexType>
+    </xs:element>
+    <xs:attribute name="EntityNamespace" type="xs:string"/>
+    <xs:attribute name="EntityName" type="xs:string"/>
+    <xs:attribute name="SystemInstanceName" type="xs:string"/>
+    <xs:attribute name="AssociationName" type="xs:string"/>
+    <xs:element name="BDCEntity">
+      <xs:complexType>
+        <xs:sequence>
+          <xs:element ref="pc:EntityDisplayName" minOccurs="0"/>
+          <xs:element ref="pc:EntityInstanceReference" minOccurs="0"/>
+          <xs:element ref="pc:EntityId1" minOccurs="0"/>
+          <xs:element ref="pc:EntityId2" minOccurs="0"/>
+          <xs:element ref="pc:EntityId3" minOccurs="0"/>
+          <xs:element ref="pc:EntityId4" minOccurs="0"/>
+          <xs:element ref="pc:EntityId5" minOccurs="0"/>
+        </xs:sequence>
+      </xs:complexType>
+    </xs:element>
+    <xs:element name="EntityDisplayName" type="xs:string"/>
+    <xs:element name="EntityInstanceReference" type="xs:string"/>
+    <xs:element name="EntityId1" type="xs:string"/>
+    <xs:element name="EntityId2" type="xs:string"/>
+    <xs:element name="EntityId3" type="xs:string"/>
+    <xs:element name="EntityId4" type="xs:string"/>
+    <xs:element name="EntityId5" type="xs:string"/>
+    <xs:element name="Terms">
+      <xs:complexType>
+        <xs:sequence>
+          <xs:element ref="pc:TermInfo" minOccurs="0" maxOccurs="unbounded"/>
+        </xs:sequence>
+      </xs:complexType>
+    </xs:element>
+    <xs:element name="TermInfo">
+      <xs:complexType>
+        <xs:sequence>
+          <xs:element ref="pc:TermName" minOccurs="0"/>
+          <xs:element ref="pc:TermId" minOccurs="0"/>
+        </xs:sequence>
+      </xs:complexType>
+    </xs:element>
+    <xs:element name="TermName" type="xs:string"/>
+    <xs:element name="TermId" type="xs:string"/>
+  </xs:schema>
+</ct:contentTypeSchema>
+</file>
+
+<file path=customXml/item2.xml><?xml version="1.0" encoding="utf-8"?>
+<?mso-contentType ?>
+<FormTemplates xmlns="http://schemas.microsoft.com/sharepoint/v3/contenttype/forms">
+  <Display>DocumentLibraryForm</Display>
+  <Edit>DocumentLibraryForm</Edit>
+  <New>DocumentLibraryForm</New>
+</FormTemplates>
+</file>
+
+<file path=customXml/item3.xml><?xml version="1.0" encoding="utf-8"?>
 <p:properties xmlns:p="http://schemas.microsoft.com/office/2006/metadata/properties" xmlns:xsi="http://www.w3.org/2001/XMLSchema-instance" xmlns:pc="http://schemas.microsoft.com/office/infopath/2007/PartnerControls">
   <documentManagement>
     <TaxCatchAll xmlns="2f90a3b6-08c8-4148-8fff-0427b40d8fc9">
@@ -7649,835 +8909,12 @@
 </p:properties>
 </file>
 
-<file path=customXml/item2.xml><?xml version="1.0" encoding="utf-8"?>
-<?mso-contentType ?>
-<FormTemplates xmlns="http://schemas.microsoft.com/sharepoint/v3/contenttype/forms">
-  <Display>DocumentLibraryForm</Display>
-  <Edit>DocumentLibraryForm</Edit>
-  <New>DocumentLibraryForm</New>
-</FormTemplates>
-</file>
-
-<file path=customXml/item3.xml><?xml version="1.0" encoding="utf-8"?>
-<ct:contentTypeSchema xmlns:ct="http://schemas.microsoft.com/office/2006/metadata/contentType" xmlns:ma="http://schemas.microsoft.com/office/2006/metadata/properties/metaAttributes" ct:_="" ma:_="" ma:contentTypeName="MASS MediaBank Image" ma:contentTypeID="0x0101009148F5A04DDD49CBA7127AADA5FB792B00AADE34325A8B49CDA8BB4DB53328F2140042A8F7EFA3D8428BA83C1DD618D41277008B7D58F6637A6449A868D36ABEDD5D7D" ma:contentTypeVersion="1" ma:contentTypeDescription="Upload an image." ma:contentTypeScope="" ma:versionID="cf5d87ef76ae645aeecfd1524f32f789">
-  <xsd:schema xmlns:xsd="http://www.w3.org/2001/XMLSchema" xmlns:xs="http://www.w3.org/2001/XMLSchema" xmlns:p="http://schemas.microsoft.com/office/2006/metadata/properties" xmlns:ns1="http://schemas.microsoft.com/sharepoint/v3" xmlns:ns2="EB693DEA-2256-4DD9-8FF3-783287AC6516" xmlns:ns3="http://schemas.microsoft.com/sharepoint/v3/fields" xmlns:ns4="2f90a3b6-08c8-4148-8fff-0427b40d8fc9" targetNamespace="http://schemas.microsoft.com/office/2006/metadata/properties" ma:root="true" ma:fieldsID="659fa2edc7c82f120babd68af08693e1" ns1:_="" ns2:_="" ns3:_="" ns4:_="">
-    <xsd:import namespace="http://schemas.microsoft.com/sharepoint/v3"/>
-    <xsd:import namespace="EB693DEA-2256-4DD9-8FF3-783287AC6516"/>
-    <xsd:import namespace="http://schemas.microsoft.com/sharepoint/v3/fields"/>
-    <xsd:import namespace="2f90a3b6-08c8-4148-8fff-0427b40d8fc9"/>
-    <xsd:element name="properties">
-      <xsd:complexType>
-        <xsd:sequence>
-          <xsd:element name="documentManagement">
-            <xsd:complexType>
-              <xsd:all>
-                <xsd:element ref="ns1:FileRef" minOccurs="0"/>
-                <xsd:element ref="ns1:File_x0020_Type" minOccurs="0"/>
-                <xsd:element ref="ns1:HTML_x0020_File_x0020_Type" minOccurs="0"/>
-                <xsd:element ref="ns1:FSObjType" minOccurs="0"/>
-                <xsd:element ref="ns2:ThumbnailExists" minOccurs="0"/>
-                <xsd:element ref="ns2:PreviewExists" minOccurs="0"/>
-                <xsd:element ref="ns2:ImageWidth" minOccurs="0"/>
-                <xsd:element ref="ns2:ImageHeight" minOccurs="0"/>
-                <xsd:element ref="ns2:ImageCreateDate" minOccurs="0"/>
-                <xsd:element ref="ns3:wic_System_Copyright" minOccurs="0"/>
-                <xsd:element ref="ns4:AssetURL" minOccurs="0"/>
-                <xsd:element ref="ns4:AssetTypeTaxHTField0" minOccurs="0"/>
-                <xsd:element ref="ns4:TaxCatchAll" minOccurs="0"/>
-                <xsd:element ref="ns4:TaxCatchAllLabel" minOccurs="0"/>
-                <xsd:element ref="ns4:BitDepth" minOccurs="0"/>
-                <xsd:element ref="ns4:Caption" minOccurs="0"/>
-                <xsd:element ref="ns4:ColorspaceTaxHTField0" minOccurs="0"/>
-                <xsd:element ref="ns1:Comments" minOccurs="0"/>
-                <xsd:element ref="ns4:ContentPurposeTaxHTField0" minOccurs="0"/>
-                <xsd:element ref="ns4:CountryTaxHTField0" minOccurs="0"/>
-                <xsd:element ref="ns4:DeletionDate" minOccurs="0"/>
-                <xsd:element ref="ns4:USBMODepartmentTaxHTField0" minOccurs="0"/>
-                <xsd:element ref="ns4:USBMODescription" minOccurs="0"/>
-                <xsd:element ref="ns4:DevelopmentLanguageTaxHTField0" minOccurs="0"/>
-                <xsd:element ref="ns4:Dimensions" minOccurs="0"/>
-                <xsd:element ref="ns4:DistributionChannelTaxHTField0" minOccurs="0"/>
-                <xsd:element ref="ns4:ElementTypeTaxHTField0" minOccurs="0"/>
-                <xsd:element ref="ns4:EnclosureTypeTaxHTField0" minOccurs="0"/>
-                <xsd:element ref="ns4:ExifApertureValue" minOccurs="0"/>
-                <xsd:element ref="ns4:ExifArtist" minOccurs="0"/>
-                <xsd:element ref="ns4:ExifCopyright" minOccurs="0"/>
-                <xsd:element ref="ns4:ExifDateTime" minOccurs="0"/>
-                <xsd:element ref="ns4:ExifExposureBias" minOccurs="0"/>
-                <xsd:element ref="ns4:ExifExposureProgramTaxHTField0" minOccurs="0"/>
-                <xsd:element ref="ns4:ExifExposureTime" minOccurs="0"/>
-                <xsd:element ref="ns4:ExifFNumber" minOccurs="0"/>
-                <xsd:element ref="ns4:ExifFlashFiredStatusTaxHTField0" minOccurs="0"/>
-                <xsd:element ref="ns4:ExifFlashFunctionTaxHTField0" minOccurs="0"/>
-                <xsd:element ref="ns4:ExifFlashModeTaxHTField0" minOccurs="0"/>
-                <xsd:element ref="ns4:ExifFlashRedEyeModeTaxHTField0" minOccurs="0"/>
-                <xsd:element ref="ns4:ExifFlashReturnStatusTaxHTField0" minOccurs="0"/>
-                <xsd:element ref="ns4:ExifFocalLength" minOccurs="0"/>
-                <xsd:element ref="ns4:ExifImageDescription" minOccurs="0"/>
-                <xsd:element ref="ns4:ExifISOSpeedRatings" minOccurs="0"/>
-                <xsd:element ref="ns4:ExifLightSourceTaxHTField0" minOccurs="0"/>
-                <xsd:element ref="ns4:ExifMake" minOccurs="0"/>
-                <xsd:element ref="ns4:ExifMaxApertureValue" minOccurs="0"/>
-                <xsd:element ref="ns4:ExifMeteringModeTaxHTField0" minOccurs="0"/>
-                <xsd:element ref="ns4:ExifModel" minOccurs="0"/>
-                <xsd:element ref="ns4:ExifSensingMethodTaxHTField0" minOccurs="0"/>
-                <xsd:element ref="ns4:ExifShutterSpeed" minOccurs="0"/>
-                <xsd:element ref="ns4:ExifSoftware" minOccurs="0"/>
-                <xsd:element ref="ns4:ExifSubjectDistance" minOccurs="0"/>
-                <xsd:element ref="ns4:FlashFrameCount" minOccurs="0"/>
-                <xsd:element ref="ns4:FlashFrameRate" minOccurs="0"/>
-                <xsd:element ref="ns4:GeographyTaxHTField0" minOccurs="0"/>
-                <xsd:element ref="ns4:HorizontalBusinessSolutionsTaxHTField0" minOccurs="0"/>
-                <xsd:element ref="ns4:ImageColorScheme" minOccurs="0"/>
-                <xsd:element ref="ns4:IndividualCustomerSegmentTaxHTField0" minOccurs="0"/>
-                <xsd:element ref="ns4:JobRoleTaxHTField0" minOccurs="0"/>
-                <xsd:element ref="ns4:USBMOLanguageTaxHTField0" minOccurs="0"/>
-                <xsd:element ref="ns4:LocaleTaxHTField0" minOccurs="0"/>
-                <xsd:element ref="ns4:LCID" minOccurs="0"/>
-                <xsd:element ref="ns4:LegacyID" minOccurs="0"/>
-                <xsd:element ref="ns4:MediaPlayLength" minOccurs="0"/>
-                <xsd:element ref="ns4:Syndicatable" minOccurs="0"/>
-                <xsd:element ref="ns4:OrganizationalCustomerSegmentTaxHTField0" minOccurs="0"/>
-                <xsd:element ref="ns4:OriginalCreator" minOccurs="0"/>
-                <xsd:element ref="ns4:PageCount" minOccurs="0"/>
-                <xsd:element ref="ns4:PartNo" minOccurs="0"/>
-                <xsd:element ref="ns4:PhotoshopCaption" minOccurs="0"/>
-                <xsd:element ref="ns4:PhotoshopCopyrightNotice" minOccurs="0"/>
-                <xsd:element ref="ns4:PhotoshopCopyrightStatusTaxHTField0" minOccurs="0"/>
-                <xsd:element ref="ns4:PhotoshopDateCreated" minOccurs="0"/>
-                <xsd:element ref="ns4:ProductsTaxHTField0" minOccurs="0"/>
-                <xsd:element ref="ns4:ProductAreaTaxHTField0" minOccurs="0"/>
-                <xsd:element ref="ns4:ProfileColorSpace" minOccurs="0"/>
-                <xsd:element ref="ns4:ProfileDescription" minOccurs="0"/>
-                <xsd:element ref="ns4:PublicationDate" minOccurs="0"/>
-                <xsd:element ref="ns4:Resolution" minOccurs="0"/>
-                <xsd:element ref="ns4:ResponsibleGroup" minOccurs="0"/>
-                <xsd:element ref="ns4:SEOMetaDescription" minOccurs="0"/>
-                <xsd:element ref="ns4:SEOMetaKeywords" minOccurs="0"/>
-                <xsd:element ref="ns4:SEOMetaTitle" minOccurs="0"/>
-                <xsd:element ref="ns4:SEOPrettyURL" minOccurs="0"/>
-                <xsd:element ref="ns4:SolutionTaxHTField0" minOccurs="0"/>
-                <xsd:element ref="ns4:SyndicationEndDate" minOccurs="0"/>
-                <xsd:element ref="ns4:SyndicationStartDate" minOccurs="0"/>
-                <xsd:element ref="ns4:SyndicationURL" minOccurs="0"/>
-                <xsd:element ref="ns4:UTCOffset" minOccurs="0"/>
-                <xsd:element ref="ns4:VerticalIndustryTaxHTField0" minOccurs="0"/>
-                <xsd:element ref="ns4:VideoBitRate" minOccurs="0"/>
-                <xsd:element ref="ns4:VideoCodec" minOccurs="0"/>
-                <xsd:element ref="ns4:VideoFrameRate" minOccurs="0"/>
-                <xsd:element ref="ns4:VideoFrames" minOccurs="0"/>
-                <xsd:element ref="ns4:VideoPreviewSize" minOccurs="0"/>
-              </xsd:all>
-            </xsd:complexType>
-          </xsd:element>
-        </xsd:sequence>
-      </xsd:complexType>
-    </xsd:element>
-  </xsd:schema>
-  <xsd:schema xmlns:xsd="http://www.w3.org/2001/XMLSchema" xmlns:xs="http://www.w3.org/2001/XMLSchema" xmlns:dms="http://schemas.microsoft.com/office/2006/documentManagement/types" xmlns:pc="http://schemas.microsoft.com/office/infopath/2007/PartnerControls" targetNamespace="http://schemas.microsoft.com/sharepoint/v3" elementFormDefault="qualified">
-    <xsd:import namespace="http://schemas.microsoft.com/office/2006/documentManagement/types"/>
-    <xsd:import namespace="http://schemas.microsoft.com/office/infopath/2007/PartnerControls"/>
-    <xsd:element name="FileRef" ma:index="8" nillable="true" ma:displayName="URL Path" ma:hidden="true" ma:list="Docs" ma:internalName="FileRef" ma:readOnly="true" ma:showField="FullUrl">
-      <xsd:simpleType>
-        <xsd:restriction base="dms:Lookup"/>
-      </xsd:simpleType>
-    </xsd:element>
-    <xsd:element name="File_x0020_Type" ma:index="9" nillable="true" ma:displayName="File Type" ma:hidden="true" ma:internalName="File_x0020_Type" ma:readOnly="true">
-      <xsd:simpleType>
-        <xsd:restriction base="dms:Text"/>
-      </xsd:simpleType>
-    </xsd:element>
-    <xsd:element name="HTML_x0020_File_x0020_Type" ma:index="10" nillable="true" ma:displayName="HTML File Type" ma:hidden="true" ma:internalName="HTML_x0020_File_x0020_Type" ma:readOnly="true">
-      <xsd:simpleType>
-        <xsd:restriction base="dms:Text"/>
-      </xsd:simpleType>
-    </xsd:element>
-    <xsd:element name="FSObjType" ma:index="11" nillable="true" ma:displayName="Item Type" ma:hidden="true" ma:list="Docs" ma:internalName="FSObjType" ma:readOnly="true" ma:showField="FSType">
-      <xsd:simpleType>
-        <xsd:restriction base="dms:Lookup"/>
-      </xsd:simpleType>
-    </xsd:element>
-    <xsd:element name="Comments" ma:index="36" nillable="true" ma:displayName="Comments" ma:description="This optional 1,024-character field will be used for the storage of comments about the item. Comments will never be displayed in the rights/delivery management module or visible to end-users." ma:internalName="Comments">
-      <xsd:simpleType>
-        <xsd:restriction base="dms:Note">
-          <xsd:maxLength value="255"/>
-        </xsd:restriction>
-      </xsd:simpleType>
-    </xsd:element>
-  </xsd:schema>
-  <xsd:schema xmlns:xsd="http://www.w3.org/2001/XMLSchema" xmlns:xs="http://www.w3.org/2001/XMLSchema" xmlns:dms="http://schemas.microsoft.com/office/2006/documentManagement/types" xmlns:pc="http://schemas.microsoft.com/office/infopath/2007/PartnerControls" targetNamespace="EB693DEA-2256-4DD9-8FF3-783287AC6516" elementFormDefault="qualified">
-    <xsd:import namespace="http://schemas.microsoft.com/office/2006/documentManagement/types"/>
-    <xsd:import namespace="http://schemas.microsoft.com/office/infopath/2007/PartnerControls"/>
-    <xsd:element name="ThumbnailExists" ma:index="18" nillable="true" ma:displayName="Thumbnail Exists" ma:default="FALSE" ma:hidden="true" ma:internalName="ThumbnailExists" ma:readOnly="true">
-      <xsd:simpleType>
-        <xsd:restriction base="dms:Boolean"/>
-      </xsd:simpleType>
-    </xsd:element>
-    <xsd:element name="PreviewExists" ma:index="19" nillable="true" ma:displayName="Preview Exists" ma:default="FALSE" ma:hidden="true" ma:internalName="PreviewExists" ma:readOnly="true">
-      <xsd:simpleType>
-        <xsd:restriction base="dms:Boolean"/>
-      </xsd:simpleType>
-    </xsd:element>
-    <xsd:element name="ImageWidth" ma:index="20" nillable="true" ma:displayName="Width" ma:internalName="ImageWidth" ma:readOnly="true">
-      <xsd:simpleType>
-        <xsd:restriction base="dms:Unknown"/>
-      </xsd:simpleType>
-    </xsd:element>
-    <xsd:element name="ImageHeight" ma:index="22" nillable="true" ma:displayName="Height" ma:internalName="ImageHeight" ma:readOnly="true">
-      <xsd:simpleType>
-        <xsd:restriction base="dms:Unknown"/>
-      </xsd:simpleType>
-    </xsd:element>
-    <xsd:element name="ImageCreateDate" ma:index="25" nillable="true" ma:displayName="Date Picture Taken" ma:format="DateTime" ma:hidden="true" ma:internalName="ImageCreateDate">
-      <xsd:simpleType>
-        <xsd:restriction base="dms:DateTime"/>
-      </xsd:simpleType>
-    </xsd:element>
-  </xsd:schema>
-  <xsd:schema xmlns:xsd="http://www.w3.org/2001/XMLSchema" xmlns:xs="http://www.w3.org/2001/XMLSchema" xmlns:dms="http://schemas.microsoft.com/office/2006/documentManagement/types" xmlns:pc="http://schemas.microsoft.com/office/infopath/2007/PartnerControls" targetNamespace="http://schemas.microsoft.com/sharepoint/v3/fields" elementFormDefault="qualified">
-    <xsd:import namespace="http://schemas.microsoft.com/office/2006/documentManagement/types"/>
-    <xsd:import namespace="http://schemas.microsoft.com/office/infopath/2007/PartnerControls"/>
-    <xsd:element name="wic_System_Copyright" ma:index="26" nillable="true" ma:displayName="Copyright" ma:internalName="wic_System_Copyright">
-      <xsd:simpleType>
-        <xsd:restriction base="dms:Text"/>
-      </xsd:simpleType>
-    </xsd:element>
-  </xsd:schema>
-  <xsd:schema xmlns:xsd="http://www.w3.org/2001/XMLSchema" xmlns:xs="http://www.w3.org/2001/XMLSchema" xmlns:dms="http://schemas.microsoft.com/office/2006/documentManagement/types" xmlns:pc="http://schemas.microsoft.com/office/infopath/2007/PartnerControls" targetNamespace="2f90a3b6-08c8-4148-8fff-0427b40d8fc9" elementFormDefault="qualified">
-    <xsd:import namespace="http://schemas.microsoft.com/office/2006/documentManagement/types"/>
-    <xsd:import namespace="http://schemas.microsoft.com/office/infopath/2007/PartnerControls"/>
-    <xsd:element name="AssetURL" ma:index="27" nillable="true" ma:displayName="AssetURL" ma:description="Store Asset URL" ma:hidden="true" ma:internalName="AssetURL" ma:readOnly="false">
-      <xsd:simpleType>
-        <xsd:restriction base="dms:Text"/>
-      </xsd:simpleType>
-    </xsd:element>
-    <xsd:element name="AssetTypeTaxHTField0" ma:index="28" nillable="true" ma:taxonomy="true" ma:internalName="AssetTypeTaxHTField0" ma:taxonomyFieldName="AssetType" ma:displayName="Asset Type" ma:indexed="true" ma:fieldId="{cc4caa33-0d16-43ea-9719-c512681e8e46}" ma:sspId="e5351508-46ca-4454-b07c-bc767568d5f1" ma:termSetId="da266748-b29f-4b00-a502-3959c5f62da1" ma:anchorId="00000000-0000-0000-0000-000000000000" ma:open="false" ma:isKeyword="false">
-      <xsd:complexType>
-        <xsd:sequence>
-          <xsd:element ref="pc:Terms" minOccurs="0" maxOccurs="1"/>
-        </xsd:sequence>
-      </xsd:complexType>
-    </xsd:element>
-    <xsd:element name="TaxCatchAll" ma:index="29" nillable="true" ma:displayName="Taxonomy Catch All Column" ma:hidden="true" ma:list="{689bf07b-aabd-4dc7-ab7d-d7e6a28a452d}" ma:internalName="TaxCatchAll" ma:showField="CatchAllData" ma:web="d144167a-be8c-473d-8a11-ea4625cfcf07">
-      <xsd:complexType>
-        <xsd:complexContent>
-          <xsd:extension base="dms:MultiChoiceLookup">
-            <xsd:sequence>
-              <xsd:element name="Value" type="dms:Lookup" maxOccurs="unbounded" minOccurs="0" nillable="true"/>
-            </xsd:sequence>
-          </xsd:extension>
-        </xsd:complexContent>
-      </xsd:complexType>
-    </xsd:element>
-    <xsd:element name="TaxCatchAllLabel" ma:index="30" nillable="true" ma:displayName="Taxonomy Catch All Column1" ma:hidden="true" ma:list="{689bf07b-aabd-4dc7-ab7d-d7e6a28a452d}" ma:internalName="TaxCatchAllLabel" ma:readOnly="true" ma:showField="CatchAllDataLabel" ma:web="d144167a-be8c-473d-8a11-ea4625cfcf07">
-      <xsd:complexType>
-        <xsd:complexContent>
-          <xsd:extension base="dms:MultiChoiceLookup">
-            <xsd:sequence>
-              <xsd:element name="Value" type="dms:Lookup" maxOccurs="unbounded" minOccurs="0" nillable="true"/>
-            </xsd:sequence>
-          </xsd:extension>
-        </xsd:complexContent>
-      </xsd:complexType>
-    </xsd:element>
-    <xsd:element name="BitDepth" ma:index="32" nillable="true" ma:displayName="Bit Depth" ma:default="" ma:description="A numeric value specified the bit depth of an uploaded image" ma:internalName="BitDepth">
-      <xsd:simpleType>
-        <xsd:restriction base="dms:Number"/>
-      </xsd:simpleType>
-    </xsd:element>
-    <xsd:element name="Caption" ma:index="33" nillable="true" ma:displayName="Caption" ma:description="This 1,024-character field will be used to enter text describing a file. The caption could be used as part of a syndicated feed." ma:internalName="Caption">
-      <xsd:simpleType>
-        <xsd:restriction base="dms:Note"/>
-      </xsd:simpleType>
-    </xsd:element>
-    <xsd:element name="ColorspaceTaxHTField0" ma:index="34" nillable="true" ma:taxonomy="true" ma:internalName="ColorspaceTaxHTField0" ma:taxonomyFieldName="Colorspace" ma:displayName="Colorspace" ma:fieldId="{ed389df4-0962-4599-bd50-ffe70adcdef8}" ma:sspId="e5351508-46ca-4454-b07c-bc767568d5f1" ma:termSetId="aa323b6c-8fe7-4bd5-947e-a986ff14bff6" ma:anchorId="00000000-0000-0000-0000-000000000000" ma:open="false" ma:isKeyword="false">
-      <xsd:complexType>
-        <xsd:sequence>
-          <xsd:element ref="pc:Terms" minOccurs="0" maxOccurs="1"/>
-        </xsd:sequence>
-      </xsd:complexType>
-    </xsd:element>
-    <xsd:element name="ContentPurposeTaxHTField0" ma:index="37" nillable="true" ma:taxonomy="true" ma:internalName="ContentPurposeTaxHTField0" ma:taxonomyFieldName="ContentPurpose" ma:displayName="Content Purpose" ma:fieldId="{9d7db7fe-807d-4f7a-8764-ac9a6915cfad}" ma:sspId="e5351508-46ca-4454-b07c-bc767568d5f1" ma:termSetId="1fcf61db-bf66-4172-b659-aba6f5678e54" ma:anchorId="00000000-0000-0000-0000-000000000000" ma:open="false" ma:isKeyword="false">
-      <xsd:complexType>
-        <xsd:sequence>
-          <xsd:element ref="pc:Terms" minOccurs="0" maxOccurs="1"/>
-        </xsd:sequence>
-      </xsd:complexType>
-    </xsd:element>
-    <xsd:element name="CountryTaxHTField0" ma:index="39" nillable="true" ma:taxonomy="true" ma:internalName="CountryTaxHTField0" ma:taxonomyFieldName="Country" ma:displayName="Country" ma:fieldId="{ccb73359-9cad-4d13-9fd9-2b49403b4704}" ma:taxonomyMulti="true" ma:sspId="e5351508-46ca-4454-b07c-bc767568d5f1" ma:termSetId="ce50c915-1805-4d5d-b9d3-c38aa6796716" ma:anchorId="00000000-0000-0000-0000-000000000000" ma:open="false" ma:isKeyword="false">
-      <xsd:complexType>
-        <xsd:sequence>
-          <xsd:element ref="pc:Terms" minOccurs="0" maxOccurs="1"/>
-        </xsd:sequence>
-      </xsd:complexType>
-    </xsd:element>
-    <xsd:element name="DeletionDate" ma:index="41" nillable="true" ma:displayName="Deletion Date" ma:description="This is the date the item will be automatically deleted from the CMS/DAM. Deletion of the item from the CMS/DAM necessarily removes it from the MMM. By default, no Deletion Date will be specified." ma:internalName="DeletionDate">
-      <xsd:simpleType>
-        <xsd:restriction base="dms:DateTime"/>
-      </xsd:simpleType>
-    </xsd:element>
-    <xsd:element name="USBMODepartmentTaxHTField0" ma:index="42" nillable="true" ma:taxonomy="true" ma:internalName="USBMODepartmentTaxHTField0" ma:taxonomyFieldName="USBMODepartment" ma:displayName="Department" ma:fieldId="{2e0234ea-ada7-4560-be11-2fb541d2b3b2}" ma:sspId="e5351508-46ca-4454-b07c-bc767568d5f1" ma:termSetId="47f28677-a427-4734-b2aa-08e4e7bd2e2f" ma:anchorId="00000000-0000-0000-0000-000000000000" ma:open="false" ma:isKeyword="false">
-      <xsd:complexType>
-        <xsd:sequence>
-          <xsd:element ref="pc:Terms" minOccurs="0" maxOccurs="1"/>
-        </xsd:sequence>
-      </xsd:complexType>
-    </xsd:element>
-    <xsd:element name="USBMODescription" ma:index="44" nillable="true" ma:displayName="Description" ma:description="This 1,024-character field will be used to enter text describing a file. The description could be used as part of a syndicated feed." ma:internalName="USBMODescription">
-      <xsd:simpleType>
-        <xsd:restriction base="dms:Note"/>
-      </xsd:simpleType>
-    </xsd:element>
-    <xsd:element name="DevelopmentLanguageTaxHTField0" ma:index="45" nillable="true" ma:taxonomy="true" ma:internalName="DevelopmentLanguageTaxHTField0" ma:taxonomyFieldName="DevelopmentLanguage" ma:displayName="Development Language" ma:fieldId="{9443e8c1-0167-4e8b-a49d-6f2a3d032c73}" ma:sspId="e5351508-46ca-4454-b07c-bc767568d5f1" ma:termSetId="956f7e1c-acff-487e-bea5-40f2ac018ac6" ma:anchorId="00000000-0000-0000-0000-000000000000" ma:open="false" ma:isKeyword="false">
-      <xsd:complexType>
-        <xsd:sequence>
-          <xsd:element ref="pc:Terms" minOccurs="0" maxOccurs="1"/>
-        </xsd:sequence>
-      </xsd:complexType>
-    </xsd:element>
-    <xsd:element name="Dimensions" ma:index="47" nillable="true" ma:displayName="Dimensions (pixels)" ma:description="An 'a' x 'b' description, in pixels, of the size of a digital asset. The 'a' will correspond with the x dimension on embedding, the 'b' will correspond with the y dimension on embedding." ma:internalName="Dimensions">
-      <xsd:simpleType>
-        <xsd:restriction base="dms:Text"/>
-      </xsd:simpleType>
-    </xsd:element>
-    <xsd:element name="DistributionChannelTaxHTField0" ma:index="48" nillable="true" ma:taxonomy="true" ma:internalName="DistributionChannelTaxHTField0" ma:taxonomyFieldName="DistributionChannel" ma:displayName="Distribution Channel" ma:fieldId="{983f1b6f-2353-4251-aedb-c8cecc391819}" ma:sspId="e5351508-46ca-4454-b07c-bc767568d5f1" ma:termSetId="a57e7f03-b41b-4c46-9bb1-6e81edfcadfb" ma:anchorId="00000000-0000-0000-0000-000000000000" ma:open="false" ma:isKeyword="false">
-      <xsd:complexType>
-        <xsd:sequence>
-          <xsd:element ref="pc:Terms" minOccurs="0" maxOccurs="1"/>
-        </xsd:sequence>
-      </xsd:complexType>
-    </xsd:element>
-    <xsd:element name="ElementTypeTaxHTField0" ma:index="50" nillable="true" ma:taxonomy="true" ma:internalName="ElementTypeTaxHTField0" ma:taxonomyFieldName="ElementType" ma:displayName="Element Type" ma:fieldId="{bbf38831-a53c-4227-b8de-8d46d25befdb}" ma:sspId="e5351508-46ca-4454-b07c-bc767568d5f1" ma:termSetId="c51e8246-3191-4210-8b39-719aa1ab2f1f" ma:anchorId="00000000-0000-0000-0000-000000000000" ma:open="false" ma:isKeyword="false">
-      <xsd:complexType>
-        <xsd:sequence>
-          <xsd:element ref="pc:Terms" minOccurs="0" maxOccurs="1"/>
-        </xsd:sequence>
-      </xsd:complexType>
-    </xsd:element>
-    <xsd:element name="EnclosureTypeTaxHTField0" ma:index="52" nillable="true" ma:taxonomy="true" ma:internalName="EnclosureTypeTaxHTField0" ma:taxonomyFieldName="EnclosureType" ma:displayName="Enclosure Type" ma:fieldId="{5bbf5d0b-78cf-4f2f-9437-1d5f23b17704}" ma:sspId="e5351508-46ca-4454-b07c-bc767568d5f1" ma:termSetId="f014b166-7374-4898-a6c1-9ab5ee9ec5a6" ma:anchorId="00000000-0000-0000-0000-000000000000" ma:open="false" ma:isKeyword="false">
-      <xsd:complexType>
-        <xsd:sequence>
-          <xsd:element ref="pc:Terms" minOccurs="0" maxOccurs="1"/>
-        </xsd:sequence>
-      </xsd:complexType>
-    </xsd:element>
-    <xsd:element name="ExifApertureValue" ma:index="54" nillable="true" ma:displayName="Exif Aperture Value" ma:internalName="ExifApertureValue">
-      <xsd:simpleType>
-        <xsd:restriction base="dms:Text"/>
-      </xsd:simpleType>
-    </xsd:element>
-    <xsd:element name="ExifArtist" ma:index="55" nillable="true" ma:displayName="Exif Artist" ma:internalName="ExifArtist">
-      <xsd:simpleType>
-        <xsd:restriction base="dms:Text"/>
-      </xsd:simpleType>
-    </xsd:element>
-    <xsd:element name="ExifCopyright" ma:index="56" nillable="true" ma:displayName="Exif Copyright" ma:internalName="ExifCopyright">
-      <xsd:simpleType>
-        <xsd:restriction base="dms:Note"/>
-      </xsd:simpleType>
-    </xsd:element>
-    <xsd:element name="ExifDateTime" ma:index="57" nillable="true" ma:displayName="Exif Date/Time" ma:internalName="ExifDateTime">
-      <xsd:simpleType>
-        <xsd:restriction base="dms:DateTime"/>
-      </xsd:simpleType>
-    </xsd:element>
-    <xsd:element name="ExifExposureBias" ma:index="58" nillable="true" ma:displayName="Exif Exposure Bias" ma:internalName="ExifExposureBias">
-      <xsd:simpleType>
-        <xsd:restriction base="dms:Text"/>
-      </xsd:simpleType>
-    </xsd:element>
-    <xsd:element name="ExifExposureProgramTaxHTField0" ma:index="59" nillable="true" ma:taxonomy="true" ma:internalName="ExifExposureProgramTaxHTField0" ma:taxonomyFieldName="ExifExposureProgram" ma:displayName="Exif Exposure Program" ma:fieldId="{ddde25e8-649e-42bb-aad2-9aa42631c8e3}" ma:sspId="e5351508-46ca-4454-b07c-bc767568d5f1" ma:termSetId="3d299a8e-f306-47c7-9a3b-f4b99152d7f0" ma:anchorId="00000000-0000-0000-0000-000000000000" ma:open="false" ma:isKeyword="false">
-      <xsd:complexType>
-        <xsd:sequence>
-          <xsd:element ref="pc:Terms" minOccurs="0" maxOccurs="1"/>
-        </xsd:sequence>
-      </xsd:complexType>
-    </xsd:element>
-    <xsd:element name="ExifExposureTime" ma:index="61" nillable="true" ma:displayName="Exif Exposure Time (secs)" ma:internalName="ExifExposureTime">
-      <xsd:simpleType>
-        <xsd:restriction base="dms:Text"/>
-      </xsd:simpleType>
-    </xsd:element>
-    <xsd:element name="ExifFNumber" ma:index="62" nillable="true" ma:displayName="Exif F Number" ma:internalName="ExifFNumber">
-      <xsd:simpleType>
-        <xsd:restriction base="dms:Text"/>
-      </xsd:simpleType>
-    </xsd:element>
-    <xsd:element name="ExifFlashFiredStatusTaxHTField0" ma:index="63" nillable="true" ma:taxonomy="true" ma:internalName="ExifFlashFiredStatusTaxHTField0" ma:taxonomyFieldName="ExifFlashFiredStatus" ma:displayName="Exif Flash Fired Status" ma:fieldId="{7eaf37a7-3a9a-4741-bcec-5a33b4a85126}" ma:sspId="e5351508-46ca-4454-b07c-bc767568d5f1" ma:termSetId="9701e068-a386-4d19-a1cc-8591fef293bb" ma:anchorId="00000000-0000-0000-0000-000000000000" ma:open="false" ma:isKeyword="false">
-      <xsd:complexType>
-        <xsd:sequence>
-          <xsd:element ref="pc:Terms" minOccurs="0" maxOccurs="1"/>
-        </xsd:sequence>
-      </xsd:complexType>
-    </xsd:element>
-    <xsd:element name="ExifFlashFunctionTaxHTField0" ma:index="65" nillable="true" ma:taxonomy="true" ma:internalName="ExifFlashFunctionTaxHTField0" ma:taxonomyFieldName="ExifFlashFunction" ma:displayName="Exif Flash Function" ma:fieldId="{b6e1d613-fcef-473c-a776-1ee808475336}" ma:sspId="e5351508-46ca-4454-b07c-bc767568d5f1" ma:termSetId="9c882a45-9e47-4ef9-b176-a8272b58cd29" ma:anchorId="00000000-0000-0000-0000-000000000000" ma:open="false" ma:isKeyword="false">
-      <xsd:complexType>
-        <xsd:sequence>
-          <xsd:element ref="pc:Terms" minOccurs="0" maxOccurs="1"/>
-        </xsd:sequence>
-      </xsd:complexType>
-    </xsd:element>
-    <xsd:element name="ExifFlashModeTaxHTField0" ma:index="67" nillable="true" ma:taxonomy="true" ma:internalName="ExifFlashModeTaxHTField0" ma:taxonomyFieldName="ExifFlashMode" ma:displayName="Exif Flash Mode" ma:fieldId="{52446ffe-0476-4e62-beee-fb994ee4f093}" ma:sspId="e5351508-46ca-4454-b07c-bc767568d5f1" ma:termSetId="690d464e-c60a-426f-9b92-f6d438817c9a" ma:anchorId="00000000-0000-0000-0000-000000000000" ma:open="false" ma:isKeyword="false">
-      <xsd:complexType>
-        <xsd:sequence>
-          <xsd:element ref="pc:Terms" minOccurs="0" maxOccurs="1"/>
-        </xsd:sequence>
-      </xsd:complexType>
-    </xsd:element>
-    <xsd:element name="ExifFlashRedEyeModeTaxHTField0" ma:index="69" nillable="true" ma:taxonomy="true" ma:internalName="ExifFlashRedEyeModeTaxHTField0" ma:taxonomyFieldName="ExifFlashRedEyeMode" ma:displayName="Exif Flash Red-Eye Mode" ma:fieldId="{848556d8-84bc-42c3-bba0-fef5e280ab48}" ma:sspId="e5351508-46ca-4454-b07c-bc767568d5f1" ma:termSetId="89fedbe0-2474-4701-822b-6e4eab73c2c9" ma:anchorId="00000000-0000-0000-0000-000000000000" ma:open="false" ma:isKeyword="false">
-      <xsd:complexType>
-        <xsd:sequence>
-          <xsd:element ref="pc:Terms" minOccurs="0" maxOccurs="1"/>
-        </xsd:sequence>
-      </xsd:complexType>
-    </xsd:element>
-    <xsd:element name="ExifFlashReturnStatusTaxHTField0" ma:index="71" nillable="true" ma:taxonomy="true" ma:internalName="ExifFlashReturnStatusTaxHTField0" ma:taxonomyFieldName="ExifFlashReturnStatus" ma:displayName="Exif Flash Return Status" ma:fieldId="{ae43ecd6-cd57-4252-86b8-92826402a11e}" ma:sspId="e5351508-46ca-4454-b07c-bc767568d5f1" ma:termSetId="d1ffa490-fffa-4a81-a60b-402f2e904cf7" ma:anchorId="00000000-0000-0000-0000-000000000000" ma:open="false" ma:isKeyword="false">
-      <xsd:complexType>
-        <xsd:sequence>
-          <xsd:element ref="pc:Terms" minOccurs="0" maxOccurs="1"/>
-        </xsd:sequence>
-      </xsd:complexType>
-    </xsd:element>
-    <xsd:element name="ExifFocalLength" ma:index="73" nillable="true" ma:displayName="Exif Focal Length (mm)" ma:internalName="ExifFocalLength">
-      <xsd:simpleType>
-        <xsd:restriction base="dms:Text"/>
-      </xsd:simpleType>
-    </xsd:element>
-    <xsd:element name="ExifImageDescription" ma:index="74" nillable="true" ma:displayName="Exif Image Description" ma:internalName="ExifImageDescription">
-      <xsd:simpleType>
-        <xsd:restriction base="dms:Note"/>
-      </xsd:simpleType>
-    </xsd:element>
-    <xsd:element name="ExifISOSpeedRatings" ma:index="75" nillable="true" ma:displayName="Exif ISO Speed Ratings" ma:internalName="ExifISOSpeedRatings">
-      <xsd:simpleType>
-        <xsd:restriction base="dms:Text"/>
-      </xsd:simpleType>
-    </xsd:element>
-    <xsd:element name="ExifLightSourceTaxHTField0" ma:index="76" nillable="true" ma:taxonomy="true" ma:internalName="ExifLightSourceTaxHTField0" ma:taxonomyFieldName="ExifLightSource" ma:displayName="Exif Light Source" ma:fieldId="{6b0d85e4-9b4f-4d5c-b8de-1aaecd3b6469}" ma:sspId="e5351508-46ca-4454-b07c-bc767568d5f1" ma:termSetId="f93d0ed6-abd5-42b1-abb2-11944d251bad" ma:anchorId="00000000-0000-0000-0000-000000000000" ma:open="false" ma:isKeyword="false">
-      <xsd:complexType>
-        <xsd:sequence>
-          <xsd:element ref="pc:Terms" minOccurs="0" maxOccurs="1"/>
-        </xsd:sequence>
-      </xsd:complexType>
-    </xsd:element>
-    <xsd:element name="ExifMake" ma:index="78" nillable="true" ma:displayName="Exif Make" ma:internalName="ExifMake">
-      <xsd:simpleType>
-        <xsd:restriction base="dms:Text"/>
-      </xsd:simpleType>
-    </xsd:element>
-    <xsd:element name="ExifMaxApertureValue" ma:index="79" nillable="true" ma:displayName="Exif Max Aperture Value" ma:internalName="ExifMaxApertureValue">
-      <xsd:simpleType>
-        <xsd:restriction base="dms:Text"/>
-      </xsd:simpleType>
-    </xsd:element>
-    <xsd:element name="ExifMeteringModeTaxHTField0" ma:index="80" nillable="true" ma:taxonomy="true" ma:internalName="ExifMeteringModeTaxHTField0" ma:taxonomyFieldName="ExifMeteringMode" ma:displayName="Exif Metering Mode" ma:fieldId="{cea024d1-1c48-469f-ad4e-8ba4f6444450}" ma:sspId="e5351508-46ca-4454-b07c-bc767568d5f1" ma:termSetId="e16b75cc-aa40-46b2-ae09-2779d7cc5afd" ma:anchorId="00000000-0000-0000-0000-000000000000" ma:open="false" ma:isKeyword="false">
-      <xsd:complexType>
-        <xsd:sequence>
-          <xsd:element ref="pc:Terms" minOccurs="0" maxOccurs="1"/>
-        </xsd:sequence>
-      </xsd:complexType>
-    </xsd:element>
-    <xsd:element name="ExifModel" ma:index="82" nillable="true" ma:displayName="Exif Model" ma:internalName="ExifModel">
-      <xsd:simpleType>
-        <xsd:restriction base="dms:Text"/>
-      </xsd:simpleType>
-    </xsd:element>
-    <xsd:element name="ExifSensingMethodTaxHTField0" ma:index="83" nillable="true" ma:taxonomy="true" ma:internalName="ExifSensingMethodTaxHTField0" ma:taxonomyFieldName="ExifSensingMethod" ma:displayName="Exif Sensing Method" ma:fieldId="{d7a930e9-a959-4bcd-978c-c548191e3a13}" ma:sspId="e5351508-46ca-4454-b07c-bc767568d5f1" ma:termSetId="d9ddfd10-0637-40ad-9805-ee7c3df64fd9" ma:anchorId="00000000-0000-0000-0000-000000000000" ma:open="false" ma:isKeyword="false">
-      <xsd:complexType>
-        <xsd:sequence>
-          <xsd:element ref="pc:Terms" minOccurs="0" maxOccurs="1"/>
-        </xsd:sequence>
-      </xsd:complexType>
-    </xsd:element>
-    <xsd:element name="ExifShutterSpeed" ma:index="85" nillable="true" ma:displayName="Exif Shutter Speed" ma:internalName="ExifShutterSpeed">
-      <xsd:simpleType>
-        <xsd:restriction base="dms:Text"/>
-      </xsd:simpleType>
-    </xsd:element>
-    <xsd:element name="ExifSoftware" ma:index="86" nillable="true" ma:displayName="Exif Software" ma:internalName="ExifSoftware">
-      <xsd:simpleType>
-        <xsd:restriction base="dms:Text"/>
-      </xsd:simpleType>
-    </xsd:element>
-    <xsd:element name="ExifSubjectDistance" ma:index="87" nillable="true" ma:displayName="Exif Subject Distance (m)" ma:internalName="ExifSubjectDistance">
-      <xsd:simpleType>
-        <xsd:restriction base="dms:Text"/>
-      </xsd:simpleType>
-    </xsd:element>
-    <xsd:element name="FlashFrameCount" ma:index="88" nillable="true" ma:displayName="Flash Frame Count" ma:internalName="FlashFrameCount">
-      <xsd:simpleType>
-        <xsd:restriction base="dms:Text"/>
-      </xsd:simpleType>
-    </xsd:element>
-    <xsd:element name="FlashFrameRate" ma:index="89" nillable="true" ma:displayName="Flash Frame Rate" ma:internalName="FlashFrameRate">
-      <xsd:simpleType>
-        <xsd:restriction base="dms:Text"/>
-      </xsd:simpleType>
-    </xsd:element>
-    <xsd:element name="GeographyTaxHTField0" ma:index="90" nillable="true" ma:taxonomy="true" ma:internalName="GeographyTaxHTField0" ma:taxonomyFieldName="Geography" ma:displayName="Geography" ma:fieldId="{24303334-cab5-4bd3-b623-47749fc5e9eb}" ma:sspId="e5351508-46ca-4454-b07c-bc767568d5f1" ma:termSetId="7c2605be-78b7-4ca2-8f6f-ab279c096aae" ma:anchorId="00000000-0000-0000-0000-000000000000" ma:open="false" ma:isKeyword="false">
-      <xsd:complexType>
-        <xsd:sequence>
-          <xsd:element ref="pc:Terms" minOccurs="0" maxOccurs="1"/>
-        </xsd:sequence>
-      </xsd:complexType>
-    </xsd:element>
-    <xsd:element name="HorizontalBusinessSolutionsTaxHTField0" ma:index="92" nillable="true" ma:taxonomy="true" ma:internalName="HorizontalBusinessSolutionsTaxHTField0" ma:taxonomyFieldName="HorizontalBusinessSolutions" ma:displayName="Horizontal Business Solutions" ma:fieldId="{1f6fc77f-0a05-444f-b580-5273ce073f35}" ma:sspId="e5351508-46ca-4454-b07c-bc767568d5f1" ma:termSetId="32a6d413-5b83-45ba-9a5a-a9dc090eb5f3" ma:anchorId="00000000-0000-0000-0000-000000000000" ma:open="false" ma:isKeyword="false">
-      <xsd:complexType>
-        <xsd:sequence>
-          <xsd:element ref="pc:Terms" minOccurs="0" maxOccurs="1"/>
-        </xsd:sequence>
-      </xsd:complexType>
-    </xsd:element>
-    <xsd:element name="ImageColorScheme" ma:index="94" nillable="true" ma:displayName="Image Color Scheme" ma:internalName="ImageColorScheme">
-      <xsd:simpleType>
-        <xsd:restriction base="dms:Text"/>
-      </xsd:simpleType>
-    </xsd:element>
-    <xsd:element name="IndividualCustomerSegmentTaxHTField0" ma:index="95" nillable="true" ma:taxonomy="true" ma:internalName="IndividualCustomerSegmentTaxHTField0" ma:taxonomyFieldName="IndividualCustomerSegment" ma:displayName="Individual Customer Segment" ma:fieldId="{fa9edc89-ce41-4c39-b86d-f74418462223}" ma:taxonomyMulti="true" ma:sspId="e5351508-46ca-4454-b07c-bc767568d5f1" ma:termSetId="f0f0c54d-2fd3-4e10-9b8d-0e0ce4e7c7b5" ma:anchorId="00000000-0000-0000-0000-000000000000" ma:open="false" ma:isKeyword="false">
-      <xsd:complexType>
-        <xsd:sequence>
-          <xsd:element ref="pc:Terms" minOccurs="0" maxOccurs="1"/>
-        </xsd:sequence>
-      </xsd:complexType>
-    </xsd:element>
-    <xsd:element name="JobRoleTaxHTField0" ma:index="97" nillable="true" ma:taxonomy="true" ma:internalName="JobRoleTaxHTField0" ma:taxonomyFieldName="JobRole" ma:displayName="Job Role" ma:fieldId="{b4b50c45-89f6-4522-bed7-6409ceff1821}" ma:sspId="e5351508-46ca-4454-b07c-bc767568d5f1" ma:termSetId="4c56d73e-b2de-49cb-b3d6-df32a18b8190" ma:anchorId="00000000-0000-0000-0000-000000000000" ma:open="false" ma:isKeyword="false">
-      <xsd:complexType>
-        <xsd:sequence>
-          <xsd:element ref="pc:Terms" minOccurs="0" maxOccurs="1"/>
-        </xsd:sequence>
-      </xsd:complexType>
-    </xsd:element>
-    <xsd:element name="USBMOLanguageTaxHTField0" ma:index="99" nillable="true" ma:taxonomy="true" ma:internalName="USBMOLanguageTaxHTField0" ma:taxonomyFieldName="USBMOLanguage" ma:displayName="Language" ma:default="159;#English|a5ff94d2-1ec6-4a3d-91b6-499704bb2bfb" ma:fieldId="{3001d2cb-27cc-488b-a6e3-9409191fe5d7}" ma:taxonomyMulti="true" ma:sspId="e5351508-46ca-4454-b07c-bc767568d5f1" ma:termSetId="caf07f1e-e70a-418c-a826-56f67c3ab232" ma:anchorId="00000000-0000-0000-0000-000000000000" ma:open="false" ma:isKeyword="false">
-      <xsd:complexType>
-        <xsd:sequence>
-          <xsd:element ref="pc:Terms" minOccurs="0" maxOccurs="1"/>
-        </xsd:sequence>
-      </xsd:complexType>
-    </xsd:element>
-    <xsd:element name="LocaleTaxHTField0" ma:index="101" nillable="true" ma:taxonomy="true" ma:internalName="LocaleTaxHTField0" ma:taxonomyFieldName="Locale" ma:displayName="Locale" ma:default="160;#en-us|d9a69bff-8288-4080-b994-75d8eae21b51" ma:fieldId="{102aee01-d407-45ff-964e-888f51184492}" ma:taxonomyMulti="true" ma:sspId="e5351508-46ca-4454-b07c-bc767568d5f1" ma:termSetId="c75b77a0-de14-4dfe-b43c-1de41e586b08" ma:anchorId="00000000-0000-0000-0000-000000000000" ma:open="false" ma:isKeyword="false">
-      <xsd:complexType>
-        <xsd:sequence>
-          <xsd:element ref="pc:Terms" minOccurs="0" maxOccurs="1"/>
-        </xsd:sequence>
-      </xsd:complexType>
-    </xsd:element>
-    <xsd:element name="LCID" ma:index="103" nillable="true" ma:displayName="LCID" ma:internalName="LCID">
-      <xsd:simpleType>
-        <xsd:restriction base="dms:Text"/>
-      </xsd:simpleType>
-    </xsd:element>
-    <xsd:element name="LegacyID" ma:index="104" nillable="true" ma:displayName="Legacy ID" ma:hidden="true" ma:internalName="LegacyID" ma:readOnly="false">
-      <xsd:simpleType>
-        <xsd:restriction base="dms:Text"/>
-      </xsd:simpleType>
-    </xsd:element>
-    <xsd:element name="MediaPlayLength" ma:index="105" nillable="true" ma:displayName="Media Play Length (hour:minute:seconds)" ma:internalName="MediaPlayLength">
-      <xsd:simpleType>
-        <xsd:restriction base="dms:Text"/>
-      </xsd:simpleType>
-    </xsd:element>
-    <xsd:element name="Syndicatable" ma:index="106" nillable="true" ma:displayName="OK to Syndicate" ma:default="0" ma:description="An indication of whether the asset should be released to the Metadata Management module when it is published and approved by the content management environment. By default, this item should NOT be checked." ma:internalName="Syndicatable">
-      <xsd:simpleType>
-        <xsd:restriction base="dms:Boolean"/>
-      </xsd:simpleType>
-    </xsd:element>
-    <xsd:element name="OrganizationalCustomerSegmentTaxHTField0" ma:index="107" nillable="true" ma:taxonomy="true" ma:internalName="OrganizationalCustomerSegmentTaxHTField0" ma:taxonomyFieldName="OrganizationalCustomerSegment" ma:displayName="Organizational Customer Segment" ma:fieldId="{51a040c1-67fd-4b51-be2d-039858b15bc0}" ma:taxonomyMulti="true" ma:sspId="e5351508-46ca-4454-b07c-bc767568d5f1" ma:termSetId="f0f8d20e-9d97-438e-9ed3-4fbd54a90c1d" ma:anchorId="00000000-0000-0000-0000-000000000000" ma:open="false" ma:isKeyword="false">
-      <xsd:complexType>
-        <xsd:sequence>
-          <xsd:element ref="pc:Terms" minOccurs="0" maxOccurs="1"/>
-        </xsd:sequence>
-      </xsd:complexType>
-    </xsd:element>
-    <xsd:element name="OriginalCreator" ma:index="109" nillable="true" ma:displayName="Original Creator" ma:description="This field will be used to indicate the source for the item. It is not necessarily the same as the Responsible Group." ma:internalName="OriginalCreator">
-      <xsd:simpleType>
-        <xsd:restriction base="dms:Text"/>
-      </xsd:simpleType>
-    </xsd:element>
-    <xsd:element name="PageCount" ma:index="110" nillable="true" ma:displayName="Page Count" ma:internalName="PageCount">
-      <xsd:simpleType>
-        <xsd:restriction base="dms:Text"/>
-      </xsd:simpleType>
-    </xsd:element>
-    <xsd:element name="PartNo" ma:index="111" nillable="true" ma:displayName="Part No" ma:internalName="PartNo">
-      <xsd:simpleType>
-        <xsd:restriction base="dms:Text"/>
-      </xsd:simpleType>
-    </xsd:element>
-    <xsd:element name="PhotoshopCaption" ma:index="112" nillable="true" ma:displayName="Photoshop Caption" ma:internalName="PhotoshopCaption">
-      <xsd:simpleType>
-        <xsd:restriction base="dms:Note"/>
-      </xsd:simpleType>
-    </xsd:element>
-    <xsd:element name="PhotoshopCopyrightNotice" ma:index="113" nillable="true" ma:displayName="Photoshop Copyright Notice" ma:internalName="PhotoshopCopyrightNotice">
-      <xsd:simpleType>
-        <xsd:restriction base="dms:Note"/>
-      </xsd:simpleType>
-    </xsd:element>
-    <xsd:element name="PhotoshopCopyrightStatusTaxHTField0" ma:index="114" nillable="true" ma:taxonomy="true" ma:internalName="PhotoshopCopyrightStatusTaxHTField0" ma:taxonomyFieldName="PhotoshopCopyrightStatus" ma:displayName="Photoshop Copyright Status" ma:fieldId="{2335001f-708b-4788-9517-b420d42537e4}" ma:sspId="e5351508-46ca-4454-b07c-bc767568d5f1" ma:termSetId="00f52058-0726-4f92-9b3a-b7b625f0836d" ma:anchorId="00000000-0000-0000-0000-000000000000" ma:open="false" ma:isKeyword="false">
-      <xsd:complexType>
-        <xsd:sequence>
-          <xsd:element ref="pc:Terms" minOccurs="0" maxOccurs="1"/>
-        </xsd:sequence>
-      </xsd:complexType>
-    </xsd:element>
-    <xsd:element name="PhotoshopDateCreated" ma:index="116" nillable="true" ma:displayName="Photoshop Date Created" ma:internalName="PhotoshopDateCreated">
-      <xsd:simpleType>
-        <xsd:restriction base="dms:Text"/>
-      </xsd:simpleType>
-    </xsd:element>
-    <xsd:element name="ProductsTaxHTField0" ma:index="117" nillable="true" ma:taxonomy="true" ma:internalName="ProductsTaxHTField0" ma:taxonomyFieldName="Products" ma:displayName="Products" ma:fieldId="{2508cca7-303f-4eb3-beb8-f072fc69cba1}" ma:taxonomyMulti="true" ma:sspId="e5351508-46ca-4454-b07c-bc767568d5f1" ma:termSetId="f25997de-c637-4768-9183-fcd82082cd39" ma:anchorId="00000000-0000-0000-0000-000000000000" ma:open="false" ma:isKeyword="false">
-      <xsd:complexType>
-        <xsd:sequence>
-          <xsd:element ref="pc:Terms" minOccurs="0" maxOccurs="1"/>
-        </xsd:sequence>
-      </xsd:complexType>
-    </xsd:element>
-    <xsd:element name="ProductAreaTaxHTField0" ma:index="119" nillable="true" ma:taxonomy="true" ma:internalName="ProductAreaTaxHTField0" ma:taxonomyFieldName="ProductArea" ma:displayName="Product Area" ma:fieldId="{745efb83-9c2f-4366-afe0-1ade51570421}" ma:taxonomyMulti="true" ma:sspId="e5351508-46ca-4454-b07c-bc767568d5f1" ma:termSetId="f25997de-c637-4768-9183-fcd82082cd39" ma:anchorId="00000000-0000-0000-0000-000000000000" ma:open="false" ma:isKeyword="false">
-      <xsd:complexType>
-        <xsd:sequence>
-          <xsd:element ref="pc:Terms" minOccurs="0" maxOccurs="1"/>
-        </xsd:sequence>
-      </xsd:complexType>
-    </xsd:element>
-    <xsd:element name="ProfileColorSpace" ma:index="121" nillable="true" ma:displayName="Profile Color Space" ma:internalName="ProfileColorSpace">
-      <xsd:simpleType>
-        <xsd:restriction base="dms:Text"/>
-      </xsd:simpleType>
-    </xsd:element>
-    <xsd:element name="ProfileDescription" ma:index="122" nillable="true" ma:displayName="Profile Description" ma:internalName="ProfileDescription">
-      <xsd:simpleType>
-        <xsd:restriction base="dms:Text"/>
-      </xsd:simpleType>
-    </xsd:element>
-    <xsd:element name="PublicationDate" ma:index="123" nillable="true" ma:displayName="Publication Date" ma:internalName="PublicationDate">
-      <xsd:simpleType>
-        <xsd:restriction base="dms:DateTime"/>
-      </xsd:simpleType>
-    </xsd:element>
-    <xsd:element name="Resolution" ma:index="124" nillable="true" ma:displayName="Resolution (ppi)" ma:internalName="Resolution">
-      <xsd:simpleType>
-        <xsd:restriction base="dms:Text"/>
-      </xsd:simpleType>
-    </xsd:element>
-    <xsd:element name="ResponsibleGroup" ma:index="125" nillable="true" ma:displayName="Responsible Group" ma:internalName="ResponsibleGroup">
-      <xsd:simpleType>
-        <xsd:restriction base="dms:Text"/>
-      </xsd:simpleType>
-    </xsd:element>
-    <xsd:element name="SEOMetaDescription" ma:index="126" nillable="true" ma:displayName="SEO Meta Description" ma:internalName="SEOMetaDescription">
-      <xsd:simpleType>
-        <xsd:restriction base="dms:Text"/>
-      </xsd:simpleType>
-    </xsd:element>
-    <xsd:element name="SEOMetaKeywords" ma:index="127" nillable="true" ma:displayName="SEO Meta Keywords" ma:internalName="SEOMetaKeywords">
-      <xsd:simpleType>
-        <xsd:restriction base="dms:Text"/>
-      </xsd:simpleType>
-    </xsd:element>
-    <xsd:element name="SEOMetaTitle" ma:index="128" nillable="true" ma:displayName="SEO Meta Title" ma:internalName="SEOMetaTitle">
-      <xsd:simpleType>
-        <xsd:restriction base="dms:Text"/>
-      </xsd:simpleType>
-    </xsd:element>
-    <xsd:element name="SEOPrettyURL" ma:index="129" nillable="true" ma:displayName="SEO Pretty URL" ma:internalName="SEOPrettyURL">
-      <xsd:simpleType>
-        <xsd:restriction base="dms:Text"/>
-      </xsd:simpleType>
-    </xsd:element>
-    <xsd:element name="SolutionTaxHTField0" ma:index="130" nillable="true" ma:taxonomy="true" ma:internalName="SolutionTaxHTField0" ma:taxonomyFieldName="Solution" ma:displayName="Solutions" ma:default="" ma:fieldId="{ee98faac-7351-4283-815d-8f0ce67cad01}" ma:taxonomyMulti="true" ma:sspId="e5351508-46ca-4454-b07c-bc767568d5f1" ma:termSetId="b6610717-588c-474d-93c2-a3d36086895a" ma:anchorId="00000000-0000-0000-0000-000000000000" ma:open="false" ma:isKeyword="false">
-      <xsd:complexType>
-        <xsd:sequence>
-          <xsd:element ref="pc:Terms" minOccurs="0" maxOccurs="1"/>
-        </xsd:sequence>
-      </xsd:complexType>
-    </xsd:element>
-    <xsd:element name="SyndicationEndDate" ma:index="132" nillable="true" ma:displayName="Syndication End Date" ma:description="This field will be used to indicate the date on which syndicated content from this field will no longer be delivered to the site producer." ma:internalName="SyndicationEndDate">
-      <xsd:simpleType>
-        <xsd:restriction base="dms:DateTime"/>
-      </xsd:simpleType>
-    </xsd:element>
-    <xsd:element name="SyndicationStartDate" ma:index="133" nillable="true" ma:displayName="Syndication Start Date" ma:description="This field will be used to indicate the date on which syndicated content from this feed will be delivered to the site producer. By default the date the feed was created will be entered into this field." ma:internalName="SyndicationStartDate">
-      <xsd:simpleType>
-        <xsd:restriction base="dms:DateTime"/>
-      </xsd:simpleType>
-    </xsd:element>
-    <xsd:element name="SyndicationURL" ma:index="134" nillable="true" ma:displayName="Syndication URL" ma:description="This field will be used to store HTML code that can be used by content syndicators who would like to embed an URL to the item in their content. As further described in the rights/delivery management section of this document, the embed URL may include a built-in Silverlight-based player. The player user experience will be specified via the Enclosure Type field. When implemented, this field would also be used to specify the location on a content distribution network where the asset is to be streamed. Note that this is the URL MASS displays to properly move the user through the reporting redirection module." ma:indexed="true" ma:internalName="SyndicationURL">
-      <xsd:simpleType>
-        <xsd:restriction base="dms:Text">
-          <xsd:maxLength value="255"/>
-        </xsd:restriction>
-      </xsd:simpleType>
-    </xsd:element>
-    <xsd:element name="UTCOffset" ma:index="135" nillable="true" ma:displayName="UTC Offset" ma:default="" ma:description="Time zone offset from UTC." ma:internalName="UTCOffset">
-      <xsd:simpleType>
-        <xsd:restriction base="dms:Text"/>
-      </xsd:simpleType>
-    </xsd:element>
-    <xsd:element name="VerticalIndustryTaxHTField0" ma:index="136" nillable="true" ma:taxonomy="true" ma:internalName="VerticalIndustryTaxHTField0" ma:taxonomyFieldName="VerticalIndustry" ma:displayName="Vertical Industry" ma:fieldId="{72ac98a0-0cec-4143-b06f-8df46676315d}" ma:taxonomyMulti="true" ma:sspId="e5351508-46ca-4454-b07c-bc767568d5f1" ma:termSetId="c96753b9-a215-4eae-b7d3-a5549f1e2331" ma:anchorId="00000000-0000-0000-0000-000000000000" ma:open="false" ma:isKeyword="false">
-      <xsd:complexType>
-        <xsd:sequence>
-          <xsd:element ref="pc:Terms" minOccurs="0" maxOccurs="1"/>
-        </xsd:sequence>
-      </xsd:complexType>
-    </xsd:element>
-    <xsd:element name="VideoBitRate" ma:index="138" nillable="true" ma:displayName="Video Bit Rate" ma:internalName="VideoBitRate">
-      <xsd:simpleType>
-        <xsd:restriction base="dms:Text"/>
-      </xsd:simpleType>
-    </xsd:element>
-    <xsd:element name="VideoCodec" ma:index="139" nillable="true" ma:displayName="Video Codec" ma:internalName="VideoCodec">
-      <xsd:simpleType>
-        <xsd:restriction base="dms:Text"/>
-      </xsd:simpleType>
-    </xsd:element>
-    <xsd:element name="VideoFrameRate" ma:index="140" nillable="true" ma:displayName="Video Frame Rate" ma:internalName="VideoFrameRate">
-      <xsd:simpleType>
-        <xsd:restriction base="dms:Text"/>
-      </xsd:simpleType>
-    </xsd:element>
-    <xsd:element name="VideoFrames" ma:index="141" nillable="true" ma:displayName="Video Frames" ma:internalName="VideoFrames">
-      <xsd:simpleType>
-        <xsd:restriction base="dms:Text"/>
-      </xsd:simpleType>
-    </xsd:element>
-    <xsd:element name="VideoPreviewSize" ma:index="142" nillable="true" ma:displayName="Video Preview Size" ma:internalName="VideoPreviewSize">
-      <xsd:simpleType>
-        <xsd:restriction base="dms:Text"/>
-      </xsd:simpleType>
-    </xsd:element>
-  </xsd:schema>
-  <xsd:schema xmlns="http://schemas.openxmlformats.org/package/2006/metadata/core-properties" xmlns:xsd="http://www.w3.org/2001/XMLSchema" xmlns:xsi="http://www.w3.org/2001/XMLSchema-instance" xmlns:dc="http://purl.org/dc/elements/1.1/" xmlns:dcterms="http://purl.org/dc/terms/" xmlns:odoc="http://schemas.microsoft.com/internal/obd" targetNamespace="http://schemas.openxmlformats.org/package/2006/metadata/core-properties" elementFormDefault="qualified" attributeFormDefault="unqualified" blockDefault="#all">
-    <xsd:import namespace="http://purl.org/dc/elements/1.1/" schemaLocation="http://dublincore.org/schemas/xmls/qdc/2003/04/02/dc.xsd"/>
-    <xsd:import namespace="http://purl.org/dc/terms/" schemaLocation="http://dublincore.org/schemas/xmls/qdc/2003/04/02/dcterms.xsd"/>
-    <xsd:element name="coreProperties" type="CT_coreProperties"/>
-    <xsd:complexType name="CT_coreProperties">
-      <xsd:all>
-        <xsd:element ref="dc:creator" minOccurs="0" maxOccurs="1" ma:index="24" ma:displayName="Author"/>
-        <xsd:element ref="dcterms:created" minOccurs="0" maxOccurs="1"/>
-        <xsd:element ref="dc:identifier" minOccurs="0" maxOccurs="1"/>
-        <xsd:element name="contentType" minOccurs="0" maxOccurs="1" type="xsd:string" ma:index="0" ma:displayName="Content Type"/>
-        <xsd:element ref="dc:title" minOccurs="0" maxOccurs="1" ma:index="4" ma:displayName="Title"/>
-        <xsd:element ref="dc:subject" minOccurs="0" maxOccurs="1"/>
-        <xsd:element ref="dc:description" minOccurs="0" maxOccurs="1" ma:index="23" ma:displayName="Comments"/>
-        <xsd:element name="keywords" minOccurs="0" maxOccurs="1" type="xsd:string" ma:index="14" ma:displayName="Keywords"/>
-        <xsd:element ref="dc:language" minOccurs="0" maxOccurs="1"/>
-        <xsd:element name="category" minOccurs="0" maxOccurs="1" type="xsd:string"/>
-        <xsd:element name="version" minOccurs="0" maxOccurs="1" type="xsd:string"/>
-        <xsd:element name="revision" minOccurs="0" maxOccurs="1" type="xsd:string">
-          <xsd:annotation>
-            <xsd:documentation>
-                        This value indicates the number of saves or revisions. The application is responsible for updating this value after each revision.
-                    </xsd:documentation>
-          </xsd:annotation>
-        </xsd:element>
-        <xsd:element name="lastModifiedBy" minOccurs="0" maxOccurs="1" type="xsd:string"/>
-        <xsd:element ref="dcterms:modified" minOccurs="0" maxOccurs="1"/>
-        <xsd:element name="contentStatus" minOccurs="0" maxOccurs="1" type="xsd:string"/>
-      </xsd:all>
-    </xsd:complexType>
-  </xsd:schema>
-  <xs:schema xmlns:pc="http://schemas.microsoft.com/office/infopath/2007/PartnerControls" xmlns:xs="http://www.w3.org/2001/XMLSchema" targetNamespace="http://schemas.microsoft.com/office/infopath/2007/PartnerControls" elementFormDefault="qualified" attributeFormDefault="unqualified">
-    <xs:element name="Person">
-      <xs:complexType>
-        <xs:sequence>
-          <xs:element ref="pc:DisplayName" minOccurs="0"/>
-          <xs:element ref="pc:AccountId" minOccurs="0"/>
-          <xs:element ref="pc:AccountType" minOccurs="0"/>
-        </xs:sequence>
-      </xs:complexType>
-    </xs:element>
-    <xs:element name="DisplayName" type="xs:string"/>
-    <xs:element name="AccountId" type="xs:string"/>
-    <xs:element name="AccountType" type="xs:string"/>
-    <xs:element name="BDCAssociatedEntity">
-      <xs:complexType>
-        <xs:sequence>
-          <xs:element ref="pc:BDCEntity" minOccurs="0" maxOccurs="unbounded"/>
-        </xs:sequence>
-        <xs:attribute ref="pc:EntityNamespace"/>
-        <xs:attribute ref="pc:EntityName"/>
-        <xs:attribute ref="pc:SystemInstanceName"/>
-        <xs:attribute ref="pc:AssociationName"/>
-      </xs:complexType>
-    </xs:element>
-    <xs:attribute name="EntityNamespace" type="xs:string"/>
-    <xs:attribute name="EntityName" type="xs:string"/>
-    <xs:attribute name="SystemInstanceName" type="xs:string"/>
-    <xs:attribute name="AssociationName" type="xs:string"/>
-    <xs:element name="BDCEntity">
-      <xs:complexType>
-        <xs:sequence>
-          <xs:element ref="pc:EntityDisplayName" minOccurs="0"/>
-          <xs:element ref="pc:EntityInstanceReference" minOccurs="0"/>
-          <xs:element ref="pc:EntityId1" minOccurs="0"/>
-          <xs:element ref="pc:EntityId2" minOccurs="0"/>
-          <xs:element ref="pc:EntityId3" minOccurs="0"/>
-          <xs:element ref="pc:EntityId4" minOccurs="0"/>
-          <xs:element ref="pc:EntityId5" minOccurs="0"/>
-        </xs:sequence>
-      </xs:complexType>
-    </xs:element>
-    <xs:element name="EntityDisplayName" type="xs:string"/>
-    <xs:element name="EntityInstanceReference" type="xs:string"/>
-    <xs:element name="EntityId1" type="xs:string"/>
-    <xs:element name="EntityId2" type="xs:string"/>
-    <xs:element name="EntityId3" type="xs:string"/>
-    <xs:element name="EntityId4" type="xs:string"/>
-    <xs:element name="EntityId5" type="xs:string"/>
-    <xs:element name="Terms">
-      <xs:complexType>
-        <xs:sequence>
-          <xs:element ref="pc:TermInfo" minOccurs="0" maxOccurs="unbounded"/>
-        </xs:sequence>
-      </xs:complexType>
-    </xs:element>
-    <xs:element name="TermInfo">
-      <xs:complexType>
-        <xs:sequence>
-          <xs:element ref="pc:TermName" minOccurs="0"/>
-          <xs:element ref="pc:TermId" minOccurs="0"/>
-        </xs:sequence>
-      </xs:complexType>
-    </xs:element>
-    <xs:element name="TermName" type="xs:string"/>
-    <xs:element name="TermId" type="xs:string"/>
-  </xs:schema>
-</ct:contentTypeSchema>
-</file>
-
 <file path=customXml/item4.xml><?xml version="1.0" encoding="utf-8"?>
 <?mso-contentType ?>
 <SharedContentType xmlns="Microsoft.SharePoint.Taxonomy.ContentTypeSync" SourceId="e5351508-46ca-4454-b07c-bc767568d5f1" ContentTypeId="0x0101009148F5A04DDD49CBA7127AADA5FB792B00AADE34325A8B49CDA8BB4DB53328F2140042A8F7EFA3D8428BA83C1DD618D41277" PreviousValue="false"/>
 </file>
 
 <file path=customXml/itemProps1.xml><?xml version="1.0" encoding="utf-8"?>
-<ds:datastoreItem xmlns:ds="http://schemas.openxmlformats.org/officeDocument/2006/customXml" ds:itemID="{F990F116-B58F-4255-B05B-DA3808E0E5C6}">
-  <ds:schemaRefs>
-    <ds:schemaRef ds:uri="EB693DEA-2256-4DD9-8FF3-783287AC6516"/>
-    <ds:schemaRef ds:uri="http://purl.org/dc/terms/"/>
-    <ds:schemaRef ds:uri="http://schemas.microsoft.com/sharepoint/v3"/>
-    <ds:schemaRef ds:uri="http://purl.org/dc/dcmitype/"/>
-    <ds:schemaRef ds:uri="2f90a3b6-08c8-4148-8fff-0427b40d8fc9"/>
-    <ds:schemaRef ds:uri="http://schemas.microsoft.com/office/infopath/2007/PartnerControls"/>
-    <ds:schemaRef ds:uri="http://schemas.microsoft.com/office/2006/documentManagement/types"/>
-    <ds:schemaRef ds:uri="http://schemas.microsoft.com/office/2006/metadata/properties"/>
-    <ds:schemaRef ds:uri="http://schemas.openxmlformats.org/package/2006/metadata/core-properties"/>
-    <ds:schemaRef ds:uri="http://schemas.microsoft.com/sharepoint/v3/fields"/>
-    <ds:schemaRef ds:uri="http://www.w3.org/XML/1998/namespace"/>
-    <ds:schemaRef ds:uri="http://purl.org/dc/elements/1.1/"/>
-  </ds:schemaRefs>
-</ds:datastoreItem>
-</file>
-
-<file path=customXml/itemProps2.xml><?xml version="1.0" encoding="utf-8"?>
-<ds:datastoreItem xmlns:ds="http://schemas.openxmlformats.org/officeDocument/2006/customXml" ds:itemID="{758FDAC0-319D-4A54-8D8E-1D42CB1F8004}">
-  <ds:schemaRefs>
-    <ds:schemaRef ds:uri="http://schemas.microsoft.com/sharepoint/v3/contenttype/forms"/>
-  </ds:schemaRefs>
-</ds:datastoreItem>
-</file>
-
-<file path=customXml/itemProps3.xml><?xml version="1.0" encoding="utf-8"?>
 <ds:datastoreItem xmlns:ds="http://schemas.openxmlformats.org/officeDocument/2006/customXml" ds:itemID="{6B483272-BB1A-4A0C-8602-152493755C34}">
   <ds:schemaRefs>
     <ds:schemaRef ds:uri="http://schemas.microsoft.com/office/2006/metadata/contentType"/>
@@ -8498,6 +8935,33 @@
 </ds:datastoreItem>
 </file>
 
+<file path=customXml/itemProps2.xml><?xml version="1.0" encoding="utf-8"?>
+<ds:datastoreItem xmlns:ds="http://schemas.openxmlformats.org/officeDocument/2006/customXml" ds:itemID="{758FDAC0-319D-4A54-8D8E-1D42CB1F8004}">
+  <ds:schemaRefs>
+    <ds:schemaRef ds:uri="http://schemas.microsoft.com/sharepoint/v3/contenttype/forms"/>
+  </ds:schemaRefs>
+</ds:datastoreItem>
+</file>
+
+<file path=customXml/itemProps3.xml><?xml version="1.0" encoding="utf-8"?>
+<ds:datastoreItem xmlns:ds="http://schemas.openxmlformats.org/officeDocument/2006/customXml" ds:itemID="{F990F116-B58F-4255-B05B-DA3808E0E5C6}">
+  <ds:schemaRefs>
+    <ds:schemaRef ds:uri="EB693DEA-2256-4DD9-8FF3-783287AC6516"/>
+    <ds:schemaRef ds:uri="http://purl.org/dc/terms/"/>
+    <ds:schemaRef ds:uri="http://schemas.microsoft.com/sharepoint/v3"/>
+    <ds:schemaRef ds:uri="http://purl.org/dc/dcmitype/"/>
+    <ds:schemaRef ds:uri="2f90a3b6-08c8-4148-8fff-0427b40d8fc9"/>
+    <ds:schemaRef ds:uri="http://schemas.microsoft.com/office/infopath/2007/PartnerControls"/>
+    <ds:schemaRef ds:uri="http://schemas.microsoft.com/office/2006/documentManagement/types"/>
+    <ds:schemaRef ds:uri="http://schemas.microsoft.com/office/2006/metadata/properties"/>
+    <ds:schemaRef ds:uri="http://schemas.openxmlformats.org/package/2006/metadata/core-properties"/>
+    <ds:schemaRef ds:uri="http://schemas.microsoft.com/sharepoint/v3/fields"/>
+    <ds:schemaRef ds:uri="http://www.w3.org/XML/1998/namespace"/>
+    <ds:schemaRef ds:uri="http://purl.org/dc/elements/1.1/"/>
+  </ds:schemaRefs>
+</ds:datastoreItem>
+</file>
+
 <file path=customXml/itemProps4.xml><?xml version="1.0" encoding="utf-8"?>
 <ds:datastoreItem xmlns:ds="http://schemas.openxmlformats.org/officeDocument/2006/customXml" ds:itemID="{4B823631-F3B9-444B-BFA9-343B4967A39F}">
   <ds:schemaRefs>

--- a/uvod u 3d programiranje.pptx
+++ b/uvod u 3d programiranje.pptx
@@ -25,7 +25,7 @@
     <p:sldId id="401" r:id="rId17"/>
     <p:sldId id="402" r:id="rId18"/>
     <p:sldId id="403" r:id="rId19"/>
-    <p:sldId id="400" r:id="rId20"/>
+    <p:sldId id="404" r:id="rId20"/>
     <p:sldId id="380" r:id="rId21"/>
     <p:sldId id="378" r:id="rId22"/>
   </p:sldIdLst>
@@ -144,7 +144,7 @@
             <p14:sldId id="401"/>
             <p14:sldId id="402"/>
             <p14:sldId id="403"/>
-            <p14:sldId id="400"/>
+            <p14:sldId id="404"/>
             <p14:sldId id="380"/>
             <p14:sldId id="378"/>
           </p14:sldIdLst>
@@ -1242,7 +1242,7 @@
             <a:fld id="{81331B57-0BE5-4F82-AA58-76F53EFF3ADA}" type="datetime8">
               <a:rPr lang="en-US" smtClean="0"/>
               <a:pPr/>
-              <a:t>12/22/2016 7:11 AM</a:t>
+              <a:t>12/22/2016 7:38 AM</a:t>
             </a:fld>
             <a:endParaRPr lang="en-US"/>
           </a:p>
@@ -5534,16 +5534,8 @@
 </file>
 
 <file path=ppt/slides/slide14.xml><?xml version="1.0" encoding="utf-8"?>
-<p:sld xmlns:a="http://schemas.openxmlformats.org/drawingml/2006/main" xmlns:r="http://schemas.openxmlformats.org/officeDocument/2006/relationships" xmlns:p="http://schemas.openxmlformats.org/presentationml/2006/main" show="0">
+<p:sld xmlns:a="http://schemas.openxmlformats.org/drawingml/2006/main" xmlns:r="http://schemas.openxmlformats.org/officeDocument/2006/relationships" xmlns:p="http://schemas.openxmlformats.org/presentationml/2006/main">
   <p:cSld>
-    <p:bg>
-      <p:bgPr>
-        <a:solidFill>
-          <a:srgbClr val="E84B14"/>
-        </a:solidFill>
-        <a:effectLst/>
-      </p:bgPr>
-    </p:bg>
     <p:spTree>
       <p:nvGrpSpPr>
         <p:cNvPr id="1" name=""/>
@@ -5560,7 +5552,26 @@
       </p:grpSpPr>
       <p:sp>
         <p:nvSpPr>
-          <p:cNvPr id="2" name="Text Placeholder 1"/>
+          <p:cNvPr id="2" name="Title 1"/>
+          <p:cNvSpPr>
+            <a:spLocks noGrp="1"/>
+          </p:cNvSpPr>
+          <p:nvPr>
+            <p:ph type="title"/>
+          </p:nvPr>
+        </p:nvSpPr>
+        <p:spPr/>
+        <p:txBody>
+          <a:bodyPr/>
+          <a:lstStyle/>
+          <a:p>
+            <a:endParaRPr lang="en-US"/>
+          </a:p>
+        </p:txBody>
+      </p:sp>
+      <p:sp>
+        <p:nvSpPr>
+          <p:cNvPr id="3" name="Text Placeholder 2"/>
           <p:cNvSpPr>
             <a:spLocks noGrp="1"/>
           </p:cNvSpPr>
@@ -5568,23 +5579,33 @@
             <p:ph type="body" sz="quarter" idx="10"/>
           </p:nvPr>
         </p:nvSpPr>
-        <p:spPr/>
+        <p:spPr>
+          <a:xfrm>
+            <a:off x="519112" y="1447799"/>
+            <a:ext cx="11149013" cy="984885"/>
+          </a:xfrm>
+        </p:spPr>
         <p:txBody>
           <a:bodyPr/>
           <a:lstStyle/>
           <a:p>
-            <a:r>
-              <a:rPr lang="hr-HR" dirty="0" smtClean="0"/>
-              <a:t>Code ? </a:t>
-            </a:r>
-            <a:endParaRPr lang="en-US" dirty="0"/>
+            <a:pPr marL="0" indent="0">
+              <a:buNone/>
+            </a:pPr>
+            <a:endParaRPr lang="hr-HR" dirty="0"/>
+          </a:p>
+          <a:p>
+            <a:r>
+              <a:rPr lang="en-US" dirty="0"/>
+              <a:t>https://github.com/luka712/mscommunity_os_opentk.git</a:t>
+            </a:r>
           </a:p>
         </p:txBody>
       </p:sp>
     </p:spTree>
     <p:extLst>
       <p:ext uri="{BB962C8B-B14F-4D97-AF65-F5344CB8AC3E}">
-        <p14:creationId xmlns:p14="http://schemas.microsoft.com/office/powerpoint/2010/main" val="2489532772"/>
+        <p14:creationId xmlns:p14="http://schemas.microsoft.com/office/powerpoint/2010/main" val="3703311986"/>
       </p:ext>
     </p:extLst>
   </p:cSld>
@@ -5605,7 +5626,7 @@
 </file>
 
 <file path=ppt/slides/slide15.xml><?xml version="1.0" encoding="utf-8"?>
-<p:sld xmlns:a="http://schemas.openxmlformats.org/drawingml/2006/main" xmlns:r="http://schemas.openxmlformats.org/officeDocument/2006/relationships" xmlns:p="http://schemas.openxmlformats.org/presentationml/2006/main" show="0">
+<p:sld xmlns:a="http://schemas.openxmlformats.org/drawingml/2006/main" xmlns:r="http://schemas.openxmlformats.org/officeDocument/2006/relationships" xmlns:p="http://schemas.openxmlformats.org/presentationml/2006/main">
   <p:cSld>
     <p:bg>
       <p:bgPr>
@@ -7936,802 +7957,6 @@
 </file>
 
 <file path=customXml/item1.xml><?xml version="1.0" encoding="utf-8"?>
-<ct:contentTypeSchema xmlns:ct="http://schemas.microsoft.com/office/2006/metadata/contentType" xmlns:ma="http://schemas.microsoft.com/office/2006/metadata/properties/metaAttributes" ct:_="" ma:_="" ma:contentTypeName="MASS MediaBank Image" ma:contentTypeID="0x0101009148F5A04DDD49CBA7127AADA5FB792B00AADE34325A8B49CDA8BB4DB53328F2140042A8F7EFA3D8428BA83C1DD618D41277008B7D58F6637A6449A868D36ABEDD5D7D" ma:contentTypeVersion="1" ma:contentTypeDescription="Upload an image." ma:contentTypeScope="" ma:versionID="cf5d87ef76ae645aeecfd1524f32f789">
-  <xsd:schema xmlns:xsd="http://www.w3.org/2001/XMLSchema" xmlns:xs="http://www.w3.org/2001/XMLSchema" xmlns:p="http://schemas.microsoft.com/office/2006/metadata/properties" xmlns:ns1="http://schemas.microsoft.com/sharepoint/v3" xmlns:ns2="EB693DEA-2256-4DD9-8FF3-783287AC6516" xmlns:ns3="http://schemas.microsoft.com/sharepoint/v3/fields" xmlns:ns4="2f90a3b6-08c8-4148-8fff-0427b40d8fc9" targetNamespace="http://schemas.microsoft.com/office/2006/metadata/properties" ma:root="true" ma:fieldsID="659fa2edc7c82f120babd68af08693e1" ns1:_="" ns2:_="" ns3:_="" ns4:_="">
-    <xsd:import namespace="http://schemas.microsoft.com/sharepoint/v3"/>
-    <xsd:import namespace="EB693DEA-2256-4DD9-8FF3-783287AC6516"/>
-    <xsd:import namespace="http://schemas.microsoft.com/sharepoint/v3/fields"/>
-    <xsd:import namespace="2f90a3b6-08c8-4148-8fff-0427b40d8fc9"/>
-    <xsd:element name="properties">
-      <xsd:complexType>
-        <xsd:sequence>
-          <xsd:element name="documentManagement">
-            <xsd:complexType>
-              <xsd:all>
-                <xsd:element ref="ns1:FileRef" minOccurs="0"/>
-                <xsd:element ref="ns1:File_x0020_Type" minOccurs="0"/>
-                <xsd:element ref="ns1:HTML_x0020_File_x0020_Type" minOccurs="0"/>
-                <xsd:element ref="ns1:FSObjType" minOccurs="0"/>
-                <xsd:element ref="ns2:ThumbnailExists" minOccurs="0"/>
-                <xsd:element ref="ns2:PreviewExists" minOccurs="0"/>
-                <xsd:element ref="ns2:ImageWidth" minOccurs="0"/>
-                <xsd:element ref="ns2:ImageHeight" minOccurs="0"/>
-                <xsd:element ref="ns2:ImageCreateDate" minOccurs="0"/>
-                <xsd:element ref="ns3:wic_System_Copyright" minOccurs="0"/>
-                <xsd:element ref="ns4:AssetURL" minOccurs="0"/>
-                <xsd:element ref="ns4:AssetTypeTaxHTField0" minOccurs="0"/>
-                <xsd:element ref="ns4:TaxCatchAll" minOccurs="0"/>
-                <xsd:element ref="ns4:TaxCatchAllLabel" minOccurs="0"/>
-                <xsd:element ref="ns4:BitDepth" minOccurs="0"/>
-                <xsd:element ref="ns4:Caption" minOccurs="0"/>
-                <xsd:element ref="ns4:ColorspaceTaxHTField0" minOccurs="0"/>
-                <xsd:element ref="ns1:Comments" minOccurs="0"/>
-                <xsd:element ref="ns4:ContentPurposeTaxHTField0" minOccurs="0"/>
-                <xsd:element ref="ns4:CountryTaxHTField0" minOccurs="0"/>
-                <xsd:element ref="ns4:DeletionDate" minOccurs="0"/>
-                <xsd:element ref="ns4:USBMODepartmentTaxHTField0" minOccurs="0"/>
-                <xsd:element ref="ns4:USBMODescription" minOccurs="0"/>
-                <xsd:element ref="ns4:DevelopmentLanguageTaxHTField0" minOccurs="0"/>
-                <xsd:element ref="ns4:Dimensions" minOccurs="0"/>
-                <xsd:element ref="ns4:DistributionChannelTaxHTField0" minOccurs="0"/>
-                <xsd:element ref="ns4:ElementTypeTaxHTField0" minOccurs="0"/>
-                <xsd:element ref="ns4:EnclosureTypeTaxHTField0" minOccurs="0"/>
-                <xsd:element ref="ns4:ExifApertureValue" minOccurs="0"/>
-                <xsd:element ref="ns4:ExifArtist" minOccurs="0"/>
-                <xsd:element ref="ns4:ExifCopyright" minOccurs="0"/>
-                <xsd:element ref="ns4:ExifDateTime" minOccurs="0"/>
-                <xsd:element ref="ns4:ExifExposureBias" minOccurs="0"/>
-                <xsd:element ref="ns4:ExifExposureProgramTaxHTField0" minOccurs="0"/>
-                <xsd:element ref="ns4:ExifExposureTime" minOccurs="0"/>
-                <xsd:element ref="ns4:ExifFNumber" minOccurs="0"/>
-                <xsd:element ref="ns4:ExifFlashFiredStatusTaxHTField0" minOccurs="0"/>
-                <xsd:element ref="ns4:ExifFlashFunctionTaxHTField0" minOccurs="0"/>
-                <xsd:element ref="ns4:ExifFlashModeTaxHTField0" minOccurs="0"/>
-                <xsd:element ref="ns4:ExifFlashRedEyeModeTaxHTField0" minOccurs="0"/>
-                <xsd:element ref="ns4:ExifFlashReturnStatusTaxHTField0" minOccurs="0"/>
-                <xsd:element ref="ns4:ExifFocalLength" minOccurs="0"/>
-                <xsd:element ref="ns4:ExifImageDescription" minOccurs="0"/>
-                <xsd:element ref="ns4:ExifISOSpeedRatings" minOccurs="0"/>
-                <xsd:element ref="ns4:ExifLightSourceTaxHTField0" minOccurs="0"/>
-                <xsd:element ref="ns4:ExifMake" minOccurs="0"/>
-                <xsd:element ref="ns4:ExifMaxApertureValue" minOccurs="0"/>
-                <xsd:element ref="ns4:ExifMeteringModeTaxHTField0" minOccurs="0"/>
-                <xsd:element ref="ns4:ExifModel" minOccurs="0"/>
-                <xsd:element ref="ns4:ExifSensingMethodTaxHTField0" minOccurs="0"/>
-                <xsd:element ref="ns4:ExifShutterSpeed" minOccurs="0"/>
-                <xsd:element ref="ns4:ExifSoftware" minOccurs="0"/>
-                <xsd:element ref="ns4:ExifSubjectDistance" minOccurs="0"/>
-                <xsd:element ref="ns4:FlashFrameCount" minOccurs="0"/>
-                <xsd:element ref="ns4:FlashFrameRate" minOccurs="0"/>
-                <xsd:element ref="ns4:GeographyTaxHTField0" minOccurs="0"/>
-                <xsd:element ref="ns4:HorizontalBusinessSolutionsTaxHTField0" minOccurs="0"/>
-                <xsd:element ref="ns4:ImageColorScheme" minOccurs="0"/>
-                <xsd:element ref="ns4:IndividualCustomerSegmentTaxHTField0" minOccurs="0"/>
-                <xsd:element ref="ns4:JobRoleTaxHTField0" minOccurs="0"/>
-                <xsd:element ref="ns4:USBMOLanguageTaxHTField0" minOccurs="0"/>
-                <xsd:element ref="ns4:LocaleTaxHTField0" minOccurs="0"/>
-                <xsd:element ref="ns4:LCID" minOccurs="0"/>
-                <xsd:element ref="ns4:LegacyID" minOccurs="0"/>
-                <xsd:element ref="ns4:MediaPlayLength" minOccurs="0"/>
-                <xsd:element ref="ns4:Syndicatable" minOccurs="0"/>
-                <xsd:element ref="ns4:OrganizationalCustomerSegmentTaxHTField0" minOccurs="0"/>
-                <xsd:element ref="ns4:OriginalCreator" minOccurs="0"/>
-                <xsd:element ref="ns4:PageCount" minOccurs="0"/>
-                <xsd:element ref="ns4:PartNo" minOccurs="0"/>
-                <xsd:element ref="ns4:PhotoshopCaption" minOccurs="0"/>
-                <xsd:element ref="ns4:PhotoshopCopyrightNotice" minOccurs="0"/>
-                <xsd:element ref="ns4:PhotoshopCopyrightStatusTaxHTField0" minOccurs="0"/>
-                <xsd:element ref="ns4:PhotoshopDateCreated" minOccurs="0"/>
-                <xsd:element ref="ns4:ProductsTaxHTField0" minOccurs="0"/>
-                <xsd:element ref="ns4:ProductAreaTaxHTField0" minOccurs="0"/>
-                <xsd:element ref="ns4:ProfileColorSpace" minOccurs="0"/>
-                <xsd:element ref="ns4:ProfileDescription" minOccurs="0"/>
-                <xsd:element ref="ns4:PublicationDate" minOccurs="0"/>
-                <xsd:element ref="ns4:Resolution" minOccurs="0"/>
-                <xsd:element ref="ns4:ResponsibleGroup" minOccurs="0"/>
-                <xsd:element ref="ns4:SEOMetaDescription" minOccurs="0"/>
-                <xsd:element ref="ns4:SEOMetaKeywords" minOccurs="0"/>
-                <xsd:element ref="ns4:SEOMetaTitle" minOccurs="0"/>
-                <xsd:element ref="ns4:SEOPrettyURL" minOccurs="0"/>
-                <xsd:element ref="ns4:SolutionTaxHTField0" minOccurs="0"/>
-                <xsd:element ref="ns4:SyndicationEndDate" minOccurs="0"/>
-                <xsd:element ref="ns4:SyndicationStartDate" minOccurs="0"/>
-                <xsd:element ref="ns4:SyndicationURL" minOccurs="0"/>
-                <xsd:element ref="ns4:UTCOffset" minOccurs="0"/>
-                <xsd:element ref="ns4:VerticalIndustryTaxHTField0" minOccurs="0"/>
-                <xsd:element ref="ns4:VideoBitRate" minOccurs="0"/>
-                <xsd:element ref="ns4:VideoCodec" minOccurs="0"/>
-                <xsd:element ref="ns4:VideoFrameRate" minOccurs="0"/>
-                <xsd:element ref="ns4:VideoFrames" minOccurs="0"/>
-                <xsd:element ref="ns4:VideoPreviewSize" minOccurs="0"/>
-              </xsd:all>
-            </xsd:complexType>
-          </xsd:element>
-        </xsd:sequence>
-      </xsd:complexType>
-    </xsd:element>
-  </xsd:schema>
-  <xsd:schema xmlns:xsd="http://www.w3.org/2001/XMLSchema" xmlns:xs="http://www.w3.org/2001/XMLSchema" xmlns:dms="http://schemas.microsoft.com/office/2006/documentManagement/types" xmlns:pc="http://schemas.microsoft.com/office/infopath/2007/PartnerControls" targetNamespace="http://schemas.microsoft.com/sharepoint/v3" elementFormDefault="qualified">
-    <xsd:import namespace="http://schemas.microsoft.com/office/2006/documentManagement/types"/>
-    <xsd:import namespace="http://schemas.microsoft.com/office/infopath/2007/PartnerControls"/>
-    <xsd:element name="FileRef" ma:index="8" nillable="true" ma:displayName="URL Path" ma:hidden="true" ma:list="Docs" ma:internalName="FileRef" ma:readOnly="true" ma:showField="FullUrl">
-      <xsd:simpleType>
-        <xsd:restriction base="dms:Lookup"/>
-      </xsd:simpleType>
-    </xsd:element>
-    <xsd:element name="File_x0020_Type" ma:index="9" nillable="true" ma:displayName="File Type" ma:hidden="true" ma:internalName="File_x0020_Type" ma:readOnly="true">
-      <xsd:simpleType>
-        <xsd:restriction base="dms:Text"/>
-      </xsd:simpleType>
-    </xsd:element>
-    <xsd:element name="HTML_x0020_File_x0020_Type" ma:index="10" nillable="true" ma:displayName="HTML File Type" ma:hidden="true" ma:internalName="HTML_x0020_File_x0020_Type" ma:readOnly="true">
-      <xsd:simpleType>
-        <xsd:restriction base="dms:Text"/>
-      </xsd:simpleType>
-    </xsd:element>
-    <xsd:element name="FSObjType" ma:index="11" nillable="true" ma:displayName="Item Type" ma:hidden="true" ma:list="Docs" ma:internalName="FSObjType" ma:readOnly="true" ma:showField="FSType">
-      <xsd:simpleType>
-        <xsd:restriction base="dms:Lookup"/>
-      </xsd:simpleType>
-    </xsd:element>
-    <xsd:element name="Comments" ma:index="36" nillable="true" ma:displayName="Comments" ma:description="This optional 1,024-character field will be used for the storage of comments about the item. Comments will never be displayed in the rights/delivery management module or visible to end-users." ma:internalName="Comments">
-      <xsd:simpleType>
-        <xsd:restriction base="dms:Note">
-          <xsd:maxLength value="255"/>
-        </xsd:restriction>
-      </xsd:simpleType>
-    </xsd:element>
-  </xsd:schema>
-  <xsd:schema xmlns:xsd="http://www.w3.org/2001/XMLSchema" xmlns:xs="http://www.w3.org/2001/XMLSchema" xmlns:dms="http://schemas.microsoft.com/office/2006/documentManagement/types" xmlns:pc="http://schemas.microsoft.com/office/infopath/2007/PartnerControls" targetNamespace="EB693DEA-2256-4DD9-8FF3-783287AC6516" elementFormDefault="qualified">
-    <xsd:import namespace="http://schemas.microsoft.com/office/2006/documentManagement/types"/>
-    <xsd:import namespace="http://schemas.microsoft.com/office/infopath/2007/PartnerControls"/>
-    <xsd:element name="ThumbnailExists" ma:index="18" nillable="true" ma:displayName="Thumbnail Exists" ma:default="FALSE" ma:hidden="true" ma:internalName="ThumbnailExists" ma:readOnly="true">
-      <xsd:simpleType>
-        <xsd:restriction base="dms:Boolean"/>
-      </xsd:simpleType>
-    </xsd:element>
-    <xsd:element name="PreviewExists" ma:index="19" nillable="true" ma:displayName="Preview Exists" ma:default="FALSE" ma:hidden="true" ma:internalName="PreviewExists" ma:readOnly="true">
-      <xsd:simpleType>
-        <xsd:restriction base="dms:Boolean"/>
-      </xsd:simpleType>
-    </xsd:element>
-    <xsd:element name="ImageWidth" ma:index="20" nillable="true" ma:displayName="Width" ma:internalName="ImageWidth" ma:readOnly="true">
-      <xsd:simpleType>
-        <xsd:restriction base="dms:Unknown"/>
-      </xsd:simpleType>
-    </xsd:element>
-    <xsd:element name="ImageHeight" ma:index="22" nillable="true" ma:displayName="Height" ma:internalName="ImageHeight" ma:readOnly="true">
-      <xsd:simpleType>
-        <xsd:restriction base="dms:Unknown"/>
-      </xsd:simpleType>
-    </xsd:element>
-    <xsd:element name="ImageCreateDate" ma:index="25" nillable="true" ma:displayName="Date Picture Taken" ma:format="DateTime" ma:hidden="true" ma:internalName="ImageCreateDate">
-      <xsd:simpleType>
-        <xsd:restriction base="dms:DateTime"/>
-      </xsd:simpleType>
-    </xsd:element>
-  </xsd:schema>
-  <xsd:schema xmlns:xsd="http://www.w3.org/2001/XMLSchema" xmlns:xs="http://www.w3.org/2001/XMLSchema" xmlns:dms="http://schemas.microsoft.com/office/2006/documentManagement/types" xmlns:pc="http://schemas.microsoft.com/office/infopath/2007/PartnerControls" targetNamespace="http://schemas.microsoft.com/sharepoint/v3/fields" elementFormDefault="qualified">
-    <xsd:import namespace="http://schemas.microsoft.com/office/2006/documentManagement/types"/>
-    <xsd:import namespace="http://schemas.microsoft.com/office/infopath/2007/PartnerControls"/>
-    <xsd:element name="wic_System_Copyright" ma:index="26" nillable="true" ma:displayName="Copyright" ma:internalName="wic_System_Copyright">
-      <xsd:simpleType>
-        <xsd:restriction base="dms:Text"/>
-      </xsd:simpleType>
-    </xsd:element>
-  </xsd:schema>
-  <xsd:schema xmlns:xsd="http://www.w3.org/2001/XMLSchema" xmlns:xs="http://www.w3.org/2001/XMLSchema" xmlns:dms="http://schemas.microsoft.com/office/2006/documentManagement/types" xmlns:pc="http://schemas.microsoft.com/office/infopath/2007/PartnerControls" targetNamespace="2f90a3b6-08c8-4148-8fff-0427b40d8fc9" elementFormDefault="qualified">
-    <xsd:import namespace="http://schemas.microsoft.com/office/2006/documentManagement/types"/>
-    <xsd:import namespace="http://schemas.microsoft.com/office/infopath/2007/PartnerControls"/>
-    <xsd:element name="AssetURL" ma:index="27" nillable="true" ma:displayName="AssetURL" ma:description="Store Asset URL" ma:hidden="true" ma:internalName="AssetURL" ma:readOnly="false">
-      <xsd:simpleType>
-        <xsd:restriction base="dms:Text"/>
-      </xsd:simpleType>
-    </xsd:element>
-    <xsd:element name="AssetTypeTaxHTField0" ma:index="28" nillable="true" ma:taxonomy="true" ma:internalName="AssetTypeTaxHTField0" ma:taxonomyFieldName="AssetType" ma:displayName="Asset Type" ma:indexed="true" ma:fieldId="{cc4caa33-0d16-43ea-9719-c512681e8e46}" ma:sspId="e5351508-46ca-4454-b07c-bc767568d5f1" ma:termSetId="da266748-b29f-4b00-a502-3959c5f62da1" ma:anchorId="00000000-0000-0000-0000-000000000000" ma:open="false" ma:isKeyword="false">
-      <xsd:complexType>
-        <xsd:sequence>
-          <xsd:element ref="pc:Terms" minOccurs="0" maxOccurs="1"/>
-        </xsd:sequence>
-      </xsd:complexType>
-    </xsd:element>
-    <xsd:element name="TaxCatchAll" ma:index="29" nillable="true" ma:displayName="Taxonomy Catch All Column" ma:hidden="true" ma:list="{689bf07b-aabd-4dc7-ab7d-d7e6a28a452d}" ma:internalName="TaxCatchAll" ma:showField="CatchAllData" ma:web="d144167a-be8c-473d-8a11-ea4625cfcf07">
-      <xsd:complexType>
-        <xsd:complexContent>
-          <xsd:extension base="dms:MultiChoiceLookup">
-            <xsd:sequence>
-              <xsd:element name="Value" type="dms:Lookup" maxOccurs="unbounded" minOccurs="0" nillable="true"/>
-            </xsd:sequence>
-          </xsd:extension>
-        </xsd:complexContent>
-      </xsd:complexType>
-    </xsd:element>
-    <xsd:element name="TaxCatchAllLabel" ma:index="30" nillable="true" ma:displayName="Taxonomy Catch All Column1" ma:hidden="true" ma:list="{689bf07b-aabd-4dc7-ab7d-d7e6a28a452d}" ma:internalName="TaxCatchAllLabel" ma:readOnly="true" ma:showField="CatchAllDataLabel" ma:web="d144167a-be8c-473d-8a11-ea4625cfcf07">
-      <xsd:complexType>
-        <xsd:complexContent>
-          <xsd:extension base="dms:MultiChoiceLookup">
-            <xsd:sequence>
-              <xsd:element name="Value" type="dms:Lookup" maxOccurs="unbounded" minOccurs="0" nillable="true"/>
-            </xsd:sequence>
-          </xsd:extension>
-        </xsd:complexContent>
-      </xsd:complexType>
-    </xsd:element>
-    <xsd:element name="BitDepth" ma:index="32" nillable="true" ma:displayName="Bit Depth" ma:default="" ma:description="A numeric value specified the bit depth of an uploaded image" ma:internalName="BitDepth">
-      <xsd:simpleType>
-        <xsd:restriction base="dms:Number"/>
-      </xsd:simpleType>
-    </xsd:element>
-    <xsd:element name="Caption" ma:index="33" nillable="true" ma:displayName="Caption" ma:description="This 1,024-character field will be used to enter text describing a file. The caption could be used as part of a syndicated feed." ma:internalName="Caption">
-      <xsd:simpleType>
-        <xsd:restriction base="dms:Note"/>
-      </xsd:simpleType>
-    </xsd:element>
-    <xsd:element name="ColorspaceTaxHTField0" ma:index="34" nillable="true" ma:taxonomy="true" ma:internalName="ColorspaceTaxHTField0" ma:taxonomyFieldName="Colorspace" ma:displayName="Colorspace" ma:fieldId="{ed389df4-0962-4599-bd50-ffe70adcdef8}" ma:sspId="e5351508-46ca-4454-b07c-bc767568d5f1" ma:termSetId="aa323b6c-8fe7-4bd5-947e-a986ff14bff6" ma:anchorId="00000000-0000-0000-0000-000000000000" ma:open="false" ma:isKeyword="false">
-      <xsd:complexType>
-        <xsd:sequence>
-          <xsd:element ref="pc:Terms" minOccurs="0" maxOccurs="1"/>
-        </xsd:sequence>
-      </xsd:complexType>
-    </xsd:element>
-    <xsd:element name="ContentPurposeTaxHTField0" ma:index="37" nillable="true" ma:taxonomy="true" ma:internalName="ContentPurposeTaxHTField0" ma:taxonomyFieldName="ContentPurpose" ma:displayName="Content Purpose" ma:fieldId="{9d7db7fe-807d-4f7a-8764-ac9a6915cfad}" ma:sspId="e5351508-46ca-4454-b07c-bc767568d5f1" ma:termSetId="1fcf61db-bf66-4172-b659-aba6f5678e54" ma:anchorId="00000000-0000-0000-0000-000000000000" ma:open="false" ma:isKeyword="false">
-      <xsd:complexType>
-        <xsd:sequence>
-          <xsd:element ref="pc:Terms" minOccurs="0" maxOccurs="1"/>
-        </xsd:sequence>
-      </xsd:complexType>
-    </xsd:element>
-    <xsd:element name="CountryTaxHTField0" ma:index="39" nillable="true" ma:taxonomy="true" ma:internalName="CountryTaxHTField0" ma:taxonomyFieldName="Country" ma:displayName="Country" ma:fieldId="{ccb73359-9cad-4d13-9fd9-2b49403b4704}" ma:taxonomyMulti="true" ma:sspId="e5351508-46ca-4454-b07c-bc767568d5f1" ma:termSetId="ce50c915-1805-4d5d-b9d3-c38aa6796716" ma:anchorId="00000000-0000-0000-0000-000000000000" ma:open="false" ma:isKeyword="false">
-      <xsd:complexType>
-        <xsd:sequence>
-          <xsd:element ref="pc:Terms" minOccurs="0" maxOccurs="1"/>
-        </xsd:sequence>
-      </xsd:complexType>
-    </xsd:element>
-    <xsd:element name="DeletionDate" ma:index="41" nillable="true" ma:displayName="Deletion Date" ma:description="This is the date the item will be automatically deleted from the CMS/DAM. Deletion of the item from the CMS/DAM necessarily removes it from the MMM. By default, no Deletion Date will be specified." ma:internalName="DeletionDate">
-      <xsd:simpleType>
-        <xsd:restriction base="dms:DateTime"/>
-      </xsd:simpleType>
-    </xsd:element>
-    <xsd:element name="USBMODepartmentTaxHTField0" ma:index="42" nillable="true" ma:taxonomy="true" ma:internalName="USBMODepartmentTaxHTField0" ma:taxonomyFieldName="USBMODepartment" ma:displayName="Department" ma:fieldId="{2e0234ea-ada7-4560-be11-2fb541d2b3b2}" ma:sspId="e5351508-46ca-4454-b07c-bc767568d5f1" ma:termSetId="47f28677-a427-4734-b2aa-08e4e7bd2e2f" ma:anchorId="00000000-0000-0000-0000-000000000000" ma:open="false" ma:isKeyword="false">
-      <xsd:complexType>
-        <xsd:sequence>
-          <xsd:element ref="pc:Terms" minOccurs="0" maxOccurs="1"/>
-        </xsd:sequence>
-      </xsd:complexType>
-    </xsd:element>
-    <xsd:element name="USBMODescription" ma:index="44" nillable="true" ma:displayName="Description" ma:description="This 1,024-character field will be used to enter text describing a file. The description could be used as part of a syndicated feed." ma:internalName="USBMODescription">
-      <xsd:simpleType>
-        <xsd:restriction base="dms:Note"/>
-      </xsd:simpleType>
-    </xsd:element>
-    <xsd:element name="DevelopmentLanguageTaxHTField0" ma:index="45" nillable="true" ma:taxonomy="true" ma:internalName="DevelopmentLanguageTaxHTField0" ma:taxonomyFieldName="DevelopmentLanguage" ma:displayName="Development Language" ma:fieldId="{9443e8c1-0167-4e8b-a49d-6f2a3d032c73}" ma:sspId="e5351508-46ca-4454-b07c-bc767568d5f1" ma:termSetId="956f7e1c-acff-487e-bea5-40f2ac018ac6" ma:anchorId="00000000-0000-0000-0000-000000000000" ma:open="false" ma:isKeyword="false">
-      <xsd:complexType>
-        <xsd:sequence>
-          <xsd:element ref="pc:Terms" minOccurs="0" maxOccurs="1"/>
-        </xsd:sequence>
-      </xsd:complexType>
-    </xsd:element>
-    <xsd:element name="Dimensions" ma:index="47" nillable="true" ma:displayName="Dimensions (pixels)" ma:description="An 'a' x 'b' description, in pixels, of the size of a digital asset. The 'a' will correspond with the x dimension on embedding, the 'b' will correspond with the y dimension on embedding." ma:internalName="Dimensions">
-      <xsd:simpleType>
-        <xsd:restriction base="dms:Text"/>
-      </xsd:simpleType>
-    </xsd:element>
-    <xsd:element name="DistributionChannelTaxHTField0" ma:index="48" nillable="true" ma:taxonomy="true" ma:internalName="DistributionChannelTaxHTField0" ma:taxonomyFieldName="DistributionChannel" ma:displayName="Distribution Channel" ma:fieldId="{983f1b6f-2353-4251-aedb-c8cecc391819}" ma:sspId="e5351508-46ca-4454-b07c-bc767568d5f1" ma:termSetId="a57e7f03-b41b-4c46-9bb1-6e81edfcadfb" ma:anchorId="00000000-0000-0000-0000-000000000000" ma:open="false" ma:isKeyword="false">
-      <xsd:complexType>
-        <xsd:sequence>
-          <xsd:element ref="pc:Terms" minOccurs="0" maxOccurs="1"/>
-        </xsd:sequence>
-      </xsd:complexType>
-    </xsd:element>
-    <xsd:element name="ElementTypeTaxHTField0" ma:index="50" nillable="true" ma:taxonomy="true" ma:internalName="ElementTypeTaxHTField0" ma:taxonomyFieldName="ElementType" ma:displayName="Element Type" ma:fieldId="{bbf38831-a53c-4227-b8de-8d46d25befdb}" ma:sspId="e5351508-46ca-4454-b07c-bc767568d5f1" ma:termSetId="c51e8246-3191-4210-8b39-719aa1ab2f1f" ma:anchorId="00000000-0000-0000-0000-000000000000" ma:open="false" ma:isKeyword="false">
-      <xsd:complexType>
-        <xsd:sequence>
-          <xsd:element ref="pc:Terms" minOccurs="0" maxOccurs="1"/>
-        </xsd:sequence>
-      </xsd:complexType>
-    </xsd:element>
-    <xsd:element name="EnclosureTypeTaxHTField0" ma:index="52" nillable="true" ma:taxonomy="true" ma:internalName="EnclosureTypeTaxHTField0" ma:taxonomyFieldName="EnclosureType" ma:displayName="Enclosure Type" ma:fieldId="{5bbf5d0b-78cf-4f2f-9437-1d5f23b17704}" ma:sspId="e5351508-46ca-4454-b07c-bc767568d5f1" ma:termSetId="f014b166-7374-4898-a6c1-9ab5ee9ec5a6" ma:anchorId="00000000-0000-0000-0000-000000000000" ma:open="false" ma:isKeyword="false">
-      <xsd:complexType>
-        <xsd:sequence>
-          <xsd:element ref="pc:Terms" minOccurs="0" maxOccurs="1"/>
-        </xsd:sequence>
-      </xsd:complexType>
-    </xsd:element>
-    <xsd:element name="ExifApertureValue" ma:index="54" nillable="true" ma:displayName="Exif Aperture Value" ma:internalName="ExifApertureValue">
-      <xsd:simpleType>
-        <xsd:restriction base="dms:Text"/>
-      </xsd:simpleType>
-    </xsd:element>
-    <xsd:element name="ExifArtist" ma:index="55" nillable="true" ma:displayName="Exif Artist" ma:internalName="ExifArtist">
-      <xsd:simpleType>
-        <xsd:restriction base="dms:Text"/>
-      </xsd:simpleType>
-    </xsd:element>
-    <xsd:element name="ExifCopyright" ma:index="56" nillable="true" ma:displayName="Exif Copyright" ma:internalName="ExifCopyright">
-      <xsd:simpleType>
-        <xsd:restriction base="dms:Note"/>
-      </xsd:simpleType>
-    </xsd:element>
-    <xsd:element name="ExifDateTime" ma:index="57" nillable="true" ma:displayName="Exif Date/Time" ma:internalName="ExifDateTime">
-      <xsd:simpleType>
-        <xsd:restriction base="dms:DateTime"/>
-      </xsd:simpleType>
-    </xsd:element>
-    <xsd:element name="ExifExposureBias" ma:index="58" nillable="true" ma:displayName="Exif Exposure Bias" ma:internalName="ExifExposureBias">
-      <xsd:simpleType>
-        <xsd:restriction base="dms:Text"/>
-      </xsd:simpleType>
-    </xsd:element>
-    <xsd:element name="ExifExposureProgramTaxHTField0" ma:index="59" nillable="true" ma:taxonomy="true" ma:internalName="ExifExposureProgramTaxHTField0" ma:taxonomyFieldName="ExifExposureProgram" ma:displayName="Exif Exposure Program" ma:fieldId="{ddde25e8-649e-42bb-aad2-9aa42631c8e3}" ma:sspId="e5351508-46ca-4454-b07c-bc767568d5f1" ma:termSetId="3d299a8e-f306-47c7-9a3b-f4b99152d7f0" ma:anchorId="00000000-0000-0000-0000-000000000000" ma:open="false" ma:isKeyword="false">
-      <xsd:complexType>
-        <xsd:sequence>
-          <xsd:element ref="pc:Terms" minOccurs="0" maxOccurs="1"/>
-        </xsd:sequence>
-      </xsd:complexType>
-    </xsd:element>
-    <xsd:element name="ExifExposureTime" ma:index="61" nillable="true" ma:displayName="Exif Exposure Time (secs)" ma:internalName="ExifExposureTime">
-      <xsd:simpleType>
-        <xsd:restriction base="dms:Text"/>
-      </xsd:simpleType>
-    </xsd:element>
-    <xsd:element name="ExifFNumber" ma:index="62" nillable="true" ma:displayName="Exif F Number" ma:internalName="ExifFNumber">
-      <xsd:simpleType>
-        <xsd:restriction base="dms:Text"/>
-      </xsd:simpleType>
-    </xsd:element>
-    <xsd:element name="ExifFlashFiredStatusTaxHTField0" ma:index="63" nillable="true" ma:taxonomy="true" ma:internalName="ExifFlashFiredStatusTaxHTField0" ma:taxonomyFieldName="ExifFlashFiredStatus" ma:displayName="Exif Flash Fired Status" ma:fieldId="{7eaf37a7-3a9a-4741-bcec-5a33b4a85126}" ma:sspId="e5351508-46ca-4454-b07c-bc767568d5f1" ma:termSetId="9701e068-a386-4d19-a1cc-8591fef293bb" ma:anchorId="00000000-0000-0000-0000-000000000000" ma:open="false" ma:isKeyword="false">
-      <xsd:complexType>
-        <xsd:sequence>
-          <xsd:element ref="pc:Terms" minOccurs="0" maxOccurs="1"/>
-        </xsd:sequence>
-      </xsd:complexType>
-    </xsd:element>
-    <xsd:element name="ExifFlashFunctionTaxHTField0" ma:index="65" nillable="true" ma:taxonomy="true" ma:internalName="ExifFlashFunctionTaxHTField0" ma:taxonomyFieldName="ExifFlashFunction" ma:displayName="Exif Flash Function" ma:fieldId="{b6e1d613-fcef-473c-a776-1ee808475336}" ma:sspId="e5351508-46ca-4454-b07c-bc767568d5f1" ma:termSetId="9c882a45-9e47-4ef9-b176-a8272b58cd29" ma:anchorId="00000000-0000-0000-0000-000000000000" ma:open="false" ma:isKeyword="false">
-      <xsd:complexType>
-        <xsd:sequence>
-          <xsd:element ref="pc:Terms" minOccurs="0" maxOccurs="1"/>
-        </xsd:sequence>
-      </xsd:complexType>
-    </xsd:element>
-    <xsd:element name="ExifFlashModeTaxHTField0" ma:index="67" nillable="true" ma:taxonomy="true" ma:internalName="ExifFlashModeTaxHTField0" ma:taxonomyFieldName="ExifFlashMode" ma:displayName="Exif Flash Mode" ma:fieldId="{52446ffe-0476-4e62-beee-fb994ee4f093}" ma:sspId="e5351508-46ca-4454-b07c-bc767568d5f1" ma:termSetId="690d464e-c60a-426f-9b92-f6d438817c9a" ma:anchorId="00000000-0000-0000-0000-000000000000" ma:open="false" ma:isKeyword="false">
-      <xsd:complexType>
-        <xsd:sequence>
-          <xsd:element ref="pc:Terms" minOccurs="0" maxOccurs="1"/>
-        </xsd:sequence>
-      </xsd:complexType>
-    </xsd:element>
-    <xsd:element name="ExifFlashRedEyeModeTaxHTField0" ma:index="69" nillable="true" ma:taxonomy="true" ma:internalName="ExifFlashRedEyeModeTaxHTField0" ma:taxonomyFieldName="ExifFlashRedEyeMode" ma:displayName="Exif Flash Red-Eye Mode" ma:fieldId="{848556d8-84bc-42c3-bba0-fef5e280ab48}" ma:sspId="e5351508-46ca-4454-b07c-bc767568d5f1" ma:termSetId="89fedbe0-2474-4701-822b-6e4eab73c2c9" ma:anchorId="00000000-0000-0000-0000-000000000000" ma:open="false" ma:isKeyword="false">
-      <xsd:complexType>
-        <xsd:sequence>
-          <xsd:element ref="pc:Terms" minOccurs="0" maxOccurs="1"/>
-        </xsd:sequence>
-      </xsd:complexType>
-    </xsd:element>
-    <xsd:element name="ExifFlashReturnStatusTaxHTField0" ma:index="71" nillable="true" ma:taxonomy="true" ma:internalName="ExifFlashReturnStatusTaxHTField0" ma:taxonomyFieldName="ExifFlashReturnStatus" ma:displayName="Exif Flash Return Status" ma:fieldId="{ae43ecd6-cd57-4252-86b8-92826402a11e}" ma:sspId="e5351508-46ca-4454-b07c-bc767568d5f1" ma:termSetId="d1ffa490-fffa-4a81-a60b-402f2e904cf7" ma:anchorId="00000000-0000-0000-0000-000000000000" ma:open="false" ma:isKeyword="false">
-      <xsd:complexType>
-        <xsd:sequence>
-          <xsd:element ref="pc:Terms" minOccurs="0" maxOccurs="1"/>
-        </xsd:sequence>
-      </xsd:complexType>
-    </xsd:element>
-    <xsd:element name="ExifFocalLength" ma:index="73" nillable="true" ma:displayName="Exif Focal Length (mm)" ma:internalName="ExifFocalLength">
-      <xsd:simpleType>
-        <xsd:restriction base="dms:Text"/>
-      </xsd:simpleType>
-    </xsd:element>
-    <xsd:element name="ExifImageDescription" ma:index="74" nillable="true" ma:displayName="Exif Image Description" ma:internalName="ExifImageDescription">
-      <xsd:simpleType>
-        <xsd:restriction base="dms:Note"/>
-      </xsd:simpleType>
-    </xsd:element>
-    <xsd:element name="ExifISOSpeedRatings" ma:index="75" nillable="true" ma:displayName="Exif ISO Speed Ratings" ma:internalName="ExifISOSpeedRatings">
-      <xsd:simpleType>
-        <xsd:restriction base="dms:Text"/>
-      </xsd:simpleType>
-    </xsd:element>
-    <xsd:element name="ExifLightSourceTaxHTField0" ma:index="76" nillable="true" ma:taxonomy="true" ma:internalName="ExifLightSourceTaxHTField0" ma:taxonomyFieldName="ExifLightSource" ma:displayName="Exif Light Source" ma:fieldId="{6b0d85e4-9b4f-4d5c-b8de-1aaecd3b6469}" ma:sspId="e5351508-46ca-4454-b07c-bc767568d5f1" ma:termSetId="f93d0ed6-abd5-42b1-abb2-11944d251bad" ma:anchorId="00000000-0000-0000-0000-000000000000" ma:open="false" ma:isKeyword="false">
-      <xsd:complexType>
-        <xsd:sequence>
-          <xsd:element ref="pc:Terms" minOccurs="0" maxOccurs="1"/>
-        </xsd:sequence>
-      </xsd:complexType>
-    </xsd:element>
-    <xsd:element name="ExifMake" ma:index="78" nillable="true" ma:displayName="Exif Make" ma:internalName="ExifMake">
-      <xsd:simpleType>
-        <xsd:restriction base="dms:Text"/>
-      </xsd:simpleType>
-    </xsd:element>
-    <xsd:element name="ExifMaxApertureValue" ma:index="79" nillable="true" ma:displayName="Exif Max Aperture Value" ma:internalName="ExifMaxApertureValue">
-      <xsd:simpleType>
-        <xsd:restriction base="dms:Text"/>
-      </xsd:simpleType>
-    </xsd:element>
-    <xsd:element name="ExifMeteringModeTaxHTField0" ma:index="80" nillable="true" ma:taxonomy="true" ma:internalName="ExifMeteringModeTaxHTField0" ma:taxonomyFieldName="ExifMeteringMode" ma:displayName="Exif Metering Mode" ma:fieldId="{cea024d1-1c48-469f-ad4e-8ba4f6444450}" ma:sspId="e5351508-46ca-4454-b07c-bc767568d5f1" ma:termSetId="e16b75cc-aa40-46b2-ae09-2779d7cc5afd" ma:anchorId="00000000-0000-0000-0000-000000000000" ma:open="false" ma:isKeyword="false">
-      <xsd:complexType>
-        <xsd:sequence>
-          <xsd:element ref="pc:Terms" minOccurs="0" maxOccurs="1"/>
-        </xsd:sequence>
-      </xsd:complexType>
-    </xsd:element>
-    <xsd:element name="ExifModel" ma:index="82" nillable="true" ma:displayName="Exif Model" ma:internalName="ExifModel">
-      <xsd:simpleType>
-        <xsd:restriction base="dms:Text"/>
-      </xsd:simpleType>
-    </xsd:element>
-    <xsd:element name="ExifSensingMethodTaxHTField0" ma:index="83" nillable="true" ma:taxonomy="true" ma:internalName="ExifSensingMethodTaxHTField0" ma:taxonomyFieldName="ExifSensingMethod" ma:displayName="Exif Sensing Method" ma:fieldId="{d7a930e9-a959-4bcd-978c-c548191e3a13}" ma:sspId="e5351508-46ca-4454-b07c-bc767568d5f1" ma:termSetId="d9ddfd10-0637-40ad-9805-ee7c3df64fd9" ma:anchorId="00000000-0000-0000-0000-000000000000" ma:open="false" ma:isKeyword="false">
-      <xsd:complexType>
-        <xsd:sequence>
-          <xsd:element ref="pc:Terms" minOccurs="0" maxOccurs="1"/>
-        </xsd:sequence>
-      </xsd:complexType>
-    </xsd:element>
-    <xsd:element name="ExifShutterSpeed" ma:index="85" nillable="true" ma:displayName="Exif Shutter Speed" ma:internalName="ExifShutterSpeed">
-      <xsd:simpleType>
-        <xsd:restriction base="dms:Text"/>
-      </xsd:simpleType>
-    </xsd:element>
-    <xsd:element name="ExifSoftware" ma:index="86" nillable="true" ma:displayName="Exif Software" ma:internalName="ExifSoftware">
-      <xsd:simpleType>
-        <xsd:restriction base="dms:Text"/>
-      </xsd:simpleType>
-    </xsd:element>
-    <xsd:element name="ExifSubjectDistance" ma:index="87" nillable="true" ma:displayName="Exif Subject Distance (m)" ma:internalName="ExifSubjectDistance">
-      <xsd:simpleType>
-        <xsd:restriction base="dms:Text"/>
-      </xsd:simpleType>
-    </xsd:element>
-    <xsd:element name="FlashFrameCount" ma:index="88" nillable="true" ma:displayName="Flash Frame Count" ma:internalName="FlashFrameCount">
-      <xsd:simpleType>
-        <xsd:restriction base="dms:Text"/>
-      </xsd:simpleType>
-    </xsd:element>
-    <xsd:element name="FlashFrameRate" ma:index="89" nillable="true" ma:displayName="Flash Frame Rate" ma:internalName="FlashFrameRate">
-      <xsd:simpleType>
-        <xsd:restriction base="dms:Text"/>
-      </xsd:simpleType>
-    </xsd:element>
-    <xsd:element name="GeographyTaxHTField0" ma:index="90" nillable="true" ma:taxonomy="true" ma:internalName="GeographyTaxHTField0" ma:taxonomyFieldName="Geography" ma:displayName="Geography" ma:fieldId="{24303334-cab5-4bd3-b623-47749fc5e9eb}" ma:sspId="e5351508-46ca-4454-b07c-bc767568d5f1" ma:termSetId="7c2605be-78b7-4ca2-8f6f-ab279c096aae" ma:anchorId="00000000-0000-0000-0000-000000000000" ma:open="false" ma:isKeyword="false">
-      <xsd:complexType>
-        <xsd:sequence>
-          <xsd:element ref="pc:Terms" minOccurs="0" maxOccurs="1"/>
-        </xsd:sequence>
-      </xsd:complexType>
-    </xsd:element>
-    <xsd:element name="HorizontalBusinessSolutionsTaxHTField0" ma:index="92" nillable="true" ma:taxonomy="true" ma:internalName="HorizontalBusinessSolutionsTaxHTField0" ma:taxonomyFieldName="HorizontalBusinessSolutions" ma:displayName="Horizontal Business Solutions" ma:fieldId="{1f6fc77f-0a05-444f-b580-5273ce073f35}" ma:sspId="e5351508-46ca-4454-b07c-bc767568d5f1" ma:termSetId="32a6d413-5b83-45ba-9a5a-a9dc090eb5f3" ma:anchorId="00000000-0000-0000-0000-000000000000" ma:open="false" ma:isKeyword="false">
-      <xsd:complexType>
-        <xsd:sequence>
-          <xsd:element ref="pc:Terms" minOccurs="0" maxOccurs="1"/>
-        </xsd:sequence>
-      </xsd:complexType>
-    </xsd:element>
-    <xsd:element name="ImageColorScheme" ma:index="94" nillable="true" ma:displayName="Image Color Scheme" ma:internalName="ImageColorScheme">
-      <xsd:simpleType>
-        <xsd:restriction base="dms:Text"/>
-      </xsd:simpleType>
-    </xsd:element>
-    <xsd:element name="IndividualCustomerSegmentTaxHTField0" ma:index="95" nillable="true" ma:taxonomy="true" ma:internalName="IndividualCustomerSegmentTaxHTField0" ma:taxonomyFieldName="IndividualCustomerSegment" ma:displayName="Individual Customer Segment" ma:fieldId="{fa9edc89-ce41-4c39-b86d-f74418462223}" ma:taxonomyMulti="true" ma:sspId="e5351508-46ca-4454-b07c-bc767568d5f1" ma:termSetId="f0f0c54d-2fd3-4e10-9b8d-0e0ce4e7c7b5" ma:anchorId="00000000-0000-0000-0000-000000000000" ma:open="false" ma:isKeyword="false">
-      <xsd:complexType>
-        <xsd:sequence>
-          <xsd:element ref="pc:Terms" minOccurs="0" maxOccurs="1"/>
-        </xsd:sequence>
-      </xsd:complexType>
-    </xsd:element>
-    <xsd:element name="JobRoleTaxHTField0" ma:index="97" nillable="true" ma:taxonomy="true" ma:internalName="JobRoleTaxHTField0" ma:taxonomyFieldName="JobRole" ma:displayName="Job Role" ma:fieldId="{b4b50c45-89f6-4522-bed7-6409ceff1821}" ma:sspId="e5351508-46ca-4454-b07c-bc767568d5f1" ma:termSetId="4c56d73e-b2de-49cb-b3d6-df32a18b8190" ma:anchorId="00000000-0000-0000-0000-000000000000" ma:open="false" ma:isKeyword="false">
-      <xsd:complexType>
-        <xsd:sequence>
-          <xsd:element ref="pc:Terms" minOccurs="0" maxOccurs="1"/>
-        </xsd:sequence>
-      </xsd:complexType>
-    </xsd:element>
-    <xsd:element name="USBMOLanguageTaxHTField0" ma:index="99" nillable="true" ma:taxonomy="true" ma:internalName="USBMOLanguageTaxHTField0" ma:taxonomyFieldName="USBMOLanguage" ma:displayName="Language" ma:default="159;#English|a5ff94d2-1ec6-4a3d-91b6-499704bb2bfb" ma:fieldId="{3001d2cb-27cc-488b-a6e3-9409191fe5d7}" ma:taxonomyMulti="true" ma:sspId="e5351508-46ca-4454-b07c-bc767568d5f1" ma:termSetId="caf07f1e-e70a-418c-a826-56f67c3ab232" ma:anchorId="00000000-0000-0000-0000-000000000000" ma:open="false" ma:isKeyword="false">
-      <xsd:complexType>
-        <xsd:sequence>
-          <xsd:element ref="pc:Terms" minOccurs="0" maxOccurs="1"/>
-        </xsd:sequence>
-      </xsd:complexType>
-    </xsd:element>
-    <xsd:element name="LocaleTaxHTField0" ma:index="101" nillable="true" ma:taxonomy="true" ma:internalName="LocaleTaxHTField0" ma:taxonomyFieldName="Locale" ma:displayName="Locale" ma:default="160;#en-us|d9a69bff-8288-4080-b994-75d8eae21b51" ma:fieldId="{102aee01-d407-45ff-964e-888f51184492}" ma:taxonomyMulti="true" ma:sspId="e5351508-46ca-4454-b07c-bc767568d5f1" ma:termSetId="c75b77a0-de14-4dfe-b43c-1de41e586b08" ma:anchorId="00000000-0000-0000-0000-000000000000" ma:open="false" ma:isKeyword="false">
-      <xsd:complexType>
-        <xsd:sequence>
-          <xsd:element ref="pc:Terms" minOccurs="0" maxOccurs="1"/>
-        </xsd:sequence>
-      </xsd:complexType>
-    </xsd:element>
-    <xsd:element name="LCID" ma:index="103" nillable="true" ma:displayName="LCID" ma:internalName="LCID">
-      <xsd:simpleType>
-        <xsd:restriction base="dms:Text"/>
-      </xsd:simpleType>
-    </xsd:element>
-    <xsd:element name="LegacyID" ma:index="104" nillable="true" ma:displayName="Legacy ID" ma:hidden="true" ma:internalName="LegacyID" ma:readOnly="false">
-      <xsd:simpleType>
-        <xsd:restriction base="dms:Text"/>
-      </xsd:simpleType>
-    </xsd:element>
-    <xsd:element name="MediaPlayLength" ma:index="105" nillable="true" ma:displayName="Media Play Length (hour:minute:seconds)" ma:internalName="MediaPlayLength">
-      <xsd:simpleType>
-        <xsd:restriction base="dms:Text"/>
-      </xsd:simpleType>
-    </xsd:element>
-    <xsd:element name="Syndicatable" ma:index="106" nillable="true" ma:displayName="OK to Syndicate" ma:default="0" ma:description="An indication of whether the asset should be released to the Metadata Management module when it is published and approved by the content management environment. By default, this item should NOT be checked." ma:internalName="Syndicatable">
-      <xsd:simpleType>
-        <xsd:restriction base="dms:Boolean"/>
-      </xsd:simpleType>
-    </xsd:element>
-    <xsd:element name="OrganizationalCustomerSegmentTaxHTField0" ma:index="107" nillable="true" ma:taxonomy="true" ma:internalName="OrganizationalCustomerSegmentTaxHTField0" ma:taxonomyFieldName="OrganizationalCustomerSegment" ma:displayName="Organizational Customer Segment" ma:fieldId="{51a040c1-67fd-4b51-be2d-039858b15bc0}" ma:taxonomyMulti="true" ma:sspId="e5351508-46ca-4454-b07c-bc767568d5f1" ma:termSetId="f0f8d20e-9d97-438e-9ed3-4fbd54a90c1d" ma:anchorId="00000000-0000-0000-0000-000000000000" ma:open="false" ma:isKeyword="false">
-      <xsd:complexType>
-        <xsd:sequence>
-          <xsd:element ref="pc:Terms" minOccurs="0" maxOccurs="1"/>
-        </xsd:sequence>
-      </xsd:complexType>
-    </xsd:element>
-    <xsd:element name="OriginalCreator" ma:index="109" nillable="true" ma:displayName="Original Creator" ma:description="This field will be used to indicate the source for the item. It is not necessarily the same as the Responsible Group." ma:internalName="OriginalCreator">
-      <xsd:simpleType>
-        <xsd:restriction base="dms:Text"/>
-      </xsd:simpleType>
-    </xsd:element>
-    <xsd:element name="PageCount" ma:index="110" nillable="true" ma:displayName="Page Count" ma:internalName="PageCount">
-      <xsd:simpleType>
-        <xsd:restriction base="dms:Text"/>
-      </xsd:simpleType>
-    </xsd:element>
-    <xsd:element name="PartNo" ma:index="111" nillable="true" ma:displayName="Part No" ma:internalName="PartNo">
-      <xsd:simpleType>
-        <xsd:restriction base="dms:Text"/>
-      </xsd:simpleType>
-    </xsd:element>
-    <xsd:element name="PhotoshopCaption" ma:index="112" nillable="true" ma:displayName="Photoshop Caption" ma:internalName="PhotoshopCaption">
-      <xsd:simpleType>
-        <xsd:restriction base="dms:Note"/>
-      </xsd:simpleType>
-    </xsd:element>
-    <xsd:element name="PhotoshopCopyrightNotice" ma:index="113" nillable="true" ma:displayName="Photoshop Copyright Notice" ma:internalName="PhotoshopCopyrightNotice">
-      <xsd:simpleType>
-        <xsd:restriction base="dms:Note"/>
-      </xsd:simpleType>
-    </xsd:element>
-    <xsd:element name="PhotoshopCopyrightStatusTaxHTField0" ma:index="114" nillable="true" ma:taxonomy="true" ma:internalName="PhotoshopCopyrightStatusTaxHTField0" ma:taxonomyFieldName="PhotoshopCopyrightStatus" ma:displayName="Photoshop Copyright Status" ma:fieldId="{2335001f-708b-4788-9517-b420d42537e4}" ma:sspId="e5351508-46ca-4454-b07c-bc767568d5f1" ma:termSetId="00f52058-0726-4f92-9b3a-b7b625f0836d" ma:anchorId="00000000-0000-0000-0000-000000000000" ma:open="false" ma:isKeyword="false">
-      <xsd:complexType>
-        <xsd:sequence>
-          <xsd:element ref="pc:Terms" minOccurs="0" maxOccurs="1"/>
-        </xsd:sequence>
-      </xsd:complexType>
-    </xsd:element>
-    <xsd:element name="PhotoshopDateCreated" ma:index="116" nillable="true" ma:displayName="Photoshop Date Created" ma:internalName="PhotoshopDateCreated">
-      <xsd:simpleType>
-        <xsd:restriction base="dms:Text"/>
-      </xsd:simpleType>
-    </xsd:element>
-    <xsd:element name="ProductsTaxHTField0" ma:index="117" nillable="true" ma:taxonomy="true" ma:internalName="ProductsTaxHTField0" ma:taxonomyFieldName="Products" ma:displayName="Products" ma:fieldId="{2508cca7-303f-4eb3-beb8-f072fc69cba1}" ma:taxonomyMulti="true" ma:sspId="e5351508-46ca-4454-b07c-bc767568d5f1" ma:termSetId="f25997de-c637-4768-9183-fcd82082cd39" ma:anchorId="00000000-0000-0000-0000-000000000000" ma:open="false" ma:isKeyword="false">
-      <xsd:complexType>
-        <xsd:sequence>
-          <xsd:element ref="pc:Terms" minOccurs="0" maxOccurs="1"/>
-        </xsd:sequence>
-      </xsd:complexType>
-    </xsd:element>
-    <xsd:element name="ProductAreaTaxHTField0" ma:index="119" nillable="true" ma:taxonomy="true" ma:internalName="ProductAreaTaxHTField0" ma:taxonomyFieldName="ProductArea" ma:displayName="Product Area" ma:fieldId="{745efb83-9c2f-4366-afe0-1ade51570421}" ma:taxonomyMulti="true" ma:sspId="e5351508-46ca-4454-b07c-bc767568d5f1" ma:termSetId="f25997de-c637-4768-9183-fcd82082cd39" ma:anchorId="00000000-0000-0000-0000-000000000000" ma:open="false" ma:isKeyword="false">
-      <xsd:complexType>
-        <xsd:sequence>
-          <xsd:element ref="pc:Terms" minOccurs="0" maxOccurs="1"/>
-        </xsd:sequence>
-      </xsd:complexType>
-    </xsd:element>
-    <xsd:element name="ProfileColorSpace" ma:index="121" nillable="true" ma:displayName="Profile Color Space" ma:internalName="ProfileColorSpace">
-      <xsd:simpleType>
-        <xsd:restriction base="dms:Text"/>
-      </xsd:simpleType>
-    </xsd:element>
-    <xsd:element name="ProfileDescription" ma:index="122" nillable="true" ma:displayName="Profile Description" ma:internalName="ProfileDescription">
-      <xsd:simpleType>
-        <xsd:restriction base="dms:Text"/>
-      </xsd:simpleType>
-    </xsd:element>
-    <xsd:element name="PublicationDate" ma:index="123" nillable="true" ma:displayName="Publication Date" ma:internalName="PublicationDate">
-      <xsd:simpleType>
-        <xsd:restriction base="dms:DateTime"/>
-      </xsd:simpleType>
-    </xsd:element>
-    <xsd:element name="Resolution" ma:index="124" nillable="true" ma:displayName="Resolution (ppi)" ma:internalName="Resolution">
-      <xsd:simpleType>
-        <xsd:restriction base="dms:Text"/>
-      </xsd:simpleType>
-    </xsd:element>
-    <xsd:element name="ResponsibleGroup" ma:index="125" nillable="true" ma:displayName="Responsible Group" ma:internalName="ResponsibleGroup">
-      <xsd:simpleType>
-        <xsd:restriction base="dms:Text"/>
-      </xsd:simpleType>
-    </xsd:element>
-    <xsd:element name="SEOMetaDescription" ma:index="126" nillable="true" ma:displayName="SEO Meta Description" ma:internalName="SEOMetaDescription">
-      <xsd:simpleType>
-        <xsd:restriction base="dms:Text"/>
-      </xsd:simpleType>
-    </xsd:element>
-    <xsd:element name="SEOMetaKeywords" ma:index="127" nillable="true" ma:displayName="SEO Meta Keywords" ma:internalName="SEOMetaKeywords">
-      <xsd:simpleType>
-        <xsd:restriction base="dms:Text"/>
-      </xsd:simpleType>
-    </xsd:element>
-    <xsd:element name="SEOMetaTitle" ma:index="128" nillable="true" ma:displayName="SEO Meta Title" ma:internalName="SEOMetaTitle">
-      <xsd:simpleType>
-        <xsd:restriction base="dms:Text"/>
-      </xsd:simpleType>
-    </xsd:element>
-    <xsd:element name="SEOPrettyURL" ma:index="129" nillable="true" ma:displayName="SEO Pretty URL" ma:internalName="SEOPrettyURL">
-      <xsd:simpleType>
-        <xsd:restriction base="dms:Text"/>
-      </xsd:simpleType>
-    </xsd:element>
-    <xsd:element name="SolutionTaxHTField0" ma:index="130" nillable="true" ma:taxonomy="true" ma:internalName="SolutionTaxHTField0" ma:taxonomyFieldName="Solution" ma:displayName="Solutions" ma:default="" ma:fieldId="{ee98faac-7351-4283-815d-8f0ce67cad01}" ma:taxonomyMulti="true" ma:sspId="e5351508-46ca-4454-b07c-bc767568d5f1" ma:termSetId="b6610717-588c-474d-93c2-a3d36086895a" ma:anchorId="00000000-0000-0000-0000-000000000000" ma:open="false" ma:isKeyword="false">
-      <xsd:complexType>
-        <xsd:sequence>
-          <xsd:element ref="pc:Terms" minOccurs="0" maxOccurs="1"/>
-        </xsd:sequence>
-      </xsd:complexType>
-    </xsd:element>
-    <xsd:element name="SyndicationEndDate" ma:index="132" nillable="true" ma:displayName="Syndication End Date" ma:description="This field will be used to indicate the date on which syndicated content from this field will no longer be delivered to the site producer." ma:internalName="SyndicationEndDate">
-      <xsd:simpleType>
-        <xsd:restriction base="dms:DateTime"/>
-      </xsd:simpleType>
-    </xsd:element>
-    <xsd:element name="SyndicationStartDate" ma:index="133" nillable="true" ma:displayName="Syndication Start Date" ma:description="This field will be used to indicate the date on which syndicated content from this feed will be delivered to the site producer. By default the date the feed was created will be entered into this field." ma:internalName="SyndicationStartDate">
-      <xsd:simpleType>
-        <xsd:restriction base="dms:DateTime"/>
-      </xsd:simpleType>
-    </xsd:element>
-    <xsd:element name="SyndicationURL" ma:index="134" nillable="true" ma:displayName="Syndication URL" ma:description="This field will be used to store HTML code that can be used by content syndicators who would like to embed an URL to the item in their content. As further described in the rights/delivery management section of this document, the embed URL may include a built-in Silverlight-based player. The player user experience will be specified via the Enclosure Type field. When implemented, this field would also be used to specify the location on a content distribution network where the asset is to be streamed. Note that this is the URL MASS displays to properly move the user through the reporting redirection module." ma:indexed="true" ma:internalName="SyndicationURL">
-      <xsd:simpleType>
-        <xsd:restriction base="dms:Text">
-          <xsd:maxLength value="255"/>
-        </xsd:restriction>
-      </xsd:simpleType>
-    </xsd:element>
-    <xsd:element name="UTCOffset" ma:index="135" nillable="true" ma:displayName="UTC Offset" ma:default="" ma:description="Time zone offset from UTC." ma:internalName="UTCOffset">
-      <xsd:simpleType>
-        <xsd:restriction base="dms:Text"/>
-      </xsd:simpleType>
-    </xsd:element>
-    <xsd:element name="VerticalIndustryTaxHTField0" ma:index="136" nillable="true" ma:taxonomy="true" ma:internalName="VerticalIndustryTaxHTField0" ma:taxonomyFieldName="VerticalIndustry" ma:displayName="Vertical Industry" ma:fieldId="{72ac98a0-0cec-4143-b06f-8df46676315d}" ma:taxonomyMulti="true" ma:sspId="e5351508-46ca-4454-b07c-bc767568d5f1" ma:termSetId="c96753b9-a215-4eae-b7d3-a5549f1e2331" ma:anchorId="00000000-0000-0000-0000-000000000000" ma:open="false" ma:isKeyword="false">
-      <xsd:complexType>
-        <xsd:sequence>
-          <xsd:element ref="pc:Terms" minOccurs="0" maxOccurs="1"/>
-        </xsd:sequence>
-      </xsd:complexType>
-    </xsd:element>
-    <xsd:element name="VideoBitRate" ma:index="138" nillable="true" ma:displayName="Video Bit Rate" ma:internalName="VideoBitRate">
-      <xsd:simpleType>
-        <xsd:restriction base="dms:Text"/>
-      </xsd:simpleType>
-    </xsd:element>
-    <xsd:element name="VideoCodec" ma:index="139" nillable="true" ma:displayName="Video Codec" ma:internalName="VideoCodec">
-      <xsd:simpleType>
-        <xsd:restriction base="dms:Text"/>
-      </xsd:simpleType>
-    </xsd:element>
-    <xsd:element name="VideoFrameRate" ma:index="140" nillable="true" ma:displayName="Video Frame Rate" ma:internalName="VideoFrameRate">
-      <xsd:simpleType>
-        <xsd:restriction base="dms:Text"/>
-      </xsd:simpleType>
-    </xsd:element>
-    <xsd:element name="VideoFrames" ma:index="141" nillable="true" ma:displayName="Video Frames" ma:internalName="VideoFrames">
-      <xsd:simpleType>
-        <xsd:restriction base="dms:Text"/>
-      </xsd:simpleType>
-    </xsd:element>
-    <xsd:element name="VideoPreviewSize" ma:index="142" nillable="true" ma:displayName="Video Preview Size" ma:internalName="VideoPreviewSize">
-      <xsd:simpleType>
-        <xsd:restriction base="dms:Text"/>
-      </xsd:simpleType>
-    </xsd:element>
-  </xsd:schema>
-  <xsd:schema xmlns="http://schemas.openxmlformats.org/package/2006/metadata/core-properties" xmlns:xsd="http://www.w3.org/2001/XMLSchema" xmlns:xsi="http://www.w3.org/2001/XMLSchema-instance" xmlns:dc="http://purl.org/dc/elements/1.1/" xmlns:dcterms="http://purl.org/dc/terms/" xmlns:odoc="http://schemas.microsoft.com/internal/obd" targetNamespace="http://schemas.openxmlformats.org/package/2006/metadata/core-properties" elementFormDefault="qualified" attributeFormDefault="unqualified" blockDefault="#all">
-    <xsd:import namespace="http://purl.org/dc/elements/1.1/" schemaLocation="http://dublincore.org/schemas/xmls/qdc/2003/04/02/dc.xsd"/>
-    <xsd:import namespace="http://purl.org/dc/terms/" schemaLocation="http://dublincore.org/schemas/xmls/qdc/2003/04/02/dcterms.xsd"/>
-    <xsd:element name="coreProperties" type="CT_coreProperties"/>
-    <xsd:complexType name="CT_coreProperties">
-      <xsd:all>
-        <xsd:element ref="dc:creator" minOccurs="0" maxOccurs="1" ma:index="24" ma:displayName="Author"/>
-        <xsd:element ref="dcterms:created" minOccurs="0" maxOccurs="1"/>
-        <xsd:element ref="dc:identifier" minOccurs="0" maxOccurs="1"/>
-        <xsd:element name="contentType" minOccurs="0" maxOccurs="1" type="xsd:string" ma:index="0" ma:displayName="Content Type"/>
-        <xsd:element ref="dc:title" minOccurs="0" maxOccurs="1" ma:index="4" ma:displayName="Title"/>
-        <xsd:element ref="dc:subject" minOccurs="0" maxOccurs="1"/>
-        <xsd:element ref="dc:description" minOccurs="0" maxOccurs="1" ma:index="23" ma:displayName="Comments"/>
-        <xsd:element name="keywords" minOccurs="0" maxOccurs="1" type="xsd:string" ma:index="14" ma:displayName="Keywords"/>
-        <xsd:element ref="dc:language" minOccurs="0" maxOccurs="1"/>
-        <xsd:element name="category" minOccurs="0" maxOccurs="1" type="xsd:string"/>
-        <xsd:element name="version" minOccurs="0" maxOccurs="1" type="xsd:string"/>
-        <xsd:element name="revision" minOccurs="0" maxOccurs="1" type="xsd:string">
-          <xsd:annotation>
-            <xsd:documentation>
-                        This value indicates the number of saves or revisions. The application is responsible for updating this value after each revision.
-                    </xsd:documentation>
-          </xsd:annotation>
-        </xsd:element>
-        <xsd:element name="lastModifiedBy" minOccurs="0" maxOccurs="1" type="xsd:string"/>
-        <xsd:element ref="dcterms:modified" minOccurs="0" maxOccurs="1"/>
-        <xsd:element name="contentStatus" minOccurs="0" maxOccurs="1" type="xsd:string"/>
-      </xsd:all>
-    </xsd:complexType>
-  </xsd:schema>
-  <xs:schema xmlns:pc="http://schemas.microsoft.com/office/infopath/2007/PartnerControls" xmlns:xs="http://www.w3.org/2001/XMLSchema" targetNamespace="http://schemas.microsoft.com/office/infopath/2007/PartnerControls" elementFormDefault="qualified" attributeFormDefault="unqualified">
-    <xs:element name="Person">
-      <xs:complexType>
-        <xs:sequence>
-          <xs:element ref="pc:DisplayName" minOccurs="0"/>
-          <xs:element ref="pc:AccountId" minOccurs="0"/>
-          <xs:element ref="pc:AccountType" minOccurs="0"/>
-        </xs:sequence>
-      </xs:complexType>
-    </xs:element>
-    <xs:element name="DisplayName" type="xs:string"/>
-    <xs:element name="AccountId" type="xs:string"/>
-    <xs:element name="AccountType" type="xs:string"/>
-    <xs:element name="BDCAssociatedEntity">
-      <xs:complexType>
-        <xs:sequence>
-          <xs:element ref="pc:BDCEntity" minOccurs="0" maxOccurs="unbounded"/>
-        </xs:sequence>
-        <xs:attribute ref="pc:EntityNamespace"/>
-        <xs:attribute ref="pc:EntityName"/>
-        <xs:attribute ref="pc:SystemInstanceName"/>
-        <xs:attribute ref="pc:AssociationName"/>
-      </xs:complexType>
-    </xs:element>
-    <xs:attribute name="EntityNamespace" type="xs:string"/>
-    <xs:attribute name="EntityName" type="xs:string"/>
-    <xs:attribute name="SystemInstanceName" type="xs:string"/>
-    <xs:attribute name="AssociationName" type="xs:string"/>
-    <xs:element name="BDCEntity">
-      <xs:complexType>
-        <xs:sequence>
-          <xs:element ref="pc:EntityDisplayName" minOccurs="0"/>
-          <xs:element ref="pc:EntityInstanceReference" minOccurs="0"/>
-          <xs:element ref="pc:EntityId1" minOccurs="0"/>
-          <xs:element ref="pc:EntityId2" minOccurs="0"/>
-          <xs:element ref="pc:EntityId3" minOccurs="0"/>
-          <xs:element ref="pc:EntityId4" minOccurs="0"/>
-          <xs:element ref="pc:EntityId5" minOccurs="0"/>
-        </xs:sequence>
-      </xs:complexType>
-    </xs:element>
-    <xs:element name="EntityDisplayName" type="xs:string"/>
-    <xs:element name="EntityInstanceReference" type="xs:string"/>
-    <xs:element name="EntityId1" type="xs:string"/>
-    <xs:element name="EntityId2" type="xs:string"/>
-    <xs:element name="EntityId3" type="xs:string"/>
-    <xs:element name="EntityId4" type="xs:string"/>
-    <xs:element name="EntityId5" type="xs:string"/>
-    <xs:element name="Terms">
-      <xs:complexType>
-        <xs:sequence>
-          <xs:element ref="pc:TermInfo" minOccurs="0" maxOccurs="unbounded"/>
-        </xs:sequence>
-      </xs:complexType>
-    </xs:element>
-    <xs:element name="TermInfo">
-      <xs:complexType>
-        <xs:sequence>
-          <xs:element ref="pc:TermName" minOccurs="0"/>
-          <xs:element ref="pc:TermId" minOccurs="0"/>
-        </xs:sequence>
-      </xs:complexType>
-    </xs:element>
-    <xs:element name="TermName" type="xs:string"/>
-    <xs:element name="TermId" type="xs:string"/>
-  </xs:schema>
-</ct:contentTypeSchema>
-</file>
-
-<file path=customXml/item2.xml><?xml version="1.0" encoding="utf-8"?>
-<?mso-contentType ?>
-<FormTemplates xmlns="http://schemas.microsoft.com/sharepoint/v3/contenttype/forms">
-  <Display>DocumentLibraryForm</Display>
-  <Edit>DocumentLibraryForm</Edit>
-  <New>DocumentLibraryForm</New>
-</FormTemplates>
-</file>
-
-<file path=customXml/item3.xml><?xml version="1.0" encoding="utf-8"?>
 <p:properties xmlns:p="http://schemas.microsoft.com/office/2006/metadata/properties" xmlns:xsi="http://www.w3.org/2001/XMLSchema-instance" xmlns:pc="http://schemas.microsoft.com/office/infopath/2007/PartnerControls">
   <documentManagement>
     <TaxCatchAll xmlns="2f90a3b6-08c8-4148-8fff-0427b40d8fc9">
@@ -8909,12 +8134,835 @@
 </p:properties>
 </file>
 
+<file path=customXml/item2.xml><?xml version="1.0" encoding="utf-8"?>
+<?mso-contentType ?>
+<FormTemplates xmlns="http://schemas.microsoft.com/sharepoint/v3/contenttype/forms">
+  <Display>DocumentLibraryForm</Display>
+  <Edit>DocumentLibraryForm</Edit>
+  <New>DocumentLibraryForm</New>
+</FormTemplates>
+</file>
+
+<file path=customXml/item3.xml><?xml version="1.0" encoding="utf-8"?>
+<ct:contentTypeSchema xmlns:ct="http://schemas.microsoft.com/office/2006/metadata/contentType" xmlns:ma="http://schemas.microsoft.com/office/2006/metadata/properties/metaAttributes" ct:_="" ma:_="" ma:contentTypeName="MASS MediaBank Image" ma:contentTypeID="0x0101009148F5A04DDD49CBA7127AADA5FB792B00AADE34325A8B49CDA8BB4DB53328F2140042A8F7EFA3D8428BA83C1DD618D41277008B7D58F6637A6449A868D36ABEDD5D7D" ma:contentTypeVersion="1" ma:contentTypeDescription="Upload an image." ma:contentTypeScope="" ma:versionID="cf5d87ef76ae645aeecfd1524f32f789">
+  <xsd:schema xmlns:xsd="http://www.w3.org/2001/XMLSchema" xmlns:xs="http://www.w3.org/2001/XMLSchema" xmlns:p="http://schemas.microsoft.com/office/2006/metadata/properties" xmlns:ns1="http://schemas.microsoft.com/sharepoint/v3" xmlns:ns2="EB693DEA-2256-4DD9-8FF3-783287AC6516" xmlns:ns3="http://schemas.microsoft.com/sharepoint/v3/fields" xmlns:ns4="2f90a3b6-08c8-4148-8fff-0427b40d8fc9" targetNamespace="http://schemas.microsoft.com/office/2006/metadata/properties" ma:root="true" ma:fieldsID="659fa2edc7c82f120babd68af08693e1" ns1:_="" ns2:_="" ns3:_="" ns4:_="">
+    <xsd:import namespace="http://schemas.microsoft.com/sharepoint/v3"/>
+    <xsd:import namespace="EB693DEA-2256-4DD9-8FF3-783287AC6516"/>
+    <xsd:import namespace="http://schemas.microsoft.com/sharepoint/v3/fields"/>
+    <xsd:import namespace="2f90a3b6-08c8-4148-8fff-0427b40d8fc9"/>
+    <xsd:element name="properties">
+      <xsd:complexType>
+        <xsd:sequence>
+          <xsd:element name="documentManagement">
+            <xsd:complexType>
+              <xsd:all>
+                <xsd:element ref="ns1:FileRef" minOccurs="0"/>
+                <xsd:element ref="ns1:File_x0020_Type" minOccurs="0"/>
+                <xsd:element ref="ns1:HTML_x0020_File_x0020_Type" minOccurs="0"/>
+                <xsd:element ref="ns1:FSObjType" minOccurs="0"/>
+                <xsd:element ref="ns2:ThumbnailExists" minOccurs="0"/>
+                <xsd:element ref="ns2:PreviewExists" minOccurs="0"/>
+                <xsd:element ref="ns2:ImageWidth" minOccurs="0"/>
+                <xsd:element ref="ns2:ImageHeight" minOccurs="0"/>
+                <xsd:element ref="ns2:ImageCreateDate" minOccurs="0"/>
+                <xsd:element ref="ns3:wic_System_Copyright" minOccurs="0"/>
+                <xsd:element ref="ns4:AssetURL" minOccurs="0"/>
+                <xsd:element ref="ns4:AssetTypeTaxHTField0" minOccurs="0"/>
+                <xsd:element ref="ns4:TaxCatchAll" minOccurs="0"/>
+                <xsd:element ref="ns4:TaxCatchAllLabel" minOccurs="0"/>
+                <xsd:element ref="ns4:BitDepth" minOccurs="0"/>
+                <xsd:element ref="ns4:Caption" minOccurs="0"/>
+                <xsd:element ref="ns4:ColorspaceTaxHTField0" minOccurs="0"/>
+                <xsd:element ref="ns1:Comments" minOccurs="0"/>
+                <xsd:element ref="ns4:ContentPurposeTaxHTField0" minOccurs="0"/>
+                <xsd:element ref="ns4:CountryTaxHTField0" minOccurs="0"/>
+                <xsd:element ref="ns4:DeletionDate" minOccurs="0"/>
+                <xsd:element ref="ns4:USBMODepartmentTaxHTField0" minOccurs="0"/>
+                <xsd:element ref="ns4:USBMODescription" minOccurs="0"/>
+                <xsd:element ref="ns4:DevelopmentLanguageTaxHTField0" minOccurs="0"/>
+                <xsd:element ref="ns4:Dimensions" minOccurs="0"/>
+                <xsd:element ref="ns4:DistributionChannelTaxHTField0" minOccurs="0"/>
+                <xsd:element ref="ns4:ElementTypeTaxHTField0" minOccurs="0"/>
+                <xsd:element ref="ns4:EnclosureTypeTaxHTField0" minOccurs="0"/>
+                <xsd:element ref="ns4:ExifApertureValue" minOccurs="0"/>
+                <xsd:element ref="ns4:ExifArtist" minOccurs="0"/>
+                <xsd:element ref="ns4:ExifCopyright" minOccurs="0"/>
+                <xsd:element ref="ns4:ExifDateTime" minOccurs="0"/>
+                <xsd:element ref="ns4:ExifExposureBias" minOccurs="0"/>
+                <xsd:element ref="ns4:ExifExposureProgramTaxHTField0" minOccurs="0"/>
+                <xsd:element ref="ns4:ExifExposureTime" minOccurs="0"/>
+                <xsd:element ref="ns4:ExifFNumber" minOccurs="0"/>
+                <xsd:element ref="ns4:ExifFlashFiredStatusTaxHTField0" minOccurs="0"/>
+                <xsd:element ref="ns4:ExifFlashFunctionTaxHTField0" minOccurs="0"/>
+                <xsd:element ref="ns4:ExifFlashModeTaxHTField0" minOccurs="0"/>
+                <xsd:element ref="ns4:ExifFlashRedEyeModeTaxHTField0" minOccurs="0"/>
+                <xsd:element ref="ns4:ExifFlashReturnStatusTaxHTField0" minOccurs="0"/>
+                <xsd:element ref="ns4:ExifFocalLength" minOccurs="0"/>
+                <xsd:element ref="ns4:ExifImageDescription" minOccurs="0"/>
+                <xsd:element ref="ns4:ExifISOSpeedRatings" minOccurs="0"/>
+                <xsd:element ref="ns4:ExifLightSourceTaxHTField0" minOccurs="0"/>
+                <xsd:element ref="ns4:ExifMake" minOccurs="0"/>
+                <xsd:element ref="ns4:ExifMaxApertureValue" minOccurs="0"/>
+                <xsd:element ref="ns4:ExifMeteringModeTaxHTField0" minOccurs="0"/>
+                <xsd:element ref="ns4:ExifModel" minOccurs="0"/>
+                <xsd:element ref="ns4:ExifSensingMethodTaxHTField0" minOccurs="0"/>
+                <xsd:element ref="ns4:ExifShutterSpeed" minOccurs="0"/>
+                <xsd:element ref="ns4:ExifSoftware" minOccurs="0"/>
+                <xsd:element ref="ns4:ExifSubjectDistance" minOccurs="0"/>
+                <xsd:element ref="ns4:FlashFrameCount" minOccurs="0"/>
+                <xsd:element ref="ns4:FlashFrameRate" minOccurs="0"/>
+                <xsd:element ref="ns4:GeographyTaxHTField0" minOccurs="0"/>
+                <xsd:element ref="ns4:HorizontalBusinessSolutionsTaxHTField0" minOccurs="0"/>
+                <xsd:element ref="ns4:ImageColorScheme" minOccurs="0"/>
+                <xsd:element ref="ns4:IndividualCustomerSegmentTaxHTField0" minOccurs="0"/>
+                <xsd:element ref="ns4:JobRoleTaxHTField0" minOccurs="0"/>
+                <xsd:element ref="ns4:USBMOLanguageTaxHTField0" minOccurs="0"/>
+                <xsd:element ref="ns4:LocaleTaxHTField0" minOccurs="0"/>
+                <xsd:element ref="ns4:LCID" minOccurs="0"/>
+                <xsd:element ref="ns4:LegacyID" minOccurs="0"/>
+                <xsd:element ref="ns4:MediaPlayLength" minOccurs="0"/>
+                <xsd:element ref="ns4:Syndicatable" minOccurs="0"/>
+                <xsd:element ref="ns4:OrganizationalCustomerSegmentTaxHTField0" minOccurs="0"/>
+                <xsd:element ref="ns4:OriginalCreator" minOccurs="0"/>
+                <xsd:element ref="ns4:PageCount" minOccurs="0"/>
+                <xsd:element ref="ns4:PartNo" minOccurs="0"/>
+                <xsd:element ref="ns4:PhotoshopCaption" minOccurs="0"/>
+                <xsd:element ref="ns4:PhotoshopCopyrightNotice" minOccurs="0"/>
+                <xsd:element ref="ns4:PhotoshopCopyrightStatusTaxHTField0" minOccurs="0"/>
+                <xsd:element ref="ns4:PhotoshopDateCreated" minOccurs="0"/>
+                <xsd:element ref="ns4:ProductsTaxHTField0" minOccurs="0"/>
+                <xsd:element ref="ns4:ProductAreaTaxHTField0" minOccurs="0"/>
+                <xsd:element ref="ns4:ProfileColorSpace" minOccurs="0"/>
+                <xsd:element ref="ns4:ProfileDescription" minOccurs="0"/>
+                <xsd:element ref="ns4:PublicationDate" minOccurs="0"/>
+                <xsd:element ref="ns4:Resolution" minOccurs="0"/>
+                <xsd:element ref="ns4:ResponsibleGroup" minOccurs="0"/>
+                <xsd:element ref="ns4:SEOMetaDescription" minOccurs="0"/>
+                <xsd:element ref="ns4:SEOMetaKeywords" minOccurs="0"/>
+                <xsd:element ref="ns4:SEOMetaTitle" minOccurs="0"/>
+                <xsd:element ref="ns4:SEOPrettyURL" minOccurs="0"/>
+                <xsd:element ref="ns4:SolutionTaxHTField0" minOccurs="0"/>
+                <xsd:element ref="ns4:SyndicationEndDate" minOccurs="0"/>
+                <xsd:element ref="ns4:SyndicationStartDate" minOccurs="0"/>
+                <xsd:element ref="ns4:SyndicationURL" minOccurs="0"/>
+                <xsd:element ref="ns4:UTCOffset" minOccurs="0"/>
+                <xsd:element ref="ns4:VerticalIndustryTaxHTField0" minOccurs="0"/>
+                <xsd:element ref="ns4:VideoBitRate" minOccurs="0"/>
+                <xsd:element ref="ns4:VideoCodec" minOccurs="0"/>
+                <xsd:element ref="ns4:VideoFrameRate" minOccurs="0"/>
+                <xsd:element ref="ns4:VideoFrames" minOccurs="0"/>
+                <xsd:element ref="ns4:VideoPreviewSize" minOccurs="0"/>
+              </xsd:all>
+            </xsd:complexType>
+          </xsd:element>
+        </xsd:sequence>
+      </xsd:complexType>
+    </xsd:element>
+  </xsd:schema>
+  <xsd:schema xmlns:xsd="http://www.w3.org/2001/XMLSchema" xmlns:xs="http://www.w3.org/2001/XMLSchema" xmlns:dms="http://schemas.microsoft.com/office/2006/documentManagement/types" xmlns:pc="http://schemas.microsoft.com/office/infopath/2007/PartnerControls" targetNamespace="http://schemas.microsoft.com/sharepoint/v3" elementFormDefault="qualified">
+    <xsd:import namespace="http://schemas.microsoft.com/office/2006/documentManagement/types"/>
+    <xsd:import namespace="http://schemas.microsoft.com/office/infopath/2007/PartnerControls"/>
+    <xsd:element name="FileRef" ma:index="8" nillable="true" ma:displayName="URL Path" ma:hidden="true" ma:list="Docs" ma:internalName="FileRef" ma:readOnly="true" ma:showField="FullUrl">
+      <xsd:simpleType>
+        <xsd:restriction base="dms:Lookup"/>
+      </xsd:simpleType>
+    </xsd:element>
+    <xsd:element name="File_x0020_Type" ma:index="9" nillable="true" ma:displayName="File Type" ma:hidden="true" ma:internalName="File_x0020_Type" ma:readOnly="true">
+      <xsd:simpleType>
+        <xsd:restriction base="dms:Text"/>
+      </xsd:simpleType>
+    </xsd:element>
+    <xsd:element name="HTML_x0020_File_x0020_Type" ma:index="10" nillable="true" ma:displayName="HTML File Type" ma:hidden="true" ma:internalName="HTML_x0020_File_x0020_Type" ma:readOnly="true">
+      <xsd:simpleType>
+        <xsd:restriction base="dms:Text"/>
+      </xsd:simpleType>
+    </xsd:element>
+    <xsd:element name="FSObjType" ma:index="11" nillable="true" ma:displayName="Item Type" ma:hidden="true" ma:list="Docs" ma:internalName="FSObjType" ma:readOnly="true" ma:showField="FSType">
+      <xsd:simpleType>
+        <xsd:restriction base="dms:Lookup"/>
+      </xsd:simpleType>
+    </xsd:element>
+    <xsd:element name="Comments" ma:index="36" nillable="true" ma:displayName="Comments" ma:description="This optional 1,024-character field will be used for the storage of comments about the item. Comments will never be displayed in the rights/delivery management module or visible to end-users." ma:internalName="Comments">
+      <xsd:simpleType>
+        <xsd:restriction base="dms:Note">
+          <xsd:maxLength value="255"/>
+        </xsd:restriction>
+      </xsd:simpleType>
+    </xsd:element>
+  </xsd:schema>
+  <xsd:schema xmlns:xsd="http://www.w3.org/2001/XMLSchema" xmlns:xs="http://www.w3.org/2001/XMLSchema" xmlns:dms="http://schemas.microsoft.com/office/2006/documentManagement/types" xmlns:pc="http://schemas.microsoft.com/office/infopath/2007/PartnerControls" targetNamespace="EB693DEA-2256-4DD9-8FF3-783287AC6516" elementFormDefault="qualified">
+    <xsd:import namespace="http://schemas.microsoft.com/office/2006/documentManagement/types"/>
+    <xsd:import namespace="http://schemas.microsoft.com/office/infopath/2007/PartnerControls"/>
+    <xsd:element name="ThumbnailExists" ma:index="18" nillable="true" ma:displayName="Thumbnail Exists" ma:default="FALSE" ma:hidden="true" ma:internalName="ThumbnailExists" ma:readOnly="true">
+      <xsd:simpleType>
+        <xsd:restriction base="dms:Boolean"/>
+      </xsd:simpleType>
+    </xsd:element>
+    <xsd:element name="PreviewExists" ma:index="19" nillable="true" ma:displayName="Preview Exists" ma:default="FALSE" ma:hidden="true" ma:internalName="PreviewExists" ma:readOnly="true">
+      <xsd:simpleType>
+        <xsd:restriction base="dms:Boolean"/>
+      </xsd:simpleType>
+    </xsd:element>
+    <xsd:element name="ImageWidth" ma:index="20" nillable="true" ma:displayName="Width" ma:internalName="ImageWidth" ma:readOnly="true">
+      <xsd:simpleType>
+        <xsd:restriction base="dms:Unknown"/>
+      </xsd:simpleType>
+    </xsd:element>
+    <xsd:element name="ImageHeight" ma:index="22" nillable="true" ma:displayName="Height" ma:internalName="ImageHeight" ma:readOnly="true">
+      <xsd:simpleType>
+        <xsd:restriction base="dms:Unknown"/>
+      </xsd:simpleType>
+    </xsd:element>
+    <xsd:element name="ImageCreateDate" ma:index="25" nillable="true" ma:displayName="Date Picture Taken" ma:format="DateTime" ma:hidden="true" ma:internalName="ImageCreateDate">
+      <xsd:simpleType>
+        <xsd:restriction base="dms:DateTime"/>
+      </xsd:simpleType>
+    </xsd:element>
+  </xsd:schema>
+  <xsd:schema xmlns:xsd="http://www.w3.org/2001/XMLSchema" xmlns:xs="http://www.w3.org/2001/XMLSchema" xmlns:dms="http://schemas.microsoft.com/office/2006/documentManagement/types" xmlns:pc="http://schemas.microsoft.com/office/infopath/2007/PartnerControls" targetNamespace="http://schemas.microsoft.com/sharepoint/v3/fields" elementFormDefault="qualified">
+    <xsd:import namespace="http://schemas.microsoft.com/office/2006/documentManagement/types"/>
+    <xsd:import namespace="http://schemas.microsoft.com/office/infopath/2007/PartnerControls"/>
+    <xsd:element name="wic_System_Copyright" ma:index="26" nillable="true" ma:displayName="Copyright" ma:internalName="wic_System_Copyright">
+      <xsd:simpleType>
+        <xsd:restriction base="dms:Text"/>
+      </xsd:simpleType>
+    </xsd:element>
+  </xsd:schema>
+  <xsd:schema xmlns:xsd="http://www.w3.org/2001/XMLSchema" xmlns:xs="http://www.w3.org/2001/XMLSchema" xmlns:dms="http://schemas.microsoft.com/office/2006/documentManagement/types" xmlns:pc="http://schemas.microsoft.com/office/infopath/2007/PartnerControls" targetNamespace="2f90a3b6-08c8-4148-8fff-0427b40d8fc9" elementFormDefault="qualified">
+    <xsd:import namespace="http://schemas.microsoft.com/office/2006/documentManagement/types"/>
+    <xsd:import namespace="http://schemas.microsoft.com/office/infopath/2007/PartnerControls"/>
+    <xsd:element name="AssetURL" ma:index="27" nillable="true" ma:displayName="AssetURL" ma:description="Store Asset URL" ma:hidden="true" ma:internalName="AssetURL" ma:readOnly="false">
+      <xsd:simpleType>
+        <xsd:restriction base="dms:Text"/>
+      </xsd:simpleType>
+    </xsd:element>
+    <xsd:element name="AssetTypeTaxHTField0" ma:index="28" nillable="true" ma:taxonomy="true" ma:internalName="AssetTypeTaxHTField0" ma:taxonomyFieldName="AssetType" ma:displayName="Asset Type" ma:indexed="true" ma:fieldId="{cc4caa33-0d16-43ea-9719-c512681e8e46}" ma:sspId="e5351508-46ca-4454-b07c-bc767568d5f1" ma:termSetId="da266748-b29f-4b00-a502-3959c5f62da1" ma:anchorId="00000000-0000-0000-0000-000000000000" ma:open="false" ma:isKeyword="false">
+      <xsd:complexType>
+        <xsd:sequence>
+          <xsd:element ref="pc:Terms" minOccurs="0" maxOccurs="1"/>
+        </xsd:sequence>
+      </xsd:complexType>
+    </xsd:element>
+    <xsd:element name="TaxCatchAll" ma:index="29" nillable="true" ma:displayName="Taxonomy Catch All Column" ma:hidden="true" ma:list="{689bf07b-aabd-4dc7-ab7d-d7e6a28a452d}" ma:internalName="TaxCatchAll" ma:showField="CatchAllData" ma:web="d144167a-be8c-473d-8a11-ea4625cfcf07">
+      <xsd:complexType>
+        <xsd:complexContent>
+          <xsd:extension base="dms:MultiChoiceLookup">
+            <xsd:sequence>
+              <xsd:element name="Value" type="dms:Lookup" maxOccurs="unbounded" minOccurs="0" nillable="true"/>
+            </xsd:sequence>
+          </xsd:extension>
+        </xsd:complexContent>
+      </xsd:complexType>
+    </xsd:element>
+    <xsd:element name="TaxCatchAllLabel" ma:index="30" nillable="true" ma:displayName="Taxonomy Catch All Column1" ma:hidden="true" ma:list="{689bf07b-aabd-4dc7-ab7d-d7e6a28a452d}" ma:internalName="TaxCatchAllLabel" ma:readOnly="true" ma:showField="CatchAllDataLabel" ma:web="d144167a-be8c-473d-8a11-ea4625cfcf07">
+      <xsd:complexType>
+        <xsd:complexContent>
+          <xsd:extension base="dms:MultiChoiceLookup">
+            <xsd:sequence>
+              <xsd:element name="Value" type="dms:Lookup" maxOccurs="unbounded" minOccurs="0" nillable="true"/>
+            </xsd:sequence>
+          </xsd:extension>
+        </xsd:complexContent>
+      </xsd:complexType>
+    </xsd:element>
+    <xsd:element name="BitDepth" ma:index="32" nillable="true" ma:displayName="Bit Depth" ma:default="" ma:description="A numeric value specified the bit depth of an uploaded image" ma:internalName="BitDepth">
+      <xsd:simpleType>
+        <xsd:restriction base="dms:Number"/>
+      </xsd:simpleType>
+    </xsd:element>
+    <xsd:element name="Caption" ma:index="33" nillable="true" ma:displayName="Caption" ma:description="This 1,024-character field will be used to enter text describing a file. The caption could be used as part of a syndicated feed." ma:internalName="Caption">
+      <xsd:simpleType>
+        <xsd:restriction base="dms:Note"/>
+      </xsd:simpleType>
+    </xsd:element>
+    <xsd:element name="ColorspaceTaxHTField0" ma:index="34" nillable="true" ma:taxonomy="true" ma:internalName="ColorspaceTaxHTField0" ma:taxonomyFieldName="Colorspace" ma:displayName="Colorspace" ma:fieldId="{ed389df4-0962-4599-bd50-ffe70adcdef8}" ma:sspId="e5351508-46ca-4454-b07c-bc767568d5f1" ma:termSetId="aa323b6c-8fe7-4bd5-947e-a986ff14bff6" ma:anchorId="00000000-0000-0000-0000-000000000000" ma:open="false" ma:isKeyword="false">
+      <xsd:complexType>
+        <xsd:sequence>
+          <xsd:element ref="pc:Terms" minOccurs="0" maxOccurs="1"/>
+        </xsd:sequence>
+      </xsd:complexType>
+    </xsd:element>
+    <xsd:element name="ContentPurposeTaxHTField0" ma:index="37" nillable="true" ma:taxonomy="true" ma:internalName="ContentPurposeTaxHTField0" ma:taxonomyFieldName="ContentPurpose" ma:displayName="Content Purpose" ma:fieldId="{9d7db7fe-807d-4f7a-8764-ac9a6915cfad}" ma:sspId="e5351508-46ca-4454-b07c-bc767568d5f1" ma:termSetId="1fcf61db-bf66-4172-b659-aba6f5678e54" ma:anchorId="00000000-0000-0000-0000-000000000000" ma:open="false" ma:isKeyword="false">
+      <xsd:complexType>
+        <xsd:sequence>
+          <xsd:element ref="pc:Terms" minOccurs="0" maxOccurs="1"/>
+        </xsd:sequence>
+      </xsd:complexType>
+    </xsd:element>
+    <xsd:element name="CountryTaxHTField0" ma:index="39" nillable="true" ma:taxonomy="true" ma:internalName="CountryTaxHTField0" ma:taxonomyFieldName="Country" ma:displayName="Country" ma:fieldId="{ccb73359-9cad-4d13-9fd9-2b49403b4704}" ma:taxonomyMulti="true" ma:sspId="e5351508-46ca-4454-b07c-bc767568d5f1" ma:termSetId="ce50c915-1805-4d5d-b9d3-c38aa6796716" ma:anchorId="00000000-0000-0000-0000-000000000000" ma:open="false" ma:isKeyword="false">
+      <xsd:complexType>
+        <xsd:sequence>
+          <xsd:element ref="pc:Terms" minOccurs="0" maxOccurs="1"/>
+        </xsd:sequence>
+      </xsd:complexType>
+    </xsd:element>
+    <xsd:element name="DeletionDate" ma:index="41" nillable="true" ma:displayName="Deletion Date" ma:description="This is the date the item will be automatically deleted from the CMS/DAM. Deletion of the item from the CMS/DAM necessarily removes it from the MMM. By default, no Deletion Date will be specified." ma:internalName="DeletionDate">
+      <xsd:simpleType>
+        <xsd:restriction base="dms:DateTime"/>
+      </xsd:simpleType>
+    </xsd:element>
+    <xsd:element name="USBMODepartmentTaxHTField0" ma:index="42" nillable="true" ma:taxonomy="true" ma:internalName="USBMODepartmentTaxHTField0" ma:taxonomyFieldName="USBMODepartment" ma:displayName="Department" ma:fieldId="{2e0234ea-ada7-4560-be11-2fb541d2b3b2}" ma:sspId="e5351508-46ca-4454-b07c-bc767568d5f1" ma:termSetId="47f28677-a427-4734-b2aa-08e4e7bd2e2f" ma:anchorId="00000000-0000-0000-0000-000000000000" ma:open="false" ma:isKeyword="false">
+      <xsd:complexType>
+        <xsd:sequence>
+          <xsd:element ref="pc:Terms" minOccurs="0" maxOccurs="1"/>
+        </xsd:sequence>
+      </xsd:complexType>
+    </xsd:element>
+    <xsd:element name="USBMODescription" ma:index="44" nillable="true" ma:displayName="Description" ma:description="This 1,024-character field will be used to enter text describing a file. The description could be used as part of a syndicated feed." ma:internalName="USBMODescription">
+      <xsd:simpleType>
+        <xsd:restriction base="dms:Note"/>
+      </xsd:simpleType>
+    </xsd:element>
+    <xsd:element name="DevelopmentLanguageTaxHTField0" ma:index="45" nillable="true" ma:taxonomy="true" ma:internalName="DevelopmentLanguageTaxHTField0" ma:taxonomyFieldName="DevelopmentLanguage" ma:displayName="Development Language" ma:fieldId="{9443e8c1-0167-4e8b-a49d-6f2a3d032c73}" ma:sspId="e5351508-46ca-4454-b07c-bc767568d5f1" ma:termSetId="956f7e1c-acff-487e-bea5-40f2ac018ac6" ma:anchorId="00000000-0000-0000-0000-000000000000" ma:open="false" ma:isKeyword="false">
+      <xsd:complexType>
+        <xsd:sequence>
+          <xsd:element ref="pc:Terms" minOccurs="0" maxOccurs="1"/>
+        </xsd:sequence>
+      </xsd:complexType>
+    </xsd:element>
+    <xsd:element name="Dimensions" ma:index="47" nillable="true" ma:displayName="Dimensions (pixels)" ma:description="An 'a' x 'b' description, in pixels, of the size of a digital asset. The 'a' will correspond with the x dimension on embedding, the 'b' will correspond with the y dimension on embedding." ma:internalName="Dimensions">
+      <xsd:simpleType>
+        <xsd:restriction base="dms:Text"/>
+      </xsd:simpleType>
+    </xsd:element>
+    <xsd:element name="DistributionChannelTaxHTField0" ma:index="48" nillable="true" ma:taxonomy="true" ma:internalName="DistributionChannelTaxHTField0" ma:taxonomyFieldName="DistributionChannel" ma:displayName="Distribution Channel" ma:fieldId="{983f1b6f-2353-4251-aedb-c8cecc391819}" ma:sspId="e5351508-46ca-4454-b07c-bc767568d5f1" ma:termSetId="a57e7f03-b41b-4c46-9bb1-6e81edfcadfb" ma:anchorId="00000000-0000-0000-0000-000000000000" ma:open="false" ma:isKeyword="false">
+      <xsd:complexType>
+        <xsd:sequence>
+          <xsd:element ref="pc:Terms" minOccurs="0" maxOccurs="1"/>
+        </xsd:sequence>
+      </xsd:complexType>
+    </xsd:element>
+    <xsd:element name="ElementTypeTaxHTField0" ma:index="50" nillable="true" ma:taxonomy="true" ma:internalName="ElementTypeTaxHTField0" ma:taxonomyFieldName="ElementType" ma:displayName="Element Type" ma:fieldId="{bbf38831-a53c-4227-b8de-8d46d25befdb}" ma:sspId="e5351508-46ca-4454-b07c-bc767568d5f1" ma:termSetId="c51e8246-3191-4210-8b39-719aa1ab2f1f" ma:anchorId="00000000-0000-0000-0000-000000000000" ma:open="false" ma:isKeyword="false">
+      <xsd:complexType>
+        <xsd:sequence>
+          <xsd:element ref="pc:Terms" minOccurs="0" maxOccurs="1"/>
+        </xsd:sequence>
+      </xsd:complexType>
+    </xsd:element>
+    <xsd:element name="EnclosureTypeTaxHTField0" ma:index="52" nillable="true" ma:taxonomy="true" ma:internalName="EnclosureTypeTaxHTField0" ma:taxonomyFieldName="EnclosureType" ma:displayName="Enclosure Type" ma:fieldId="{5bbf5d0b-78cf-4f2f-9437-1d5f23b17704}" ma:sspId="e5351508-46ca-4454-b07c-bc767568d5f1" ma:termSetId="f014b166-7374-4898-a6c1-9ab5ee9ec5a6" ma:anchorId="00000000-0000-0000-0000-000000000000" ma:open="false" ma:isKeyword="false">
+      <xsd:complexType>
+        <xsd:sequence>
+          <xsd:element ref="pc:Terms" minOccurs="0" maxOccurs="1"/>
+        </xsd:sequence>
+      </xsd:complexType>
+    </xsd:element>
+    <xsd:element name="ExifApertureValue" ma:index="54" nillable="true" ma:displayName="Exif Aperture Value" ma:internalName="ExifApertureValue">
+      <xsd:simpleType>
+        <xsd:restriction base="dms:Text"/>
+      </xsd:simpleType>
+    </xsd:element>
+    <xsd:element name="ExifArtist" ma:index="55" nillable="true" ma:displayName="Exif Artist" ma:internalName="ExifArtist">
+      <xsd:simpleType>
+        <xsd:restriction base="dms:Text"/>
+      </xsd:simpleType>
+    </xsd:element>
+    <xsd:element name="ExifCopyright" ma:index="56" nillable="true" ma:displayName="Exif Copyright" ma:internalName="ExifCopyright">
+      <xsd:simpleType>
+        <xsd:restriction base="dms:Note"/>
+      </xsd:simpleType>
+    </xsd:element>
+    <xsd:element name="ExifDateTime" ma:index="57" nillable="true" ma:displayName="Exif Date/Time" ma:internalName="ExifDateTime">
+      <xsd:simpleType>
+        <xsd:restriction base="dms:DateTime"/>
+      </xsd:simpleType>
+    </xsd:element>
+    <xsd:element name="ExifExposureBias" ma:index="58" nillable="true" ma:displayName="Exif Exposure Bias" ma:internalName="ExifExposureBias">
+      <xsd:simpleType>
+        <xsd:restriction base="dms:Text"/>
+      </xsd:simpleType>
+    </xsd:element>
+    <xsd:element name="ExifExposureProgramTaxHTField0" ma:index="59" nillable="true" ma:taxonomy="true" ma:internalName="ExifExposureProgramTaxHTField0" ma:taxonomyFieldName="ExifExposureProgram" ma:displayName="Exif Exposure Program" ma:fieldId="{ddde25e8-649e-42bb-aad2-9aa42631c8e3}" ma:sspId="e5351508-46ca-4454-b07c-bc767568d5f1" ma:termSetId="3d299a8e-f306-47c7-9a3b-f4b99152d7f0" ma:anchorId="00000000-0000-0000-0000-000000000000" ma:open="false" ma:isKeyword="false">
+      <xsd:complexType>
+        <xsd:sequence>
+          <xsd:element ref="pc:Terms" minOccurs="0" maxOccurs="1"/>
+        </xsd:sequence>
+      </xsd:complexType>
+    </xsd:element>
+    <xsd:element name="ExifExposureTime" ma:index="61" nillable="true" ma:displayName="Exif Exposure Time (secs)" ma:internalName="ExifExposureTime">
+      <xsd:simpleType>
+        <xsd:restriction base="dms:Text"/>
+      </xsd:simpleType>
+    </xsd:element>
+    <xsd:element name="ExifFNumber" ma:index="62" nillable="true" ma:displayName="Exif F Number" ma:internalName="ExifFNumber">
+      <xsd:simpleType>
+        <xsd:restriction base="dms:Text"/>
+      </xsd:simpleType>
+    </xsd:element>
+    <xsd:element name="ExifFlashFiredStatusTaxHTField0" ma:index="63" nillable="true" ma:taxonomy="true" ma:internalName="ExifFlashFiredStatusTaxHTField0" ma:taxonomyFieldName="ExifFlashFiredStatus" ma:displayName="Exif Flash Fired Status" ma:fieldId="{7eaf37a7-3a9a-4741-bcec-5a33b4a85126}" ma:sspId="e5351508-46ca-4454-b07c-bc767568d5f1" ma:termSetId="9701e068-a386-4d19-a1cc-8591fef293bb" ma:anchorId="00000000-0000-0000-0000-000000000000" ma:open="false" ma:isKeyword="false">
+      <xsd:complexType>
+        <xsd:sequence>
+          <xsd:element ref="pc:Terms" minOccurs="0" maxOccurs="1"/>
+        </xsd:sequence>
+      </xsd:complexType>
+    </xsd:element>
+    <xsd:element name="ExifFlashFunctionTaxHTField0" ma:index="65" nillable="true" ma:taxonomy="true" ma:internalName="ExifFlashFunctionTaxHTField0" ma:taxonomyFieldName="ExifFlashFunction" ma:displayName="Exif Flash Function" ma:fieldId="{b6e1d613-fcef-473c-a776-1ee808475336}" ma:sspId="e5351508-46ca-4454-b07c-bc767568d5f1" ma:termSetId="9c882a45-9e47-4ef9-b176-a8272b58cd29" ma:anchorId="00000000-0000-0000-0000-000000000000" ma:open="false" ma:isKeyword="false">
+      <xsd:complexType>
+        <xsd:sequence>
+          <xsd:element ref="pc:Terms" minOccurs="0" maxOccurs="1"/>
+        </xsd:sequence>
+      </xsd:complexType>
+    </xsd:element>
+    <xsd:element name="ExifFlashModeTaxHTField0" ma:index="67" nillable="true" ma:taxonomy="true" ma:internalName="ExifFlashModeTaxHTField0" ma:taxonomyFieldName="ExifFlashMode" ma:displayName="Exif Flash Mode" ma:fieldId="{52446ffe-0476-4e62-beee-fb994ee4f093}" ma:sspId="e5351508-46ca-4454-b07c-bc767568d5f1" ma:termSetId="690d464e-c60a-426f-9b92-f6d438817c9a" ma:anchorId="00000000-0000-0000-0000-000000000000" ma:open="false" ma:isKeyword="false">
+      <xsd:complexType>
+        <xsd:sequence>
+          <xsd:element ref="pc:Terms" minOccurs="0" maxOccurs="1"/>
+        </xsd:sequence>
+      </xsd:complexType>
+    </xsd:element>
+    <xsd:element name="ExifFlashRedEyeModeTaxHTField0" ma:index="69" nillable="true" ma:taxonomy="true" ma:internalName="ExifFlashRedEyeModeTaxHTField0" ma:taxonomyFieldName="ExifFlashRedEyeMode" ma:displayName="Exif Flash Red-Eye Mode" ma:fieldId="{848556d8-84bc-42c3-bba0-fef5e280ab48}" ma:sspId="e5351508-46ca-4454-b07c-bc767568d5f1" ma:termSetId="89fedbe0-2474-4701-822b-6e4eab73c2c9" ma:anchorId="00000000-0000-0000-0000-000000000000" ma:open="false" ma:isKeyword="false">
+      <xsd:complexType>
+        <xsd:sequence>
+          <xsd:element ref="pc:Terms" minOccurs="0" maxOccurs="1"/>
+        </xsd:sequence>
+      </xsd:complexType>
+    </xsd:element>
+    <xsd:element name="ExifFlashReturnStatusTaxHTField0" ma:index="71" nillable="true" ma:taxonomy="true" ma:internalName="ExifFlashReturnStatusTaxHTField0" ma:taxonomyFieldName="ExifFlashReturnStatus" ma:displayName="Exif Flash Return Status" ma:fieldId="{ae43ecd6-cd57-4252-86b8-92826402a11e}" ma:sspId="e5351508-46ca-4454-b07c-bc767568d5f1" ma:termSetId="d1ffa490-fffa-4a81-a60b-402f2e904cf7" ma:anchorId="00000000-0000-0000-0000-000000000000" ma:open="false" ma:isKeyword="false">
+      <xsd:complexType>
+        <xsd:sequence>
+          <xsd:element ref="pc:Terms" minOccurs="0" maxOccurs="1"/>
+        </xsd:sequence>
+      </xsd:complexType>
+    </xsd:element>
+    <xsd:element name="ExifFocalLength" ma:index="73" nillable="true" ma:displayName="Exif Focal Length (mm)" ma:internalName="ExifFocalLength">
+      <xsd:simpleType>
+        <xsd:restriction base="dms:Text"/>
+      </xsd:simpleType>
+    </xsd:element>
+    <xsd:element name="ExifImageDescription" ma:index="74" nillable="true" ma:displayName="Exif Image Description" ma:internalName="ExifImageDescription">
+      <xsd:simpleType>
+        <xsd:restriction base="dms:Note"/>
+      </xsd:simpleType>
+    </xsd:element>
+    <xsd:element name="ExifISOSpeedRatings" ma:index="75" nillable="true" ma:displayName="Exif ISO Speed Ratings" ma:internalName="ExifISOSpeedRatings">
+      <xsd:simpleType>
+        <xsd:restriction base="dms:Text"/>
+      </xsd:simpleType>
+    </xsd:element>
+    <xsd:element name="ExifLightSourceTaxHTField0" ma:index="76" nillable="true" ma:taxonomy="true" ma:internalName="ExifLightSourceTaxHTField0" ma:taxonomyFieldName="ExifLightSource" ma:displayName="Exif Light Source" ma:fieldId="{6b0d85e4-9b4f-4d5c-b8de-1aaecd3b6469}" ma:sspId="e5351508-46ca-4454-b07c-bc767568d5f1" ma:termSetId="f93d0ed6-abd5-42b1-abb2-11944d251bad" ma:anchorId="00000000-0000-0000-0000-000000000000" ma:open="false" ma:isKeyword="false">
+      <xsd:complexType>
+        <xsd:sequence>
+          <xsd:element ref="pc:Terms" minOccurs="0" maxOccurs="1"/>
+        </xsd:sequence>
+      </xsd:complexType>
+    </xsd:element>
+    <xsd:element name="ExifMake" ma:index="78" nillable="true" ma:displayName="Exif Make" ma:internalName="ExifMake">
+      <xsd:simpleType>
+        <xsd:restriction base="dms:Text"/>
+      </xsd:simpleType>
+    </xsd:element>
+    <xsd:element name="ExifMaxApertureValue" ma:index="79" nillable="true" ma:displayName="Exif Max Aperture Value" ma:internalName="ExifMaxApertureValue">
+      <xsd:simpleType>
+        <xsd:restriction base="dms:Text"/>
+      </xsd:simpleType>
+    </xsd:element>
+    <xsd:element name="ExifMeteringModeTaxHTField0" ma:index="80" nillable="true" ma:taxonomy="true" ma:internalName="ExifMeteringModeTaxHTField0" ma:taxonomyFieldName="ExifMeteringMode" ma:displayName="Exif Metering Mode" ma:fieldId="{cea024d1-1c48-469f-ad4e-8ba4f6444450}" ma:sspId="e5351508-46ca-4454-b07c-bc767568d5f1" ma:termSetId="e16b75cc-aa40-46b2-ae09-2779d7cc5afd" ma:anchorId="00000000-0000-0000-0000-000000000000" ma:open="false" ma:isKeyword="false">
+      <xsd:complexType>
+        <xsd:sequence>
+          <xsd:element ref="pc:Terms" minOccurs="0" maxOccurs="1"/>
+        </xsd:sequence>
+      </xsd:complexType>
+    </xsd:element>
+    <xsd:element name="ExifModel" ma:index="82" nillable="true" ma:displayName="Exif Model" ma:internalName="ExifModel">
+      <xsd:simpleType>
+        <xsd:restriction base="dms:Text"/>
+      </xsd:simpleType>
+    </xsd:element>
+    <xsd:element name="ExifSensingMethodTaxHTField0" ma:index="83" nillable="true" ma:taxonomy="true" ma:internalName="ExifSensingMethodTaxHTField0" ma:taxonomyFieldName="ExifSensingMethod" ma:displayName="Exif Sensing Method" ma:fieldId="{d7a930e9-a959-4bcd-978c-c548191e3a13}" ma:sspId="e5351508-46ca-4454-b07c-bc767568d5f1" ma:termSetId="d9ddfd10-0637-40ad-9805-ee7c3df64fd9" ma:anchorId="00000000-0000-0000-0000-000000000000" ma:open="false" ma:isKeyword="false">
+      <xsd:complexType>
+        <xsd:sequence>
+          <xsd:element ref="pc:Terms" minOccurs="0" maxOccurs="1"/>
+        </xsd:sequence>
+      </xsd:complexType>
+    </xsd:element>
+    <xsd:element name="ExifShutterSpeed" ma:index="85" nillable="true" ma:displayName="Exif Shutter Speed" ma:internalName="ExifShutterSpeed">
+      <xsd:simpleType>
+        <xsd:restriction base="dms:Text"/>
+      </xsd:simpleType>
+    </xsd:element>
+    <xsd:element name="ExifSoftware" ma:index="86" nillable="true" ma:displayName="Exif Software" ma:internalName="ExifSoftware">
+      <xsd:simpleType>
+        <xsd:restriction base="dms:Text"/>
+      </xsd:simpleType>
+    </xsd:element>
+    <xsd:element name="ExifSubjectDistance" ma:index="87" nillable="true" ma:displayName="Exif Subject Distance (m)" ma:internalName="ExifSubjectDistance">
+      <xsd:simpleType>
+        <xsd:restriction base="dms:Text"/>
+      </xsd:simpleType>
+    </xsd:element>
+    <xsd:element name="FlashFrameCount" ma:index="88" nillable="true" ma:displayName="Flash Frame Count" ma:internalName="FlashFrameCount">
+      <xsd:simpleType>
+        <xsd:restriction base="dms:Text"/>
+      </xsd:simpleType>
+    </xsd:element>
+    <xsd:element name="FlashFrameRate" ma:index="89" nillable="true" ma:displayName="Flash Frame Rate" ma:internalName="FlashFrameRate">
+      <xsd:simpleType>
+        <xsd:restriction base="dms:Text"/>
+      </xsd:simpleType>
+    </xsd:element>
+    <xsd:element name="GeographyTaxHTField0" ma:index="90" nillable="true" ma:taxonomy="true" ma:internalName="GeographyTaxHTField0" ma:taxonomyFieldName="Geography" ma:displayName="Geography" ma:fieldId="{24303334-cab5-4bd3-b623-47749fc5e9eb}" ma:sspId="e5351508-46ca-4454-b07c-bc767568d5f1" ma:termSetId="7c2605be-78b7-4ca2-8f6f-ab279c096aae" ma:anchorId="00000000-0000-0000-0000-000000000000" ma:open="false" ma:isKeyword="false">
+      <xsd:complexType>
+        <xsd:sequence>
+          <xsd:element ref="pc:Terms" minOccurs="0" maxOccurs="1"/>
+        </xsd:sequence>
+      </xsd:complexType>
+    </xsd:element>
+    <xsd:element name="HorizontalBusinessSolutionsTaxHTField0" ma:index="92" nillable="true" ma:taxonomy="true" ma:internalName="HorizontalBusinessSolutionsTaxHTField0" ma:taxonomyFieldName="HorizontalBusinessSolutions" ma:displayName="Horizontal Business Solutions" ma:fieldId="{1f6fc77f-0a05-444f-b580-5273ce073f35}" ma:sspId="e5351508-46ca-4454-b07c-bc767568d5f1" ma:termSetId="32a6d413-5b83-45ba-9a5a-a9dc090eb5f3" ma:anchorId="00000000-0000-0000-0000-000000000000" ma:open="false" ma:isKeyword="false">
+      <xsd:complexType>
+        <xsd:sequence>
+          <xsd:element ref="pc:Terms" minOccurs="0" maxOccurs="1"/>
+        </xsd:sequence>
+      </xsd:complexType>
+    </xsd:element>
+    <xsd:element name="ImageColorScheme" ma:index="94" nillable="true" ma:displayName="Image Color Scheme" ma:internalName="ImageColorScheme">
+      <xsd:simpleType>
+        <xsd:restriction base="dms:Text"/>
+      </xsd:simpleType>
+    </xsd:element>
+    <xsd:element name="IndividualCustomerSegmentTaxHTField0" ma:index="95" nillable="true" ma:taxonomy="true" ma:internalName="IndividualCustomerSegmentTaxHTField0" ma:taxonomyFieldName="IndividualCustomerSegment" ma:displayName="Individual Customer Segment" ma:fieldId="{fa9edc89-ce41-4c39-b86d-f74418462223}" ma:taxonomyMulti="true" ma:sspId="e5351508-46ca-4454-b07c-bc767568d5f1" ma:termSetId="f0f0c54d-2fd3-4e10-9b8d-0e0ce4e7c7b5" ma:anchorId="00000000-0000-0000-0000-000000000000" ma:open="false" ma:isKeyword="false">
+      <xsd:complexType>
+        <xsd:sequence>
+          <xsd:element ref="pc:Terms" minOccurs="0" maxOccurs="1"/>
+        </xsd:sequence>
+      </xsd:complexType>
+    </xsd:element>
+    <xsd:element name="JobRoleTaxHTField0" ma:index="97" nillable="true" ma:taxonomy="true" ma:internalName="JobRoleTaxHTField0" ma:taxonomyFieldName="JobRole" ma:displayName="Job Role" ma:fieldId="{b4b50c45-89f6-4522-bed7-6409ceff1821}" ma:sspId="e5351508-46ca-4454-b07c-bc767568d5f1" ma:termSetId="4c56d73e-b2de-49cb-b3d6-df32a18b8190" ma:anchorId="00000000-0000-0000-0000-000000000000" ma:open="false" ma:isKeyword="false">
+      <xsd:complexType>
+        <xsd:sequence>
+          <xsd:element ref="pc:Terms" minOccurs="0" maxOccurs="1"/>
+        </xsd:sequence>
+      </xsd:complexType>
+    </xsd:element>
+    <xsd:element name="USBMOLanguageTaxHTField0" ma:index="99" nillable="true" ma:taxonomy="true" ma:internalName="USBMOLanguageTaxHTField0" ma:taxonomyFieldName="USBMOLanguage" ma:displayName="Language" ma:default="159;#English|a5ff94d2-1ec6-4a3d-91b6-499704bb2bfb" ma:fieldId="{3001d2cb-27cc-488b-a6e3-9409191fe5d7}" ma:taxonomyMulti="true" ma:sspId="e5351508-46ca-4454-b07c-bc767568d5f1" ma:termSetId="caf07f1e-e70a-418c-a826-56f67c3ab232" ma:anchorId="00000000-0000-0000-0000-000000000000" ma:open="false" ma:isKeyword="false">
+      <xsd:complexType>
+        <xsd:sequence>
+          <xsd:element ref="pc:Terms" minOccurs="0" maxOccurs="1"/>
+        </xsd:sequence>
+      </xsd:complexType>
+    </xsd:element>
+    <xsd:element name="LocaleTaxHTField0" ma:index="101" nillable="true" ma:taxonomy="true" ma:internalName="LocaleTaxHTField0" ma:taxonomyFieldName="Locale" ma:displayName="Locale" ma:default="160;#en-us|d9a69bff-8288-4080-b994-75d8eae21b51" ma:fieldId="{102aee01-d407-45ff-964e-888f51184492}" ma:taxonomyMulti="true" ma:sspId="e5351508-46ca-4454-b07c-bc767568d5f1" ma:termSetId="c75b77a0-de14-4dfe-b43c-1de41e586b08" ma:anchorId="00000000-0000-0000-0000-000000000000" ma:open="false" ma:isKeyword="false">
+      <xsd:complexType>
+        <xsd:sequence>
+          <xsd:element ref="pc:Terms" minOccurs="0" maxOccurs="1"/>
+        </xsd:sequence>
+      </xsd:complexType>
+    </xsd:element>
+    <xsd:element name="LCID" ma:index="103" nillable="true" ma:displayName="LCID" ma:internalName="LCID">
+      <xsd:simpleType>
+        <xsd:restriction base="dms:Text"/>
+      </xsd:simpleType>
+    </xsd:element>
+    <xsd:element name="LegacyID" ma:index="104" nillable="true" ma:displayName="Legacy ID" ma:hidden="true" ma:internalName="LegacyID" ma:readOnly="false">
+      <xsd:simpleType>
+        <xsd:restriction base="dms:Text"/>
+      </xsd:simpleType>
+    </xsd:element>
+    <xsd:element name="MediaPlayLength" ma:index="105" nillable="true" ma:displayName="Media Play Length (hour:minute:seconds)" ma:internalName="MediaPlayLength">
+      <xsd:simpleType>
+        <xsd:restriction base="dms:Text"/>
+      </xsd:simpleType>
+    </xsd:element>
+    <xsd:element name="Syndicatable" ma:index="106" nillable="true" ma:displayName="OK to Syndicate" ma:default="0" ma:description="An indication of whether the asset should be released to the Metadata Management module when it is published and approved by the content management environment. By default, this item should NOT be checked." ma:internalName="Syndicatable">
+      <xsd:simpleType>
+        <xsd:restriction base="dms:Boolean"/>
+      </xsd:simpleType>
+    </xsd:element>
+    <xsd:element name="OrganizationalCustomerSegmentTaxHTField0" ma:index="107" nillable="true" ma:taxonomy="true" ma:internalName="OrganizationalCustomerSegmentTaxHTField0" ma:taxonomyFieldName="OrganizationalCustomerSegment" ma:displayName="Organizational Customer Segment" ma:fieldId="{51a040c1-67fd-4b51-be2d-039858b15bc0}" ma:taxonomyMulti="true" ma:sspId="e5351508-46ca-4454-b07c-bc767568d5f1" ma:termSetId="f0f8d20e-9d97-438e-9ed3-4fbd54a90c1d" ma:anchorId="00000000-0000-0000-0000-000000000000" ma:open="false" ma:isKeyword="false">
+      <xsd:complexType>
+        <xsd:sequence>
+          <xsd:element ref="pc:Terms" minOccurs="0" maxOccurs="1"/>
+        </xsd:sequence>
+      </xsd:complexType>
+    </xsd:element>
+    <xsd:element name="OriginalCreator" ma:index="109" nillable="true" ma:displayName="Original Creator" ma:description="This field will be used to indicate the source for the item. It is not necessarily the same as the Responsible Group." ma:internalName="OriginalCreator">
+      <xsd:simpleType>
+        <xsd:restriction base="dms:Text"/>
+      </xsd:simpleType>
+    </xsd:element>
+    <xsd:element name="PageCount" ma:index="110" nillable="true" ma:displayName="Page Count" ma:internalName="PageCount">
+      <xsd:simpleType>
+        <xsd:restriction base="dms:Text"/>
+      </xsd:simpleType>
+    </xsd:element>
+    <xsd:element name="PartNo" ma:index="111" nillable="true" ma:displayName="Part No" ma:internalName="PartNo">
+      <xsd:simpleType>
+        <xsd:restriction base="dms:Text"/>
+      </xsd:simpleType>
+    </xsd:element>
+    <xsd:element name="PhotoshopCaption" ma:index="112" nillable="true" ma:displayName="Photoshop Caption" ma:internalName="PhotoshopCaption">
+      <xsd:simpleType>
+        <xsd:restriction base="dms:Note"/>
+      </xsd:simpleType>
+    </xsd:element>
+    <xsd:element name="PhotoshopCopyrightNotice" ma:index="113" nillable="true" ma:displayName="Photoshop Copyright Notice" ma:internalName="PhotoshopCopyrightNotice">
+      <xsd:simpleType>
+        <xsd:restriction base="dms:Note"/>
+      </xsd:simpleType>
+    </xsd:element>
+    <xsd:element name="PhotoshopCopyrightStatusTaxHTField0" ma:index="114" nillable="true" ma:taxonomy="true" ma:internalName="PhotoshopCopyrightStatusTaxHTField0" ma:taxonomyFieldName="PhotoshopCopyrightStatus" ma:displayName="Photoshop Copyright Status" ma:fieldId="{2335001f-708b-4788-9517-b420d42537e4}" ma:sspId="e5351508-46ca-4454-b07c-bc767568d5f1" ma:termSetId="00f52058-0726-4f92-9b3a-b7b625f0836d" ma:anchorId="00000000-0000-0000-0000-000000000000" ma:open="false" ma:isKeyword="false">
+      <xsd:complexType>
+        <xsd:sequence>
+          <xsd:element ref="pc:Terms" minOccurs="0" maxOccurs="1"/>
+        </xsd:sequence>
+      </xsd:complexType>
+    </xsd:element>
+    <xsd:element name="PhotoshopDateCreated" ma:index="116" nillable="true" ma:displayName="Photoshop Date Created" ma:internalName="PhotoshopDateCreated">
+      <xsd:simpleType>
+        <xsd:restriction base="dms:Text"/>
+      </xsd:simpleType>
+    </xsd:element>
+    <xsd:element name="ProductsTaxHTField0" ma:index="117" nillable="true" ma:taxonomy="true" ma:internalName="ProductsTaxHTField0" ma:taxonomyFieldName="Products" ma:displayName="Products" ma:fieldId="{2508cca7-303f-4eb3-beb8-f072fc69cba1}" ma:taxonomyMulti="true" ma:sspId="e5351508-46ca-4454-b07c-bc767568d5f1" ma:termSetId="f25997de-c637-4768-9183-fcd82082cd39" ma:anchorId="00000000-0000-0000-0000-000000000000" ma:open="false" ma:isKeyword="false">
+      <xsd:complexType>
+        <xsd:sequence>
+          <xsd:element ref="pc:Terms" minOccurs="0" maxOccurs="1"/>
+        </xsd:sequence>
+      </xsd:complexType>
+    </xsd:element>
+    <xsd:element name="ProductAreaTaxHTField0" ma:index="119" nillable="true" ma:taxonomy="true" ma:internalName="ProductAreaTaxHTField0" ma:taxonomyFieldName="ProductArea" ma:displayName="Product Area" ma:fieldId="{745efb83-9c2f-4366-afe0-1ade51570421}" ma:taxonomyMulti="true" ma:sspId="e5351508-46ca-4454-b07c-bc767568d5f1" ma:termSetId="f25997de-c637-4768-9183-fcd82082cd39" ma:anchorId="00000000-0000-0000-0000-000000000000" ma:open="false" ma:isKeyword="false">
+      <xsd:complexType>
+        <xsd:sequence>
+          <xsd:element ref="pc:Terms" minOccurs="0" maxOccurs="1"/>
+        </xsd:sequence>
+      </xsd:complexType>
+    </xsd:element>
+    <xsd:element name="ProfileColorSpace" ma:index="121" nillable="true" ma:displayName="Profile Color Space" ma:internalName="ProfileColorSpace">
+      <xsd:simpleType>
+        <xsd:restriction base="dms:Text"/>
+      </xsd:simpleType>
+    </xsd:element>
+    <xsd:element name="ProfileDescription" ma:index="122" nillable="true" ma:displayName="Profile Description" ma:internalName="ProfileDescription">
+      <xsd:simpleType>
+        <xsd:restriction base="dms:Text"/>
+      </xsd:simpleType>
+    </xsd:element>
+    <xsd:element name="PublicationDate" ma:index="123" nillable="true" ma:displayName="Publication Date" ma:internalName="PublicationDate">
+      <xsd:simpleType>
+        <xsd:restriction base="dms:DateTime"/>
+      </xsd:simpleType>
+    </xsd:element>
+    <xsd:element name="Resolution" ma:index="124" nillable="true" ma:displayName="Resolution (ppi)" ma:internalName="Resolution">
+      <xsd:simpleType>
+        <xsd:restriction base="dms:Text"/>
+      </xsd:simpleType>
+    </xsd:element>
+    <xsd:element name="ResponsibleGroup" ma:index="125" nillable="true" ma:displayName="Responsible Group" ma:internalName="ResponsibleGroup">
+      <xsd:simpleType>
+        <xsd:restriction base="dms:Text"/>
+      </xsd:simpleType>
+    </xsd:element>
+    <xsd:element name="SEOMetaDescription" ma:index="126" nillable="true" ma:displayName="SEO Meta Description" ma:internalName="SEOMetaDescription">
+      <xsd:simpleType>
+        <xsd:restriction base="dms:Text"/>
+      </xsd:simpleType>
+    </xsd:element>
+    <xsd:element name="SEOMetaKeywords" ma:index="127" nillable="true" ma:displayName="SEO Meta Keywords" ma:internalName="SEOMetaKeywords">
+      <xsd:simpleType>
+        <xsd:restriction base="dms:Text"/>
+      </xsd:simpleType>
+    </xsd:element>
+    <xsd:element name="SEOMetaTitle" ma:index="128" nillable="true" ma:displayName="SEO Meta Title" ma:internalName="SEOMetaTitle">
+      <xsd:simpleType>
+        <xsd:restriction base="dms:Text"/>
+      </xsd:simpleType>
+    </xsd:element>
+    <xsd:element name="SEOPrettyURL" ma:index="129" nillable="true" ma:displayName="SEO Pretty URL" ma:internalName="SEOPrettyURL">
+      <xsd:simpleType>
+        <xsd:restriction base="dms:Text"/>
+      </xsd:simpleType>
+    </xsd:element>
+    <xsd:element name="SolutionTaxHTField0" ma:index="130" nillable="true" ma:taxonomy="true" ma:internalName="SolutionTaxHTField0" ma:taxonomyFieldName="Solution" ma:displayName="Solutions" ma:default="" ma:fieldId="{ee98faac-7351-4283-815d-8f0ce67cad01}" ma:taxonomyMulti="true" ma:sspId="e5351508-46ca-4454-b07c-bc767568d5f1" ma:termSetId="b6610717-588c-474d-93c2-a3d36086895a" ma:anchorId="00000000-0000-0000-0000-000000000000" ma:open="false" ma:isKeyword="false">
+      <xsd:complexType>
+        <xsd:sequence>
+          <xsd:element ref="pc:Terms" minOccurs="0" maxOccurs="1"/>
+        </xsd:sequence>
+      </xsd:complexType>
+    </xsd:element>
+    <xsd:element name="SyndicationEndDate" ma:index="132" nillable="true" ma:displayName="Syndication End Date" ma:description="This field will be used to indicate the date on which syndicated content from this field will no longer be delivered to the site producer." ma:internalName="SyndicationEndDate">
+      <xsd:simpleType>
+        <xsd:restriction base="dms:DateTime"/>
+      </xsd:simpleType>
+    </xsd:element>
+    <xsd:element name="SyndicationStartDate" ma:index="133" nillable="true" ma:displayName="Syndication Start Date" ma:description="This field will be used to indicate the date on which syndicated content from this feed will be delivered to the site producer. By default the date the feed was created will be entered into this field." ma:internalName="SyndicationStartDate">
+      <xsd:simpleType>
+        <xsd:restriction base="dms:DateTime"/>
+      </xsd:simpleType>
+    </xsd:element>
+    <xsd:element name="SyndicationURL" ma:index="134" nillable="true" ma:displayName="Syndication URL" ma:description="This field will be used to store HTML code that can be used by content syndicators who would like to embed an URL to the item in their content. As further described in the rights/delivery management section of this document, the embed URL may include a built-in Silverlight-based player. The player user experience will be specified via the Enclosure Type field. When implemented, this field would also be used to specify the location on a content distribution network where the asset is to be streamed. Note that this is the URL MASS displays to properly move the user through the reporting redirection module." ma:indexed="true" ma:internalName="SyndicationURL">
+      <xsd:simpleType>
+        <xsd:restriction base="dms:Text">
+          <xsd:maxLength value="255"/>
+        </xsd:restriction>
+      </xsd:simpleType>
+    </xsd:element>
+    <xsd:element name="UTCOffset" ma:index="135" nillable="true" ma:displayName="UTC Offset" ma:default="" ma:description="Time zone offset from UTC." ma:internalName="UTCOffset">
+      <xsd:simpleType>
+        <xsd:restriction base="dms:Text"/>
+      </xsd:simpleType>
+    </xsd:element>
+    <xsd:element name="VerticalIndustryTaxHTField0" ma:index="136" nillable="true" ma:taxonomy="true" ma:internalName="VerticalIndustryTaxHTField0" ma:taxonomyFieldName="VerticalIndustry" ma:displayName="Vertical Industry" ma:fieldId="{72ac98a0-0cec-4143-b06f-8df46676315d}" ma:taxonomyMulti="true" ma:sspId="e5351508-46ca-4454-b07c-bc767568d5f1" ma:termSetId="c96753b9-a215-4eae-b7d3-a5549f1e2331" ma:anchorId="00000000-0000-0000-0000-000000000000" ma:open="false" ma:isKeyword="false">
+      <xsd:complexType>
+        <xsd:sequence>
+          <xsd:element ref="pc:Terms" minOccurs="0" maxOccurs="1"/>
+        </xsd:sequence>
+      </xsd:complexType>
+    </xsd:element>
+    <xsd:element name="VideoBitRate" ma:index="138" nillable="true" ma:displayName="Video Bit Rate" ma:internalName="VideoBitRate">
+      <xsd:simpleType>
+        <xsd:restriction base="dms:Text"/>
+      </xsd:simpleType>
+    </xsd:element>
+    <xsd:element name="VideoCodec" ma:index="139" nillable="true" ma:displayName="Video Codec" ma:internalName="VideoCodec">
+      <xsd:simpleType>
+        <xsd:restriction base="dms:Text"/>
+      </xsd:simpleType>
+    </xsd:element>
+    <xsd:element name="VideoFrameRate" ma:index="140" nillable="true" ma:displayName="Video Frame Rate" ma:internalName="VideoFrameRate">
+      <xsd:simpleType>
+        <xsd:restriction base="dms:Text"/>
+      </xsd:simpleType>
+    </xsd:element>
+    <xsd:element name="VideoFrames" ma:index="141" nillable="true" ma:displayName="Video Frames" ma:internalName="VideoFrames">
+      <xsd:simpleType>
+        <xsd:restriction base="dms:Text"/>
+      </xsd:simpleType>
+    </xsd:element>
+    <xsd:element name="VideoPreviewSize" ma:index="142" nillable="true" ma:displayName="Video Preview Size" ma:internalName="VideoPreviewSize">
+      <xsd:simpleType>
+        <xsd:restriction base="dms:Text"/>
+      </xsd:simpleType>
+    </xsd:element>
+  </xsd:schema>
+  <xsd:schema xmlns="http://schemas.openxmlformats.org/package/2006/metadata/core-properties" xmlns:xsd="http://www.w3.org/2001/XMLSchema" xmlns:xsi="http://www.w3.org/2001/XMLSchema-instance" xmlns:dc="http://purl.org/dc/elements/1.1/" xmlns:dcterms="http://purl.org/dc/terms/" xmlns:odoc="http://schemas.microsoft.com/internal/obd" targetNamespace="http://schemas.openxmlformats.org/package/2006/metadata/core-properties" elementFormDefault="qualified" attributeFormDefault="unqualified" blockDefault="#all">
+    <xsd:import namespace="http://purl.org/dc/elements/1.1/" schemaLocation="http://dublincore.org/schemas/xmls/qdc/2003/04/02/dc.xsd"/>
+    <xsd:import namespace="http://purl.org/dc/terms/" schemaLocation="http://dublincore.org/schemas/xmls/qdc/2003/04/02/dcterms.xsd"/>
+    <xsd:element name="coreProperties" type="CT_coreProperties"/>
+    <xsd:complexType name="CT_coreProperties">
+      <xsd:all>
+        <xsd:element ref="dc:creator" minOccurs="0" maxOccurs="1" ma:index="24" ma:displayName="Author"/>
+        <xsd:element ref="dcterms:created" minOccurs="0" maxOccurs="1"/>
+        <xsd:element ref="dc:identifier" minOccurs="0" maxOccurs="1"/>
+        <xsd:element name="contentType" minOccurs="0" maxOccurs="1" type="xsd:string" ma:index="0" ma:displayName="Content Type"/>
+        <xsd:element ref="dc:title" minOccurs="0" maxOccurs="1" ma:index="4" ma:displayName="Title"/>
+        <xsd:element ref="dc:subject" minOccurs="0" maxOccurs="1"/>
+        <xsd:element ref="dc:description" minOccurs="0" maxOccurs="1" ma:index="23" ma:displayName="Comments"/>
+        <xsd:element name="keywords" minOccurs="0" maxOccurs="1" type="xsd:string" ma:index="14" ma:displayName="Keywords"/>
+        <xsd:element ref="dc:language" minOccurs="0" maxOccurs="1"/>
+        <xsd:element name="category" minOccurs="0" maxOccurs="1" type="xsd:string"/>
+        <xsd:element name="version" minOccurs="0" maxOccurs="1" type="xsd:string"/>
+        <xsd:element name="revision" minOccurs="0" maxOccurs="1" type="xsd:string">
+          <xsd:annotation>
+            <xsd:documentation>
+                        This value indicates the number of saves or revisions. The application is responsible for updating this value after each revision.
+                    </xsd:documentation>
+          </xsd:annotation>
+        </xsd:element>
+        <xsd:element name="lastModifiedBy" minOccurs="0" maxOccurs="1" type="xsd:string"/>
+        <xsd:element ref="dcterms:modified" minOccurs="0" maxOccurs="1"/>
+        <xsd:element name="contentStatus" minOccurs="0" maxOccurs="1" type="xsd:string"/>
+      </xsd:all>
+    </xsd:complexType>
+  </xsd:schema>
+  <xs:schema xmlns:pc="http://schemas.microsoft.com/office/infopath/2007/PartnerControls" xmlns:xs="http://www.w3.org/2001/XMLSchema" targetNamespace="http://schemas.microsoft.com/office/infopath/2007/PartnerControls" elementFormDefault="qualified" attributeFormDefault="unqualified">
+    <xs:element name="Person">
+      <xs:complexType>
+        <xs:sequence>
+          <xs:element ref="pc:DisplayName" minOccurs="0"/>
+          <xs:element ref="pc:AccountId" minOccurs="0"/>
+          <xs:element ref="pc:AccountType" minOccurs="0"/>
+        </xs:sequence>
+      </xs:complexType>
+    </xs:element>
+    <xs:element name="DisplayName" type="xs:string"/>
+    <xs:element name="AccountId" type="xs:string"/>
+    <xs:element name="AccountType" type="xs:string"/>
+    <xs:element name="BDCAssociatedEntity">
+      <xs:complexType>
+        <xs:sequence>
+          <xs:element ref="pc:BDCEntity" minOccurs="0" maxOccurs="unbounded"/>
+        </xs:sequence>
+        <xs:attribute ref="pc:EntityNamespace"/>
+        <xs:attribute ref="pc:EntityName"/>
+        <xs:attribute ref="pc:SystemInstanceName"/>
+        <xs:attribute ref="pc:AssociationName"/>
+      </xs:complexType>
+    </xs:element>
+    <xs:attribute name="EntityNamespace" type="xs:string"/>
+    <xs:attribute name="EntityName" type="xs:string"/>
+    <xs:attribute name="SystemInstanceName" type="xs:string"/>
+    <xs:attribute name="AssociationName" type="xs:string"/>
+    <xs:element name="BDCEntity">
+      <xs:complexType>
+        <xs:sequence>
+          <xs:element ref="pc:EntityDisplayName" minOccurs="0"/>
+          <xs:element ref="pc:EntityInstanceReference" minOccurs="0"/>
+          <xs:element ref="pc:EntityId1" minOccurs="0"/>
+          <xs:element ref="pc:EntityId2" minOccurs="0"/>
+          <xs:element ref="pc:EntityId3" minOccurs="0"/>
+          <xs:element ref="pc:EntityId4" minOccurs="0"/>
+          <xs:element ref="pc:EntityId5" minOccurs="0"/>
+        </xs:sequence>
+      </xs:complexType>
+    </xs:element>
+    <xs:element name="EntityDisplayName" type="xs:string"/>
+    <xs:element name="EntityInstanceReference" type="xs:string"/>
+    <xs:element name="EntityId1" type="xs:string"/>
+    <xs:element name="EntityId2" type="xs:string"/>
+    <xs:element name="EntityId3" type="xs:string"/>
+    <xs:element name="EntityId4" type="xs:string"/>
+    <xs:element name="EntityId5" type="xs:string"/>
+    <xs:element name="Terms">
+      <xs:complexType>
+        <xs:sequence>
+          <xs:element ref="pc:TermInfo" minOccurs="0" maxOccurs="unbounded"/>
+        </xs:sequence>
+      </xs:complexType>
+    </xs:element>
+    <xs:element name="TermInfo">
+      <xs:complexType>
+        <xs:sequence>
+          <xs:element ref="pc:TermName" minOccurs="0"/>
+          <xs:element ref="pc:TermId" minOccurs="0"/>
+        </xs:sequence>
+      </xs:complexType>
+    </xs:element>
+    <xs:element name="TermName" type="xs:string"/>
+    <xs:element name="TermId" type="xs:string"/>
+  </xs:schema>
+</ct:contentTypeSchema>
+</file>
+
 <file path=customXml/item4.xml><?xml version="1.0" encoding="utf-8"?>
 <?mso-contentType ?>
 <SharedContentType xmlns="Microsoft.SharePoint.Taxonomy.ContentTypeSync" SourceId="e5351508-46ca-4454-b07c-bc767568d5f1" ContentTypeId="0x0101009148F5A04DDD49CBA7127AADA5FB792B00AADE34325A8B49CDA8BB4DB53328F2140042A8F7EFA3D8428BA83C1DD618D41277" PreviousValue="false"/>
 </file>
 
 <file path=customXml/itemProps1.xml><?xml version="1.0" encoding="utf-8"?>
+<ds:datastoreItem xmlns:ds="http://schemas.openxmlformats.org/officeDocument/2006/customXml" ds:itemID="{F990F116-B58F-4255-B05B-DA3808E0E5C6}">
+  <ds:schemaRefs>
+    <ds:schemaRef ds:uri="EB693DEA-2256-4DD9-8FF3-783287AC6516"/>
+    <ds:schemaRef ds:uri="http://purl.org/dc/terms/"/>
+    <ds:schemaRef ds:uri="http://schemas.microsoft.com/sharepoint/v3"/>
+    <ds:schemaRef ds:uri="http://purl.org/dc/dcmitype/"/>
+    <ds:schemaRef ds:uri="2f90a3b6-08c8-4148-8fff-0427b40d8fc9"/>
+    <ds:schemaRef ds:uri="http://schemas.microsoft.com/office/infopath/2007/PartnerControls"/>
+    <ds:schemaRef ds:uri="http://schemas.microsoft.com/office/2006/documentManagement/types"/>
+    <ds:schemaRef ds:uri="http://schemas.microsoft.com/office/2006/metadata/properties"/>
+    <ds:schemaRef ds:uri="http://schemas.openxmlformats.org/package/2006/metadata/core-properties"/>
+    <ds:schemaRef ds:uri="http://schemas.microsoft.com/sharepoint/v3/fields"/>
+    <ds:schemaRef ds:uri="http://www.w3.org/XML/1998/namespace"/>
+    <ds:schemaRef ds:uri="http://purl.org/dc/elements/1.1/"/>
+  </ds:schemaRefs>
+</ds:datastoreItem>
+</file>
+
+<file path=customXml/itemProps2.xml><?xml version="1.0" encoding="utf-8"?>
+<ds:datastoreItem xmlns:ds="http://schemas.openxmlformats.org/officeDocument/2006/customXml" ds:itemID="{758FDAC0-319D-4A54-8D8E-1D42CB1F8004}">
+  <ds:schemaRefs>
+    <ds:schemaRef ds:uri="http://schemas.microsoft.com/sharepoint/v3/contenttype/forms"/>
+  </ds:schemaRefs>
+</ds:datastoreItem>
+</file>
+
+<file path=customXml/itemProps3.xml><?xml version="1.0" encoding="utf-8"?>
 <ds:datastoreItem xmlns:ds="http://schemas.openxmlformats.org/officeDocument/2006/customXml" ds:itemID="{6B483272-BB1A-4A0C-8602-152493755C34}">
   <ds:schemaRefs>
     <ds:schemaRef ds:uri="http://schemas.microsoft.com/office/2006/metadata/contentType"/>
@@ -8935,33 +8983,6 @@
 </ds:datastoreItem>
 </file>
 
-<file path=customXml/itemProps2.xml><?xml version="1.0" encoding="utf-8"?>
-<ds:datastoreItem xmlns:ds="http://schemas.openxmlformats.org/officeDocument/2006/customXml" ds:itemID="{758FDAC0-319D-4A54-8D8E-1D42CB1F8004}">
-  <ds:schemaRefs>
-    <ds:schemaRef ds:uri="http://schemas.microsoft.com/sharepoint/v3/contenttype/forms"/>
-  </ds:schemaRefs>
-</ds:datastoreItem>
-</file>
-
-<file path=customXml/itemProps3.xml><?xml version="1.0" encoding="utf-8"?>
-<ds:datastoreItem xmlns:ds="http://schemas.openxmlformats.org/officeDocument/2006/customXml" ds:itemID="{F990F116-B58F-4255-B05B-DA3808E0E5C6}">
-  <ds:schemaRefs>
-    <ds:schemaRef ds:uri="EB693DEA-2256-4DD9-8FF3-783287AC6516"/>
-    <ds:schemaRef ds:uri="http://purl.org/dc/terms/"/>
-    <ds:schemaRef ds:uri="http://schemas.microsoft.com/sharepoint/v3"/>
-    <ds:schemaRef ds:uri="http://purl.org/dc/dcmitype/"/>
-    <ds:schemaRef ds:uri="2f90a3b6-08c8-4148-8fff-0427b40d8fc9"/>
-    <ds:schemaRef ds:uri="http://schemas.microsoft.com/office/infopath/2007/PartnerControls"/>
-    <ds:schemaRef ds:uri="http://schemas.microsoft.com/office/2006/documentManagement/types"/>
-    <ds:schemaRef ds:uri="http://schemas.microsoft.com/office/2006/metadata/properties"/>
-    <ds:schemaRef ds:uri="http://schemas.openxmlformats.org/package/2006/metadata/core-properties"/>
-    <ds:schemaRef ds:uri="http://schemas.microsoft.com/sharepoint/v3/fields"/>
-    <ds:schemaRef ds:uri="http://www.w3.org/XML/1998/namespace"/>
-    <ds:schemaRef ds:uri="http://purl.org/dc/elements/1.1/"/>
-  </ds:schemaRefs>
-</ds:datastoreItem>
-</file>
-
 <file path=customXml/itemProps4.xml><?xml version="1.0" encoding="utf-8"?>
 <ds:datastoreItem xmlns:ds="http://schemas.openxmlformats.org/officeDocument/2006/customXml" ds:itemID="{4B823631-F3B9-444B-BFA9-343B4967A39F}">
   <ds:schemaRefs>
